--- a/乒乓球規格.pptx
+++ b/乒乓球規格.pptx
@@ -9,6 +9,8 @@
     <p:sldId id="257" r:id="rId3"/>
     <p:sldId id="258" r:id="rId4"/>
     <p:sldId id="259" r:id="rId5"/>
+    <p:sldId id="260" r:id="rId6"/>
+    <p:sldId id="261" r:id="rId7"/>
   </p:sldIdLst>
   <p:sldSz cx="12192000" cy="6858000"/>
   <p:notesSz cx="6858000" cy="9144000"/>
@@ -107,6 +109,11 @@
       </a:defRPr>
     </a:lvl9pPr>
   </p:defaultTextStyle>
+  <p:extLst>
+    <p:ext uri="{EFAFB233-063F-42B5-8137-9DF3F51BA10A}">
+      <p15:sldGuideLst xmlns:p15="http://schemas.microsoft.com/office/powerpoint/2012/main"/>
+    </p:ext>
+  </p:extLst>
 </p:presentation>
 </file>
 
@@ -241,7 +248,7 @@
           <a:p>
             <a:fld id="{2547AAD6-B343-4BC1-8444-B8AC757EEBBF}" type="datetimeFigureOut">
               <a:rPr lang="zh-TW" altLang="en-US" smtClean="0"/>
-              <a:t>2020/11/11</a:t>
+              <a:t>2020/11/18</a:t>
             </a:fld>
             <a:endParaRPr lang="zh-TW" altLang="en-US"/>
           </a:p>
@@ -411,7 +418,7 @@
           <a:p>
             <a:fld id="{2547AAD6-B343-4BC1-8444-B8AC757EEBBF}" type="datetimeFigureOut">
               <a:rPr lang="zh-TW" altLang="en-US" smtClean="0"/>
-              <a:t>2020/11/11</a:t>
+              <a:t>2020/11/18</a:t>
             </a:fld>
             <a:endParaRPr lang="zh-TW" altLang="en-US"/>
           </a:p>
@@ -591,7 +598,7 @@
           <a:p>
             <a:fld id="{2547AAD6-B343-4BC1-8444-B8AC757EEBBF}" type="datetimeFigureOut">
               <a:rPr lang="zh-TW" altLang="en-US" smtClean="0"/>
-              <a:t>2020/11/11</a:t>
+              <a:t>2020/11/18</a:t>
             </a:fld>
             <a:endParaRPr lang="zh-TW" altLang="en-US"/>
           </a:p>
@@ -761,7 +768,7 @@
           <a:p>
             <a:fld id="{2547AAD6-B343-4BC1-8444-B8AC757EEBBF}" type="datetimeFigureOut">
               <a:rPr lang="zh-TW" altLang="en-US" smtClean="0"/>
-              <a:t>2020/11/11</a:t>
+              <a:t>2020/11/18</a:t>
             </a:fld>
             <a:endParaRPr lang="zh-TW" altLang="en-US"/>
           </a:p>
@@ -1007,7 +1014,7 @@
           <a:p>
             <a:fld id="{2547AAD6-B343-4BC1-8444-B8AC757EEBBF}" type="datetimeFigureOut">
               <a:rPr lang="zh-TW" altLang="en-US" smtClean="0"/>
-              <a:t>2020/11/11</a:t>
+              <a:t>2020/11/18</a:t>
             </a:fld>
             <a:endParaRPr lang="zh-TW" altLang="en-US"/>
           </a:p>
@@ -1239,7 +1246,7 @@
           <a:p>
             <a:fld id="{2547AAD6-B343-4BC1-8444-B8AC757EEBBF}" type="datetimeFigureOut">
               <a:rPr lang="zh-TW" altLang="en-US" smtClean="0"/>
-              <a:t>2020/11/11</a:t>
+              <a:t>2020/11/18</a:t>
             </a:fld>
             <a:endParaRPr lang="zh-TW" altLang="en-US"/>
           </a:p>
@@ -1606,7 +1613,7 @@
           <a:p>
             <a:fld id="{2547AAD6-B343-4BC1-8444-B8AC757EEBBF}" type="datetimeFigureOut">
               <a:rPr lang="zh-TW" altLang="en-US" smtClean="0"/>
-              <a:t>2020/11/11</a:t>
+              <a:t>2020/11/18</a:t>
             </a:fld>
             <a:endParaRPr lang="zh-TW" altLang="en-US"/>
           </a:p>
@@ -1724,7 +1731,7 @@
           <a:p>
             <a:fld id="{2547AAD6-B343-4BC1-8444-B8AC757EEBBF}" type="datetimeFigureOut">
               <a:rPr lang="zh-TW" altLang="en-US" smtClean="0"/>
-              <a:t>2020/11/11</a:t>
+              <a:t>2020/11/18</a:t>
             </a:fld>
             <a:endParaRPr lang="zh-TW" altLang="en-US"/>
           </a:p>
@@ -1819,7 +1826,7 @@
           <a:p>
             <a:fld id="{2547AAD6-B343-4BC1-8444-B8AC757EEBBF}" type="datetimeFigureOut">
               <a:rPr lang="zh-TW" altLang="en-US" smtClean="0"/>
-              <a:t>2020/11/11</a:t>
+              <a:t>2020/11/18</a:t>
             </a:fld>
             <a:endParaRPr lang="zh-TW" altLang="en-US"/>
           </a:p>
@@ -2096,7 +2103,7 @@
           <a:p>
             <a:fld id="{2547AAD6-B343-4BC1-8444-B8AC757EEBBF}" type="datetimeFigureOut">
               <a:rPr lang="zh-TW" altLang="en-US" smtClean="0"/>
-              <a:t>2020/11/11</a:t>
+              <a:t>2020/11/18</a:t>
             </a:fld>
             <a:endParaRPr lang="zh-TW" altLang="en-US"/>
           </a:p>
@@ -2349,7 +2356,7 @@
           <a:p>
             <a:fld id="{2547AAD6-B343-4BC1-8444-B8AC757EEBBF}" type="datetimeFigureOut">
               <a:rPr lang="zh-TW" altLang="en-US" smtClean="0"/>
-              <a:t>2020/11/11</a:t>
+              <a:t>2020/11/18</a:t>
             </a:fld>
             <a:endParaRPr lang="zh-TW" altLang="en-US"/>
           </a:p>
@@ -2562,7 +2569,7 @@
           <a:p>
             <a:fld id="{2547AAD6-B343-4BC1-8444-B8AC757EEBBF}" type="datetimeFigureOut">
               <a:rPr lang="zh-TW" altLang="en-US" smtClean="0"/>
-              <a:t>2020/11/11</a:t>
+              <a:t>2020/11/18</a:t>
             </a:fld>
             <a:endParaRPr lang="zh-TW" altLang="en-US"/>
           </a:p>
@@ -3372,7 +3379,7 @@
         <p:spPr/>
         <p:txBody>
           <a:bodyPr>
-            <a:normAutofit fontScale="85000" lnSpcReduction="20000"/>
+            <a:normAutofit fontScale="47500" lnSpcReduction="20000"/>
           </a:bodyPr>
           <a:lstStyle/>
           <a:p>
@@ -3598,6 +3605,55 @@
               <a:rPr lang="en-US" altLang="zh-TW" dirty="0" smtClean="0"/>
               <a:t>)</a:t>
             </a:r>
+          </a:p>
+          <a:p>
+            <a:r>
+              <a:rPr lang="zh-TW" altLang="en-US" dirty="0" smtClean="0"/>
+              <a:t>介面效能限制</a:t>
+            </a:r>
+            <a:endParaRPr lang="en-US" altLang="zh-TW" dirty="0" smtClean="0"/>
+          </a:p>
+          <a:p>
+            <a:r>
+              <a:rPr lang="en-US" altLang="zh-TW" dirty="0" smtClean="0"/>
+              <a:t>Break down</a:t>
+            </a:r>
+          </a:p>
+          <a:p>
+            <a:pPr lvl="1"/>
+            <a:r>
+              <a:rPr lang="zh-TW" altLang="en-US" dirty="0" smtClean="0"/>
+              <a:t>子程式</a:t>
+            </a:r>
+            <a:endParaRPr lang="en-US" altLang="zh-TW" dirty="0" smtClean="0"/>
+          </a:p>
+          <a:p>
+            <a:pPr lvl="1"/>
+            <a:r>
+              <a:rPr lang="zh-TW" altLang="en-US" dirty="0" smtClean="0"/>
+              <a:t>零件</a:t>
+            </a:r>
+            <a:endParaRPr lang="en-US" altLang="zh-TW" dirty="0" smtClean="0"/>
+          </a:p>
+          <a:p>
+            <a:pPr lvl="1"/>
+            <a:r>
+              <a:rPr lang="zh-TW" altLang="en-US" dirty="0"/>
+              <a:t>模組</a:t>
+            </a:r>
+            <a:endParaRPr lang="en-US" altLang="zh-TW" dirty="0" smtClean="0"/>
+          </a:p>
+          <a:p>
+            <a:pPr lvl="1"/>
+            <a:r>
+              <a:rPr lang="zh-TW" altLang="en-US" dirty="0" smtClean="0"/>
+              <a:t>函數</a:t>
+            </a:r>
+            <a:r>
+              <a:rPr lang="zh-TW" altLang="en-US" dirty="0"/>
+              <a:t>介面</a:t>
+            </a:r>
+            <a:endParaRPr lang="en-US" altLang="zh-TW" dirty="0" smtClean="0"/>
           </a:p>
         </p:txBody>
       </p:sp>
@@ -3605,6 +3661,355 @@
     <p:extLst>
       <p:ext uri="{BB962C8B-B14F-4D97-AF65-F5344CB8AC3E}">
         <p14:creationId xmlns:p14="http://schemas.microsoft.com/office/powerpoint/2010/main" val="3575151467"/>
+      </p:ext>
+    </p:extLst>
+  </p:cSld>
+  <p:clrMapOvr>
+    <a:masterClrMapping/>
+  </p:clrMapOvr>
+</p:sld>
+</file>
+
+<file path=ppt/slides/slide5.xml><?xml version="1.0" encoding="utf-8"?>
+<p:sld xmlns:a="http://schemas.openxmlformats.org/drawingml/2006/main" xmlns:r="http://schemas.openxmlformats.org/officeDocument/2006/relationships" xmlns:p="http://schemas.openxmlformats.org/presentationml/2006/main">
+  <p:cSld>
+    <p:spTree>
+      <p:nvGrpSpPr>
+        <p:cNvPr id="1" name=""/>
+        <p:cNvGrpSpPr/>
+        <p:nvPr/>
+      </p:nvGrpSpPr>
+      <p:grpSpPr>
+        <a:xfrm>
+          <a:off x="0" y="0"/>
+          <a:ext cx="0" cy="0"/>
+          <a:chOff x="0" y="0"/>
+          <a:chExt cx="0" cy="0"/>
+        </a:xfrm>
+      </p:grpSpPr>
+      <p:sp>
+        <p:nvSpPr>
+          <p:cNvPr id="2" name="標題 1"/>
+          <p:cNvSpPr>
+            <a:spLocks noGrp="1"/>
+          </p:cNvSpPr>
+          <p:nvPr>
+            <p:ph type="title"/>
+          </p:nvPr>
+        </p:nvSpPr>
+        <p:spPr/>
+        <p:txBody>
+          <a:bodyPr/>
+          <a:lstStyle/>
+          <a:p>
+            <a:pPr algn="ctr"/>
+            <a:r>
+              <a:rPr lang="zh-TW" altLang="en-US" dirty="0" smtClean="0"/>
+              <a:t>分析</a:t>
+            </a:r>
+            <a:endParaRPr lang="zh-TW" altLang="en-US" dirty="0"/>
+          </a:p>
+        </p:txBody>
+      </p:sp>
+      <p:sp>
+        <p:nvSpPr>
+          <p:cNvPr id="3" name="內容版面配置區 2"/>
+          <p:cNvSpPr>
+            <a:spLocks noGrp="1"/>
+          </p:cNvSpPr>
+          <p:nvPr>
+            <p:ph idx="1"/>
+          </p:nvPr>
+        </p:nvSpPr>
+        <p:spPr/>
+        <p:txBody>
+          <a:bodyPr/>
+          <a:lstStyle/>
+          <a:p>
+            <a:r>
+              <a:rPr lang="zh-TW" altLang="en-US" dirty="0" smtClean="0"/>
+              <a:t>預測演算系統</a:t>
+            </a:r>
+            <a:endParaRPr lang="en-US" altLang="zh-TW" dirty="0" smtClean="0"/>
+          </a:p>
+          <a:p>
+            <a:pPr lvl="1"/>
+            <a:r>
+              <a:rPr lang="zh-TW" altLang="en-US" dirty="0" smtClean="0"/>
+              <a:t>球路計算機</a:t>
+            </a:r>
+            <a:endParaRPr lang="en-US" altLang="zh-TW" dirty="0" smtClean="0"/>
+          </a:p>
+          <a:p>
+            <a:pPr lvl="2"/>
+            <a:r>
+              <a:rPr lang="zh-TW" altLang="en-US" dirty="0" smtClean="0"/>
+              <a:t>預測球的移動路徑</a:t>
+            </a:r>
+            <a:r>
+              <a:rPr lang="en-US" altLang="zh-TW" dirty="0" smtClean="0"/>
+              <a:t>(</a:t>
+            </a:r>
+            <a:r>
+              <a:rPr lang="zh-TW" altLang="en-US" dirty="0" smtClean="0"/>
+              <a:t>在球已經離開板子後到對方板子間的路徑</a:t>
+            </a:r>
+            <a:r>
+              <a:rPr lang="en-US" altLang="zh-TW" dirty="0" smtClean="0"/>
+              <a:t>)</a:t>
+            </a:r>
+          </a:p>
+          <a:p>
+            <a:pPr lvl="1"/>
+            <a:r>
+              <a:rPr lang="zh-TW" altLang="en-US" dirty="0" smtClean="0"/>
+              <a:t>決策計算機</a:t>
+            </a:r>
+            <a:endParaRPr lang="en-US" altLang="zh-TW" dirty="0" smtClean="0"/>
+          </a:p>
+          <a:p>
+            <a:pPr lvl="2"/>
+            <a:r>
+              <a:rPr lang="zh-TW" altLang="en-US" dirty="0" smtClean="0"/>
+              <a:t>寬</a:t>
+            </a:r>
+            <a:r>
+              <a:rPr lang="zh-TW" altLang="en-US" dirty="0"/>
+              <a:t>度</a:t>
+            </a:r>
+            <a:r>
+              <a:rPr lang="zh-TW" altLang="en-US" dirty="0" smtClean="0"/>
+              <a:t>優先搜尋對手切球所有可能的決策路徑</a:t>
+            </a:r>
+            <a:endParaRPr lang="en-US" altLang="zh-TW" dirty="0" smtClean="0"/>
+          </a:p>
+          <a:p>
+            <a:pPr lvl="2"/>
+            <a:r>
+              <a:rPr lang="zh-TW" altLang="en-US" dirty="0" smtClean="0"/>
+              <a:t>深度優先搜尋我方切球可能獲勝的決策路徑</a:t>
+            </a:r>
+            <a:endParaRPr lang="en-US" altLang="zh-TW" dirty="0" smtClean="0"/>
+          </a:p>
+          <a:p>
+            <a:r>
+              <a:rPr lang="zh-TW" altLang="en-US" dirty="0" smtClean="0"/>
+              <a:t>資料可視化系統</a:t>
+            </a:r>
+            <a:endParaRPr lang="en-US" altLang="zh-TW" dirty="0" smtClean="0"/>
+          </a:p>
+          <a:p>
+            <a:pPr lvl="1"/>
+            <a:r>
+              <a:rPr lang="zh-TW" altLang="en-US" dirty="0" smtClean="0"/>
+              <a:t>繪製球的移動路徑與標記碰撞點</a:t>
+            </a:r>
+            <a:endParaRPr lang="en-US" altLang="zh-TW" dirty="0" smtClean="0"/>
+          </a:p>
+          <a:p>
+            <a:pPr lvl="1"/>
+            <a:r>
+              <a:rPr lang="zh-TW" altLang="en-US" dirty="0" smtClean="0"/>
+              <a:t>顯示</a:t>
+            </a:r>
+            <a:r>
+              <a:rPr lang="zh-TW" altLang="en-US" dirty="0"/>
+              <a:t>演算</a:t>
+            </a:r>
+            <a:r>
+              <a:rPr lang="zh-TW" altLang="en-US" dirty="0" smtClean="0"/>
+              <a:t>系統計算可獲勝的預測路徑</a:t>
+            </a:r>
+            <a:endParaRPr lang="en-US" altLang="zh-TW" dirty="0" smtClean="0"/>
+          </a:p>
+          <a:p>
+            <a:pPr lvl="2"/>
+            <a:r>
+              <a:rPr lang="zh-TW" altLang="en-US" dirty="0" smtClean="0"/>
+              <a:t>球來回</a:t>
+            </a:r>
+            <a:r>
+              <a:rPr lang="en-US" altLang="zh-TW" dirty="0" smtClean="0"/>
+              <a:t>1</a:t>
+            </a:r>
+            <a:r>
+              <a:rPr lang="zh-TW" altLang="en-US" dirty="0" smtClean="0"/>
+              <a:t>次定義為</a:t>
+            </a:r>
+            <a:r>
+              <a:rPr lang="en-US" altLang="zh-TW" dirty="0" smtClean="0"/>
+              <a:t>1</a:t>
+            </a:r>
+            <a:r>
+              <a:rPr lang="zh-TW" altLang="en-US" dirty="0" smtClean="0"/>
+              <a:t>周目</a:t>
+            </a:r>
+            <a:r>
+              <a:rPr lang="en-US" altLang="zh-TW" dirty="0" smtClean="0"/>
+              <a:t>(</a:t>
+            </a:r>
+            <a:r>
+              <a:rPr lang="zh-TW" altLang="en-US" dirty="0" smtClean="0"/>
+              <a:t>把</a:t>
+            </a:r>
+            <a:r>
+              <a:rPr lang="en-US" altLang="zh-TW" dirty="0" smtClean="0"/>
+              <a:t>1~n</a:t>
+            </a:r>
+            <a:r>
+              <a:rPr lang="zh-TW" altLang="en-US" dirty="0" smtClean="0"/>
+              <a:t>周目的路徑用不同顏色分開</a:t>
+            </a:r>
+            <a:r>
+              <a:rPr lang="en-US" altLang="zh-TW" dirty="0" smtClean="0"/>
+              <a:t>)</a:t>
+            </a:r>
+          </a:p>
+          <a:p>
+            <a:pPr lvl="2"/>
+            <a:endParaRPr lang="en-US" altLang="zh-TW" dirty="0" smtClean="0"/>
+          </a:p>
+          <a:p>
+            <a:pPr lvl="1"/>
+            <a:endParaRPr lang="en-US" altLang="zh-TW" dirty="0" smtClean="0"/>
+          </a:p>
+        </p:txBody>
+      </p:sp>
+    </p:spTree>
+    <p:extLst>
+      <p:ext uri="{BB962C8B-B14F-4D97-AF65-F5344CB8AC3E}">
+        <p14:creationId xmlns:p14="http://schemas.microsoft.com/office/powerpoint/2010/main" val="1972764358"/>
+      </p:ext>
+    </p:extLst>
+  </p:cSld>
+  <p:clrMapOvr>
+    <a:masterClrMapping/>
+  </p:clrMapOvr>
+</p:sld>
+</file>
+
+<file path=ppt/slides/slide6.xml><?xml version="1.0" encoding="utf-8"?>
+<p:sld xmlns:a="http://schemas.openxmlformats.org/drawingml/2006/main" xmlns:r="http://schemas.openxmlformats.org/officeDocument/2006/relationships" xmlns:p="http://schemas.openxmlformats.org/presentationml/2006/main">
+  <p:cSld>
+    <p:spTree>
+      <p:nvGrpSpPr>
+        <p:cNvPr id="1" name=""/>
+        <p:cNvGrpSpPr/>
+        <p:nvPr/>
+      </p:nvGrpSpPr>
+      <p:grpSpPr>
+        <a:xfrm>
+          <a:off x="0" y="0"/>
+          <a:ext cx="0" cy="0"/>
+          <a:chOff x="0" y="0"/>
+          <a:chExt cx="0" cy="0"/>
+        </a:xfrm>
+      </p:grpSpPr>
+      <p:sp>
+        <p:nvSpPr>
+          <p:cNvPr id="2" name="標題 1"/>
+          <p:cNvSpPr>
+            <a:spLocks noGrp="1"/>
+          </p:cNvSpPr>
+          <p:nvPr>
+            <p:ph type="title"/>
+          </p:nvPr>
+        </p:nvSpPr>
+        <p:spPr/>
+        <p:txBody>
+          <a:bodyPr/>
+          <a:lstStyle/>
+          <a:p>
+            <a:pPr algn="ctr"/>
+            <a:r>
+              <a:rPr lang="zh-TW" altLang="en-US" dirty="0" smtClean="0"/>
+              <a:t>分析</a:t>
+            </a:r>
+            <a:endParaRPr lang="zh-TW" altLang="en-US" dirty="0"/>
+          </a:p>
+        </p:txBody>
+      </p:sp>
+      <p:sp>
+        <p:nvSpPr>
+          <p:cNvPr id="3" name="內容版面配置區 2"/>
+          <p:cNvSpPr>
+            <a:spLocks noGrp="1"/>
+          </p:cNvSpPr>
+          <p:nvPr>
+            <p:ph idx="1"/>
+          </p:nvPr>
+        </p:nvSpPr>
+        <p:spPr/>
+        <p:txBody>
+          <a:bodyPr/>
+          <a:lstStyle/>
+          <a:p>
+            <a:r>
+              <a:rPr lang="zh-TW" altLang="en-US" dirty="0" smtClean="0"/>
+              <a:t>即時訓練系統</a:t>
+            </a:r>
+            <a:endParaRPr lang="en-US" altLang="zh-TW" dirty="0" smtClean="0"/>
+          </a:p>
+          <a:p>
+            <a:pPr lvl="1"/>
+            <a:r>
+              <a:rPr lang="zh-TW" altLang="en-US" dirty="0" smtClean="0"/>
+              <a:t>線上訓練全新的神經網路</a:t>
+            </a:r>
+            <a:endParaRPr lang="en-US" altLang="zh-TW" dirty="0" smtClean="0"/>
+          </a:p>
+          <a:p>
+            <a:pPr lvl="2"/>
+            <a:r>
+              <a:rPr lang="zh-TW" altLang="en-US" dirty="0" smtClean="0"/>
+              <a:t>對戰失分時學習失分路徑的預測路徑回饋到預測演算系統</a:t>
+            </a:r>
+            <a:endParaRPr lang="en-US" altLang="zh-TW" dirty="0" smtClean="0"/>
+          </a:p>
+          <a:p>
+            <a:r>
+              <a:rPr lang="zh-TW" altLang="en-US" dirty="0" smtClean="0"/>
+              <a:t>驗證系統</a:t>
+            </a:r>
+            <a:endParaRPr lang="en-US" altLang="zh-TW" dirty="0" smtClean="0"/>
+          </a:p>
+          <a:p>
+            <a:pPr lvl="1"/>
+            <a:r>
+              <a:rPr lang="zh-TW" altLang="en-US" dirty="0" smtClean="0"/>
+              <a:t>以</a:t>
+            </a:r>
+            <a:r>
+              <a:rPr lang="en-US" altLang="zh-TW" dirty="0" smtClean="0"/>
+              <a:t>Rule Base</a:t>
+            </a:r>
+            <a:r>
+              <a:rPr lang="zh-TW" altLang="en-US" dirty="0" smtClean="0"/>
+              <a:t>驗證訓練的網路是否更好</a:t>
+            </a:r>
+            <a:endParaRPr lang="en-US" altLang="zh-TW" dirty="0" smtClean="0"/>
+          </a:p>
+          <a:p>
+            <a:r>
+              <a:rPr lang="zh-TW" altLang="en-US" dirty="0" smtClean="0"/>
+              <a:t>模式切換系統</a:t>
+            </a:r>
+            <a:endParaRPr lang="en-US" altLang="zh-TW" dirty="0" smtClean="0"/>
+          </a:p>
+          <a:p>
+            <a:pPr lvl="1"/>
+            <a:r>
+              <a:rPr lang="zh-TW" altLang="en-US" dirty="0" smtClean="0"/>
+              <a:t>利用驗證結果決定是否切換網路</a:t>
+            </a:r>
+            <a:endParaRPr lang="en-US" altLang="zh-TW" dirty="0"/>
+          </a:p>
+        </p:txBody>
+      </p:sp>
+    </p:spTree>
+    <p:extLst>
+      <p:ext uri="{BB962C8B-B14F-4D97-AF65-F5344CB8AC3E}">
+        <p14:creationId xmlns:p14="http://schemas.microsoft.com/office/powerpoint/2010/main" val="4173134792"/>
       </p:ext>
     </p:extLst>
   </p:cSld>

--- a/乒乓球規格.pptx
+++ b/乒乓球規格.pptx
@@ -9,8 +9,36 @@
     <p:sldId id="257" r:id="rId3"/>
     <p:sldId id="258" r:id="rId4"/>
     <p:sldId id="259" r:id="rId5"/>
-    <p:sldId id="260" r:id="rId6"/>
-    <p:sldId id="261" r:id="rId7"/>
+    <p:sldId id="269" r:id="rId6"/>
+    <p:sldId id="264" r:id="rId7"/>
+    <p:sldId id="265" r:id="rId8"/>
+    <p:sldId id="268" r:id="rId9"/>
+    <p:sldId id="266" r:id="rId10"/>
+    <p:sldId id="267" r:id="rId11"/>
+    <p:sldId id="260" r:id="rId12"/>
+    <p:sldId id="261" r:id="rId13"/>
+    <p:sldId id="262" r:id="rId14"/>
+    <p:sldId id="263" r:id="rId15"/>
+    <p:sldId id="287" r:id="rId16"/>
+    <p:sldId id="271" r:id="rId17"/>
+    <p:sldId id="270" r:id="rId18"/>
+    <p:sldId id="273" r:id="rId19"/>
+    <p:sldId id="274" r:id="rId20"/>
+    <p:sldId id="275" r:id="rId21"/>
+    <p:sldId id="276" r:id="rId22"/>
+    <p:sldId id="277" r:id="rId23"/>
+    <p:sldId id="278" r:id="rId24"/>
+    <p:sldId id="279" r:id="rId25"/>
+    <p:sldId id="280" r:id="rId26"/>
+    <p:sldId id="281" r:id="rId27"/>
+    <p:sldId id="282" r:id="rId28"/>
+    <p:sldId id="283" r:id="rId29"/>
+    <p:sldId id="284" r:id="rId30"/>
+    <p:sldId id="285" r:id="rId31"/>
+    <p:sldId id="286" r:id="rId32"/>
+    <p:sldId id="272" r:id="rId33"/>
+    <p:sldId id="288" r:id="rId34"/>
+    <p:sldId id="289" r:id="rId35"/>
   </p:sldIdLst>
   <p:sldSz cx="12192000" cy="6858000"/>
   <p:notesSz cx="6858000" cy="9144000"/>
@@ -248,7 +276,7 @@
           <a:p>
             <a:fld id="{2547AAD6-B343-4BC1-8444-B8AC757EEBBF}" type="datetimeFigureOut">
               <a:rPr lang="zh-TW" altLang="en-US" smtClean="0"/>
-              <a:t>2020/11/18</a:t>
+              <a:t>2021/1/15</a:t>
             </a:fld>
             <a:endParaRPr lang="zh-TW" altLang="en-US"/>
           </a:p>
@@ -418,7 +446,7 @@
           <a:p>
             <a:fld id="{2547AAD6-B343-4BC1-8444-B8AC757EEBBF}" type="datetimeFigureOut">
               <a:rPr lang="zh-TW" altLang="en-US" smtClean="0"/>
-              <a:t>2020/11/18</a:t>
+              <a:t>2021/1/15</a:t>
             </a:fld>
             <a:endParaRPr lang="zh-TW" altLang="en-US"/>
           </a:p>
@@ -598,7 +626,7 @@
           <a:p>
             <a:fld id="{2547AAD6-B343-4BC1-8444-B8AC757EEBBF}" type="datetimeFigureOut">
               <a:rPr lang="zh-TW" altLang="en-US" smtClean="0"/>
-              <a:t>2020/11/18</a:t>
+              <a:t>2021/1/15</a:t>
             </a:fld>
             <a:endParaRPr lang="zh-TW" altLang="en-US"/>
           </a:p>
@@ -768,7 +796,7 @@
           <a:p>
             <a:fld id="{2547AAD6-B343-4BC1-8444-B8AC757EEBBF}" type="datetimeFigureOut">
               <a:rPr lang="zh-TW" altLang="en-US" smtClean="0"/>
-              <a:t>2020/11/18</a:t>
+              <a:t>2021/1/15</a:t>
             </a:fld>
             <a:endParaRPr lang="zh-TW" altLang="en-US"/>
           </a:p>
@@ -1014,7 +1042,7 @@
           <a:p>
             <a:fld id="{2547AAD6-B343-4BC1-8444-B8AC757EEBBF}" type="datetimeFigureOut">
               <a:rPr lang="zh-TW" altLang="en-US" smtClean="0"/>
-              <a:t>2020/11/18</a:t>
+              <a:t>2021/1/15</a:t>
             </a:fld>
             <a:endParaRPr lang="zh-TW" altLang="en-US"/>
           </a:p>
@@ -1246,7 +1274,7 @@
           <a:p>
             <a:fld id="{2547AAD6-B343-4BC1-8444-B8AC757EEBBF}" type="datetimeFigureOut">
               <a:rPr lang="zh-TW" altLang="en-US" smtClean="0"/>
-              <a:t>2020/11/18</a:t>
+              <a:t>2021/1/15</a:t>
             </a:fld>
             <a:endParaRPr lang="zh-TW" altLang="en-US"/>
           </a:p>
@@ -1613,7 +1641,7 @@
           <a:p>
             <a:fld id="{2547AAD6-B343-4BC1-8444-B8AC757EEBBF}" type="datetimeFigureOut">
               <a:rPr lang="zh-TW" altLang="en-US" smtClean="0"/>
-              <a:t>2020/11/18</a:t>
+              <a:t>2021/1/15</a:t>
             </a:fld>
             <a:endParaRPr lang="zh-TW" altLang="en-US"/>
           </a:p>
@@ -1731,7 +1759,7 @@
           <a:p>
             <a:fld id="{2547AAD6-B343-4BC1-8444-B8AC757EEBBF}" type="datetimeFigureOut">
               <a:rPr lang="zh-TW" altLang="en-US" smtClean="0"/>
-              <a:t>2020/11/18</a:t>
+              <a:t>2021/1/15</a:t>
             </a:fld>
             <a:endParaRPr lang="zh-TW" altLang="en-US"/>
           </a:p>
@@ -1826,7 +1854,7 @@
           <a:p>
             <a:fld id="{2547AAD6-B343-4BC1-8444-B8AC757EEBBF}" type="datetimeFigureOut">
               <a:rPr lang="zh-TW" altLang="en-US" smtClean="0"/>
-              <a:t>2020/11/18</a:t>
+              <a:t>2021/1/15</a:t>
             </a:fld>
             <a:endParaRPr lang="zh-TW" altLang="en-US"/>
           </a:p>
@@ -2103,7 +2131,7 @@
           <a:p>
             <a:fld id="{2547AAD6-B343-4BC1-8444-B8AC757EEBBF}" type="datetimeFigureOut">
               <a:rPr lang="zh-TW" altLang="en-US" smtClean="0"/>
-              <a:t>2020/11/18</a:t>
+              <a:t>2021/1/15</a:t>
             </a:fld>
             <a:endParaRPr lang="zh-TW" altLang="en-US"/>
           </a:p>
@@ -2356,7 +2384,7 @@
           <a:p>
             <a:fld id="{2547AAD6-B343-4BC1-8444-B8AC757EEBBF}" type="datetimeFigureOut">
               <a:rPr lang="zh-TW" altLang="en-US" smtClean="0"/>
-              <a:t>2020/11/18</a:t>
+              <a:t>2021/1/15</a:t>
             </a:fld>
             <a:endParaRPr lang="zh-TW" altLang="en-US"/>
           </a:p>
@@ -2569,7 +2597,7 @@
           <a:p>
             <a:fld id="{2547AAD6-B343-4BC1-8444-B8AC757EEBBF}" type="datetimeFigureOut">
               <a:rPr lang="zh-TW" altLang="en-US" smtClean="0"/>
-              <a:t>2020/11/18</a:t>
+              <a:t>2021/1/15</a:t>
             </a:fld>
             <a:endParaRPr lang="zh-TW" altLang="en-US"/>
           </a:p>
@@ -3027,7 +3055,15 @@
             </a:r>
             <a:r>
               <a:rPr lang="zh-TW" altLang="en-US" dirty="0" smtClean="0"/>
-              <a:t>   林紘宇</a:t>
+              <a:t>   林紘</a:t>
+            </a:r>
+            <a:r>
+              <a:rPr lang="zh-TW" altLang="en-US" dirty="0" smtClean="0"/>
+              <a:t>宇 </a:t>
+            </a:r>
+            <a:r>
+              <a:rPr lang="en-US" altLang="zh-TW" dirty="0" smtClean="0"/>
+              <a:t>I108109113</a:t>
             </a:r>
             <a:endParaRPr lang="en-US" altLang="zh-TW" dirty="0" smtClean="0"/>
           </a:p>
@@ -3038,7 +3074,15 @@
             </a:r>
             <a:r>
               <a:rPr lang="zh-TW" altLang="en-US" dirty="0" smtClean="0"/>
-              <a:t>彭昭雄</a:t>
+              <a:t>彭昭雄 </a:t>
+            </a:r>
+            <a:r>
+              <a:rPr lang="en-US" altLang="zh-TW" dirty="0"/>
+              <a:t>J</a:t>
+            </a:r>
+            <a:r>
+              <a:rPr lang="en-US" altLang="zh-TW" dirty="0" smtClean="0"/>
+              <a:t>108212114</a:t>
             </a:r>
             <a:endParaRPr lang="zh-TW" altLang="en-US" dirty="0"/>
           </a:p>
@@ -3048,6 +3092,1815 @@
     <p:extLst>
       <p:ext uri="{BB962C8B-B14F-4D97-AF65-F5344CB8AC3E}">
         <p14:creationId xmlns:p14="http://schemas.microsoft.com/office/powerpoint/2010/main" val="118988885"/>
+      </p:ext>
+    </p:extLst>
+  </p:cSld>
+  <p:clrMapOvr>
+    <a:masterClrMapping/>
+  </p:clrMapOvr>
+</p:sld>
+</file>
+
+<file path=ppt/slides/slide10.xml><?xml version="1.0" encoding="utf-8"?>
+<p:sld xmlns:a="http://schemas.openxmlformats.org/drawingml/2006/main" xmlns:r="http://schemas.openxmlformats.org/officeDocument/2006/relationships" xmlns:p="http://schemas.openxmlformats.org/presentationml/2006/main">
+  <p:cSld>
+    <p:spTree>
+      <p:nvGrpSpPr>
+        <p:cNvPr id="1" name=""/>
+        <p:cNvGrpSpPr/>
+        <p:nvPr/>
+      </p:nvGrpSpPr>
+      <p:grpSpPr>
+        <a:xfrm>
+          <a:off x="0" y="0"/>
+          <a:ext cx="0" cy="0"/>
+          <a:chOff x="0" y="0"/>
+          <a:chExt cx="0" cy="0"/>
+        </a:xfrm>
+      </p:grpSpPr>
+      <p:sp>
+        <p:nvSpPr>
+          <p:cNvPr id="2" name="標題 1"/>
+          <p:cNvSpPr>
+            <a:spLocks noGrp="1"/>
+          </p:cNvSpPr>
+          <p:nvPr>
+            <p:ph type="title"/>
+          </p:nvPr>
+        </p:nvSpPr>
+        <p:spPr/>
+        <p:txBody>
+          <a:bodyPr/>
+          <a:lstStyle/>
+          <a:p>
+            <a:pPr algn="ctr"/>
+            <a:r>
+              <a:rPr lang="zh-TW" altLang="en-US" dirty="0"/>
+              <a:t>驗證</a:t>
+            </a:r>
+            <a:r>
+              <a:rPr lang="zh-TW" altLang="en-US" dirty="0" smtClean="0"/>
+              <a:t>需求</a:t>
+            </a:r>
+            <a:endParaRPr lang="zh-TW" altLang="en-US" dirty="0"/>
+          </a:p>
+        </p:txBody>
+      </p:sp>
+      <p:sp>
+        <p:nvSpPr>
+          <p:cNvPr id="3" name="內容版面配置區 2"/>
+          <p:cNvSpPr>
+            <a:spLocks noGrp="1"/>
+          </p:cNvSpPr>
+          <p:nvPr>
+            <p:ph idx="1"/>
+          </p:nvPr>
+        </p:nvSpPr>
+        <p:spPr/>
+        <p:txBody>
+          <a:bodyPr/>
+          <a:lstStyle/>
+          <a:p>
+            <a:r>
+              <a:rPr lang="zh-TW" altLang="en-US" dirty="0" smtClean="0"/>
+              <a:t>樣本可視化</a:t>
+            </a:r>
+            <a:endParaRPr lang="en-US" altLang="zh-TW" dirty="0" smtClean="0"/>
+          </a:p>
+          <a:p>
+            <a:pPr lvl="1"/>
+            <a:r>
+              <a:rPr lang="zh-TW" altLang="en-US" dirty="0" smtClean="0"/>
+              <a:t>驗證訓練樣本是否有</a:t>
+            </a:r>
+            <a:r>
+              <a:rPr lang="zh-TW" altLang="en-US" dirty="0"/>
+              <a:t>效</a:t>
+            </a:r>
+            <a:endParaRPr lang="en-US" altLang="zh-TW" dirty="0" smtClean="0"/>
+          </a:p>
+          <a:p>
+            <a:r>
+              <a:rPr lang="zh-TW" altLang="en-US" dirty="0" smtClean="0"/>
+              <a:t>設計</a:t>
+            </a:r>
+            <a:r>
+              <a:rPr lang="en-US" altLang="zh-TW" dirty="0" err="1"/>
+              <a:t>RuleBase</a:t>
+            </a:r>
+            <a:r>
+              <a:rPr lang="zh-TW" altLang="en-US" dirty="0"/>
+              <a:t>用來驗證訓練</a:t>
+            </a:r>
+            <a:r>
+              <a:rPr lang="zh-TW" altLang="en-US" dirty="0" smtClean="0"/>
+              <a:t>成果</a:t>
+            </a:r>
+            <a:endParaRPr lang="en-US" altLang="zh-TW" dirty="0" smtClean="0"/>
+          </a:p>
+          <a:p>
+            <a:pPr lvl="1"/>
+            <a:r>
+              <a:rPr lang="zh-TW" altLang="en-US" dirty="0" smtClean="0"/>
+              <a:t>將</a:t>
+            </a:r>
+            <a:r>
+              <a:rPr lang="en-US" altLang="zh-TW" dirty="0" err="1" smtClean="0"/>
+              <a:t>RuleBase</a:t>
+            </a:r>
+            <a:r>
+              <a:rPr lang="zh-TW" altLang="en-US" dirty="0" smtClean="0"/>
+              <a:t>視為理論上不發生動作錯誤的絕對價值來驗證機器學習是否有缺陷</a:t>
+            </a:r>
+            <a:endParaRPr lang="en-US" altLang="zh-TW" dirty="0" smtClean="0"/>
+          </a:p>
+          <a:p>
+            <a:r>
+              <a:rPr lang="zh-TW" altLang="en-US" dirty="0" smtClean="0"/>
+              <a:t>設計多種機器學習彼此對戰</a:t>
+            </a:r>
+            <a:endParaRPr lang="en-US" altLang="zh-TW" dirty="0" smtClean="0"/>
+          </a:p>
+          <a:p>
+            <a:pPr lvl="1"/>
+            <a:r>
+              <a:rPr lang="zh-TW" altLang="en-US" dirty="0" smtClean="0"/>
+              <a:t>對戰結果將決定採用在正式比賽</a:t>
+            </a:r>
+            <a:endParaRPr lang="en-US" altLang="zh-TW" dirty="0" smtClean="0"/>
+          </a:p>
+          <a:p>
+            <a:endParaRPr lang="en-US" altLang="zh-TW" dirty="0"/>
+          </a:p>
+          <a:p>
+            <a:endParaRPr lang="zh-TW" altLang="en-US" dirty="0"/>
+          </a:p>
+        </p:txBody>
+      </p:sp>
+    </p:spTree>
+    <p:extLst>
+      <p:ext uri="{BB962C8B-B14F-4D97-AF65-F5344CB8AC3E}">
+        <p14:creationId xmlns:p14="http://schemas.microsoft.com/office/powerpoint/2010/main" val="1603153699"/>
+      </p:ext>
+    </p:extLst>
+  </p:cSld>
+  <p:clrMapOvr>
+    <a:masterClrMapping/>
+  </p:clrMapOvr>
+</p:sld>
+</file>
+
+<file path=ppt/slides/slide11.xml><?xml version="1.0" encoding="utf-8"?>
+<p:sld xmlns:a="http://schemas.openxmlformats.org/drawingml/2006/main" xmlns:r="http://schemas.openxmlformats.org/officeDocument/2006/relationships" xmlns:p="http://schemas.openxmlformats.org/presentationml/2006/main">
+  <p:cSld>
+    <p:spTree>
+      <p:nvGrpSpPr>
+        <p:cNvPr id="1" name=""/>
+        <p:cNvGrpSpPr/>
+        <p:nvPr/>
+      </p:nvGrpSpPr>
+      <p:grpSpPr>
+        <a:xfrm>
+          <a:off x="0" y="0"/>
+          <a:ext cx="0" cy="0"/>
+          <a:chOff x="0" y="0"/>
+          <a:chExt cx="0" cy="0"/>
+        </a:xfrm>
+      </p:grpSpPr>
+      <p:sp>
+        <p:nvSpPr>
+          <p:cNvPr id="2" name="標題 1"/>
+          <p:cNvSpPr>
+            <a:spLocks noGrp="1"/>
+          </p:cNvSpPr>
+          <p:nvPr>
+            <p:ph type="title"/>
+          </p:nvPr>
+        </p:nvSpPr>
+        <p:spPr/>
+        <p:txBody>
+          <a:bodyPr/>
+          <a:lstStyle/>
+          <a:p>
+            <a:pPr algn="ctr"/>
+            <a:r>
+              <a:rPr lang="zh-TW" altLang="en-US" dirty="0" smtClean="0"/>
+              <a:t>分析</a:t>
+            </a:r>
+            <a:endParaRPr lang="zh-TW" altLang="en-US" dirty="0"/>
+          </a:p>
+        </p:txBody>
+      </p:sp>
+      <p:sp>
+        <p:nvSpPr>
+          <p:cNvPr id="3" name="內容版面配置區 2"/>
+          <p:cNvSpPr>
+            <a:spLocks noGrp="1"/>
+          </p:cNvSpPr>
+          <p:nvPr>
+            <p:ph idx="1"/>
+          </p:nvPr>
+        </p:nvSpPr>
+        <p:spPr/>
+        <p:txBody>
+          <a:bodyPr>
+            <a:normAutofit fontScale="92500" lnSpcReduction="10000"/>
+          </a:bodyPr>
+          <a:lstStyle/>
+          <a:p>
+            <a:r>
+              <a:rPr lang="zh-TW" altLang="en-US" dirty="0" smtClean="0"/>
+              <a:t>預測演算系統</a:t>
+            </a:r>
+            <a:endParaRPr lang="en-US" altLang="zh-TW" dirty="0" smtClean="0"/>
+          </a:p>
+          <a:p>
+            <a:pPr lvl="1"/>
+            <a:r>
+              <a:rPr lang="zh-TW" altLang="en-US" dirty="0" smtClean="0"/>
+              <a:t>球路計算機</a:t>
+            </a:r>
+            <a:endParaRPr lang="en-US" altLang="zh-TW" dirty="0" smtClean="0"/>
+          </a:p>
+          <a:p>
+            <a:pPr lvl="2"/>
+            <a:r>
+              <a:rPr lang="zh-TW" altLang="en-US" dirty="0" smtClean="0"/>
+              <a:t>預測球的移動路徑</a:t>
+            </a:r>
+            <a:r>
+              <a:rPr lang="en-US" altLang="zh-TW" dirty="0" smtClean="0"/>
+              <a:t>(</a:t>
+            </a:r>
+            <a:r>
+              <a:rPr lang="zh-TW" altLang="en-US" dirty="0" smtClean="0"/>
+              <a:t>在球已經離開板子後到對方板子間的路徑</a:t>
+            </a:r>
+            <a:r>
+              <a:rPr lang="en-US" altLang="zh-TW" dirty="0" smtClean="0"/>
+              <a:t>)</a:t>
+            </a:r>
+          </a:p>
+          <a:p>
+            <a:pPr lvl="1"/>
+            <a:r>
+              <a:rPr lang="zh-TW" altLang="en-US" dirty="0" smtClean="0"/>
+              <a:t>決策</a:t>
+            </a:r>
+            <a:r>
+              <a:rPr lang="zh-TW" altLang="en-US" dirty="0" smtClean="0"/>
+              <a:t>計算機</a:t>
+            </a:r>
+            <a:endParaRPr lang="en-US" altLang="zh-TW" dirty="0" smtClean="0"/>
+          </a:p>
+          <a:p>
+            <a:pPr lvl="2"/>
+            <a:r>
+              <a:rPr lang="zh-TW" altLang="en-US" dirty="0" smtClean="0"/>
+              <a:t>不切球情況下預測單一周目的可能</a:t>
+            </a:r>
+            <a:endParaRPr lang="en-US" altLang="zh-TW" dirty="0" smtClean="0"/>
+          </a:p>
+          <a:p>
+            <a:pPr lvl="2"/>
+            <a:r>
+              <a:rPr lang="zh-TW" altLang="en-US" dirty="0"/>
+              <a:t>不切球情況下</a:t>
+            </a:r>
+            <a:r>
+              <a:rPr lang="zh-TW" altLang="en-US" dirty="0" smtClean="0"/>
+              <a:t>預測開球會獲勝的位置</a:t>
+            </a:r>
+            <a:endParaRPr lang="en-US" altLang="zh-TW" dirty="0" smtClean="0"/>
+          </a:p>
+          <a:p>
+            <a:pPr lvl="2"/>
+            <a:r>
+              <a:rPr lang="zh-TW" altLang="en-US" strike="sngStrike" dirty="0" smtClean="0"/>
+              <a:t>寬</a:t>
+            </a:r>
+            <a:r>
+              <a:rPr lang="zh-TW" altLang="en-US" strike="sngStrike" dirty="0"/>
+              <a:t>度</a:t>
+            </a:r>
+            <a:r>
+              <a:rPr lang="zh-TW" altLang="en-US" strike="sngStrike" dirty="0" smtClean="0"/>
+              <a:t>優先搜尋對手切球所有可能的決策路徑</a:t>
+            </a:r>
+            <a:endParaRPr lang="en-US" altLang="zh-TW" strike="sngStrike" dirty="0" smtClean="0"/>
+          </a:p>
+          <a:p>
+            <a:pPr lvl="2"/>
+            <a:r>
+              <a:rPr lang="zh-TW" altLang="en-US" strike="sngStrike" dirty="0" smtClean="0"/>
+              <a:t>深度優先搜尋我方切球可能獲勝的決策路徑</a:t>
+            </a:r>
+            <a:endParaRPr lang="en-US" altLang="zh-TW" strike="sngStrike" dirty="0" smtClean="0"/>
+          </a:p>
+          <a:p>
+            <a:r>
+              <a:rPr lang="zh-TW" altLang="en-US" dirty="0" smtClean="0"/>
+              <a:t>資料可視化系統</a:t>
+            </a:r>
+            <a:endParaRPr lang="en-US" altLang="zh-TW" dirty="0" smtClean="0"/>
+          </a:p>
+          <a:p>
+            <a:pPr lvl="1"/>
+            <a:r>
+              <a:rPr lang="zh-TW" altLang="en-US" dirty="0" smtClean="0"/>
+              <a:t>繪製球的移動路徑與標記碰撞</a:t>
+            </a:r>
+            <a:r>
+              <a:rPr lang="zh-TW" altLang="en-US" dirty="0" smtClean="0"/>
+              <a:t>點</a:t>
+            </a:r>
+            <a:endParaRPr lang="en-US" altLang="zh-TW" dirty="0" smtClean="0"/>
+          </a:p>
+          <a:p>
+            <a:pPr lvl="1"/>
+            <a:r>
+              <a:rPr lang="zh-TW" altLang="en-US" dirty="0" smtClean="0"/>
+              <a:t>樣本可視</a:t>
+            </a:r>
+            <a:r>
+              <a:rPr lang="zh-TW" altLang="en-US" dirty="0"/>
+              <a:t>化</a:t>
+            </a:r>
+            <a:endParaRPr lang="en-US" altLang="zh-TW" dirty="0" smtClean="0"/>
+          </a:p>
+          <a:p>
+            <a:pPr lvl="1"/>
+            <a:r>
+              <a:rPr lang="zh-TW" altLang="en-US" strike="sngStrike" dirty="0" smtClean="0"/>
+              <a:t>顯示</a:t>
+            </a:r>
+            <a:r>
+              <a:rPr lang="zh-TW" altLang="en-US" strike="sngStrike" dirty="0"/>
+              <a:t>演算</a:t>
+            </a:r>
+            <a:r>
+              <a:rPr lang="zh-TW" altLang="en-US" strike="sngStrike" dirty="0" smtClean="0"/>
+              <a:t>系統計算可獲勝的預測路徑</a:t>
+            </a:r>
+            <a:endParaRPr lang="en-US" altLang="zh-TW" strike="sngStrike" dirty="0" smtClean="0"/>
+          </a:p>
+          <a:p>
+            <a:pPr lvl="2"/>
+            <a:r>
+              <a:rPr lang="zh-TW" altLang="en-US" strike="sngStrike" dirty="0" smtClean="0"/>
+              <a:t>球來回</a:t>
+            </a:r>
+            <a:r>
+              <a:rPr lang="en-US" altLang="zh-TW" strike="sngStrike" dirty="0" smtClean="0"/>
+              <a:t>1</a:t>
+            </a:r>
+            <a:r>
+              <a:rPr lang="zh-TW" altLang="en-US" strike="sngStrike" dirty="0" smtClean="0"/>
+              <a:t>次定義為</a:t>
+            </a:r>
+            <a:r>
+              <a:rPr lang="en-US" altLang="zh-TW" strike="sngStrike" dirty="0" smtClean="0"/>
+              <a:t>1</a:t>
+            </a:r>
+            <a:r>
+              <a:rPr lang="zh-TW" altLang="en-US" strike="sngStrike" dirty="0" smtClean="0"/>
+              <a:t>周目</a:t>
+            </a:r>
+            <a:r>
+              <a:rPr lang="en-US" altLang="zh-TW" strike="sngStrike" dirty="0" smtClean="0"/>
+              <a:t>(</a:t>
+            </a:r>
+            <a:r>
+              <a:rPr lang="zh-TW" altLang="en-US" strike="sngStrike" dirty="0" smtClean="0"/>
+              <a:t>把</a:t>
+            </a:r>
+            <a:r>
+              <a:rPr lang="en-US" altLang="zh-TW" strike="sngStrike" dirty="0" smtClean="0"/>
+              <a:t>1~n</a:t>
+            </a:r>
+            <a:r>
+              <a:rPr lang="zh-TW" altLang="en-US" strike="sngStrike" dirty="0" smtClean="0"/>
+              <a:t>周目的路徑用不同顏色分開</a:t>
+            </a:r>
+            <a:r>
+              <a:rPr lang="en-US" altLang="zh-TW" strike="sngStrike" dirty="0" smtClean="0"/>
+              <a:t>)</a:t>
+            </a:r>
+          </a:p>
+          <a:p>
+            <a:pPr lvl="2"/>
+            <a:endParaRPr lang="en-US" altLang="zh-TW" dirty="0" smtClean="0"/>
+          </a:p>
+          <a:p>
+            <a:pPr lvl="1"/>
+            <a:endParaRPr lang="en-US" altLang="zh-TW" dirty="0" smtClean="0"/>
+          </a:p>
+        </p:txBody>
+      </p:sp>
+    </p:spTree>
+    <p:extLst>
+      <p:ext uri="{BB962C8B-B14F-4D97-AF65-F5344CB8AC3E}">
+        <p14:creationId xmlns:p14="http://schemas.microsoft.com/office/powerpoint/2010/main" val="1972764358"/>
+      </p:ext>
+    </p:extLst>
+  </p:cSld>
+  <p:clrMapOvr>
+    <a:masterClrMapping/>
+  </p:clrMapOvr>
+  <p:timing>
+    <p:tnLst>
+      <p:par>
+        <p:cTn id="1" dur="indefinite" restart="never" nodeType="tmRoot"/>
+      </p:par>
+    </p:tnLst>
+  </p:timing>
+</p:sld>
+</file>
+
+<file path=ppt/slides/slide12.xml><?xml version="1.0" encoding="utf-8"?>
+<p:sld xmlns:a="http://schemas.openxmlformats.org/drawingml/2006/main" xmlns:r="http://schemas.openxmlformats.org/officeDocument/2006/relationships" xmlns:p="http://schemas.openxmlformats.org/presentationml/2006/main">
+  <p:cSld>
+    <p:spTree>
+      <p:nvGrpSpPr>
+        <p:cNvPr id="1" name=""/>
+        <p:cNvGrpSpPr/>
+        <p:nvPr/>
+      </p:nvGrpSpPr>
+      <p:grpSpPr>
+        <a:xfrm>
+          <a:off x="0" y="0"/>
+          <a:ext cx="0" cy="0"/>
+          <a:chOff x="0" y="0"/>
+          <a:chExt cx="0" cy="0"/>
+        </a:xfrm>
+      </p:grpSpPr>
+      <p:sp>
+        <p:nvSpPr>
+          <p:cNvPr id="2" name="標題 1"/>
+          <p:cNvSpPr>
+            <a:spLocks noGrp="1"/>
+          </p:cNvSpPr>
+          <p:nvPr>
+            <p:ph type="title"/>
+          </p:nvPr>
+        </p:nvSpPr>
+        <p:spPr/>
+        <p:txBody>
+          <a:bodyPr/>
+          <a:lstStyle/>
+          <a:p>
+            <a:pPr algn="ctr"/>
+            <a:r>
+              <a:rPr lang="zh-TW" altLang="en-US" dirty="0" smtClean="0"/>
+              <a:t>分析</a:t>
+            </a:r>
+            <a:endParaRPr lang="zh-TW" altLang="en-US" dirty="0"/>
+          </a:p>
+        </p:txBody>
+      </p:sp>
+      <p:sp>
+        <p:nvSpPr>
+          <p:cNvPr id="3" name="內容版面配置區 2"/>
+          <p:cNvSpPr>
+            <a:spLocks noGrp="1"/>
+          </p:cNvSpPr>
+          <p:nvPr>
+            <p:ph idx="1"/>
+          </p:nvPr>
+        </p:nvSpPr>
+        <p:spPr/>
+        <p:txBody>
+          <a:bodyPr/>
+          <a:lstStyle/>
+          <a:p>
+            <a:r>
+              <a:rPr lang="zh-TW" altLang="en-US" strike="sngStrike" dirty="0" smtClean="0"/>
+              <a:t>即時訓練系統</a:t>
+            </a:r>
+            <a:endParaRPr lang="en-US" altLang="zh-TW" strike="sngStrike" dirty="0" smtClean="0"/>
+          </a:p>
+          <a:p>
+            <a:pPr lvl="1"/>
+            <a:r>
+              <a:rPr lang="zh-TW" altLang="en-US" strike="sngStrike" dirty="0" smtClean="0"/>
+              <a:t>線上訓練全新的神經網路</a:t>
+            </a:r>
+            <a:endParaRPr lang="en-US" altLang="zh-TW" strike="sngStrike" dirty="0" smtClean="0"/>
+          </a:p>
+          <a:p>
+            <a:pPr lvl="2"/>
+            <a:r>
+              <a:rPr lang="zh-TW" altLang="en-US" strike="sngStrike" dirty="0" smtClean="0"/>
+              <a:t>對戰失分時學習失分路徑的預測路徑回饋到預測演算系統</a:t>
+            </a:r>
+            <a:endParaRPr lang="en-US" altLang="zh-TW" strike="sngStrike" dirty="0" smtClean="0"/>
+          </a:p>
+          <a:p>
+            <a:r>
+              <a:rPr lang="zh-TW" altLang="en-US" dirty="0" smtClean="0"/>
+              <a:t>驗證系統</a:t>
+            </a:r>
+            <a:endParaRPr lang="en-US" altLang="zh-TW" dirty="0" smtClean="0"/>
+          </a:p>
+          <a:p>
+            <a:pPr lvl="1"/>
+            <a:r>
+              <a:rPr lang="zh-TW" altLang="en-US" dirty="0" smtClean="0"/>
+              <a:t>以</a:t>
+            </a:r>
+            <a:r>
+              <a:rPr lang="en-US" altLang="zh-TW" dirty="0" smtClean="0"/>
+              <a:t>Rule Base</a:t>
+            </a:r>
+            <a:r>
+              <a:rPr lang="zh-TW" altLang="en-US" dirty="0" smtClean="0"/>
+              <a:t>驗證訓練</a:t>
+            </a:r>
+            <a:r>
+              <a:rPr lang="zh-TW" altLang="en-US" dirty="0" smtClean="0"/>
+              <a:t>的</a:t>
+            </a:r>
+            <a:r>
+              <a:rPr lang="zh-TW" altLang="en-US" dirty="0"/>
+              <a:t>模型</a:t>
+            </a:r>
+            <a:r>
+              <a:rPr lang="zh-TW" altLang="en-US" dirty="0" smtClean="0"/>
+              <a:t>是否</a:t>
+            </a:r>
+            <a:r>
+              <a:rPr lang="zh-TW" altLang="en-US" dirty="0" smtClean="0"/>
+              <a:t>更</a:t>
+            </a:r>
+            <a:r>
+              <a:rPr lang="zh-TW" altLang="en-US" dirty="0" smtClean="0"/>
+              <a:t>好</a:t>
+            </a:r>
+            <a:endParaRPr lang="en-US" altLang="zh-TW" dirty="0" smtClean="0"/>
+          </a:p>
+          <a:p>
+            <a:pPr lvl="1"/>
+            <a:r>
+              <a:rPr lang="zh-TW" altLang="en-US" dirty="0" smtClean="0"/>
+              <a:t>用多種機器學習彼此對戰決定出賽</a:t>
+            </a:r>
+            <a:endParaRPr lang="en-US" altLang="zh-TW" dirty="0" smtClean="0"/>
+          </a:p>
+          <a:p>
+            <a:r>
+              <a:rPr lang="zh-TW" altLang="en-US" strike="sngStrike" dirty="0" smtClean="0"/>
+              <a:t>模式切換系統</a:t>
+            </a:r>
+            <a:endParaRPr lang="en-US" altLang="zh-TW" strike="sngStrike" dirty="0" smtClean="0"/>
+          </a:p>
+          <a:p>
+            <a:pPr lvl="1"/>
+            <a:r>
+              <a:rPr lang="zh-TW" altLang="en-US" strike="sngStrike" dirty="0" smtClean="0"/>
+              <a:t>利用驗證結果決定是否切換網路</a:t>
+            </a:r>
+            <a:endParaRPr lang="en-US" altLang="zh-TW" strike="sngStrike" dirty="0" smtClean="0"/>
+          </a:p>
+          <a:p>
+            <a:pPr lvl="2"/>
+            <a:r>
+              <a:rPr lang="zh-TW" altLang="en-US" strike="sngStrike" dirty="0" smtClean="0"/>
+              <a:t>對戰中可替換掉輸掉的網路</a:t>
+            </a:r>
+            <a:endParaRPr lang="en-US" altLang="zh-TW" strike="sngStrike" dirty="0"/>
+          </a:p>
+        </p:txBody>
+      </p:sp>
+    </p:spTree>
+    <p:extLst>
+      <p:ext uri="{BB962C8B-B14F-4D97-AF65-F5344CB8AC3E}">
+        <p14:creationId xmlns:p14="http://schemas.microsoft.com/office/powerpoint/2010/main" val="4173134792"/>
+      </p:ext>
+    </p:extLst>
+  </p:cSld>
+  <p:clrMapOvr>
+    <a:masterClrMapping/>
+  </p:clrMapOvr>
+  <p:timing>
+    <p:tnLst>
+      <p:par>
+        <p:cTn id="1" dur="indefinite" restart="never" nodeType="tmRoot"/>
+      </p:par>
+    </p:tnLst>
+  </p:timing>
+</p:sld>
+</file>
+
+<file path=ppt/slides/slide13.xml><?xml version="1.0" encoding="utf-8"?>
+<p:sld xmlns:a="http://schemas.openxmlformats.org/drawingml/2006/main" xmlns:r="http://schemas.openxmlformats.org/officeDocument/2006/relationships" xmlns:p="http://schemas.openxmlformats.org/presentationml/2006/main">
+  <p:cSld>
+    <p:spTree>
+      <p:nvGrpSpPr>
+        <p:cNvPr id="1" name=""/>
+        <p:cNvGrpSpPr/>
+        <p:nvPr/>
+      </p:nvGrpSpPr>
+      <p:grpSpPr>
+        <a:xfrm>
+          <a:off x="0" y="0"/>
+          <a:ext cx="0" cy="0"/>
+          <a:chOff x="0" y="0"/>
+          <a:chExt cx="0" cy="0"/>
+        </a:xfrm>
+      </p:grpSpPr>
+      <p:sp>
+        <p:nvSpPr>
+          <p:cNvPr id="2" name="標題 1"/>
+          <p:cNvSpPr>
+            <a:spLocks noGrp="1"/>
+          </p:cNvSpPr>
+          <p:nvPr>
+            <p:ph type="title"/>
+          </p:nvPr>
+        </p:nvSpPr>
+        <p:spPr/>
+        <p:txBody>
+          <a:bodyPr/>
+          <a:lstStyle/>
+          <a:p>
+            <a:pPr algn="ctr"/>
+            <a:r>
+              <a:rPr lang="en-US" altLang="zh-TW" dirty="0"/>
+              <a:t>Break </a:t>
+            </a:r>
+            <a:r>
+              <a:rPr lang="en-US" altLang="zh-TW" dirty="0" smtClean="0"/>
+              <a:t>Down</a:t>
+            </a:r>
+            <a:endParaRPr lang="zh-TW" altLang="en-US" dirty="0"/>
+          </a:p>
+        </p:txBody>
+      </p:sp>
+      <p:pic>
+        <p:nvPicPr>
+          <p:cNvPr id="16" name="內容版面配置區 15"/>
+          <p:cNvPicPr>
+            <a:picLocks noGrp="1" noChangeAspect="1"/>
+          </p:cNvPicPr>
+          <p:nvPr>
+            <p:ph idx="1"/>
+          </p:nvPr>
+        </p:nvPicPr>
+        <p:blipFill>
+          <a:blip r:embed="rId2" cstate="print">
+            <a:extLst>
+              <a:ext uri="{28A0092B-C50C-407E-A947-70E740481C1C}">
+                <a14:useLocalDpi xmlns:a14="http://schemas.microsoft.com/office/drawing/2010/main" val="0"/>
+              </a:ext>
+            </a:extLst>
+          </a:blip>
+          <a:stretch>
+            <a:fillRect/>
+          </a:stretch>
+        </p:blipFill>
+        <p:spPr>
+          <a:xfrm>
+            <a:off x="1968698" y="1825625"/>
+            <a:ext cx="8254603" cy="4351338"/>
+          </a:xfrm>
+        </p:spPr>
+      </p:pic>
+    </p:spTree>
+    <p:extLst>
+      <p:ext uri="{BB962C8B-B14F-4D97-AF65-F5344CB8AC3E}">
+        <p14:creationId xmlns:p14="http://schemas.microsoft.com/office/powerpoint/2010/main" val="1276183652"/>
+      </p:ext>
+    </p:extLst>
+  </p:cSld>
+  <p:clrMapOvr>
+    <a:masterClrMapping/>
+  </p:clrMapOvr>
+  <p:timing>
+    <p:tnLst>
+      <p:par>
+        <p:cTn id="1" dur="indefinite" restart="never" nodeType="tmRoot"/>
+      </p:par>
+    </p:tnLst>
+  </p:timing>
+</p:sld>
+</file>
+
+<file path=ppt/slides/slide14.xml><?xml version="1.0" encoding="utf-8"?>
+<p:sld xmlns:a="http://schemas.openxmlformats.org/drawingml/2006/main" xmlns:r="http://schemas.openxmlformats.org/officeDocument/2006/relationships" xmlns:p="http://schemas.openxmlformats.org/presentationml/2006/main">
+  <p:cSld>
+    <p:spTree>
+      <p:nvGrpSpPr>
+        <p:cNvPr id="1" name=""/>
+        <p:cNvGrpSpPr/>
+        <p:nvPr/>
+      </p:nvGrpSpPr>
+      <p:grpSpPr>
+        <a:xfrm>
+          <a:off x="0" y="0"/>
+          <a:ext cx="0" cy="0"/>
+          <a:chOff x="0" y="0"/>
+          <a:chExt cx="0" cy="0"/>
+        </a:xfrm>
+      </p:grpSpPr>
+      <p:sp>
+        <p:nvSpPr>
+          <p:cNvPr id="2" name="標題 1"/>
+          <p:cNvSpPr>
+            <a:spLocks noGrp="1"/>
+          </p:cNvSpPr>
+          <p:nvPr>
+            <p:ph type="title"/>
+          </p:nvPr>
+        </p:nvSpPr>
+        <p:spPr/>
+        <p:txBody>
+          <a:bodyPr/>
+          <a:lstStyle/>
+          <a:p>
+            <a:pPr algn="ctr"/>
+            <a:r>
+              <a:rPr lang="zh-TW" altLang="en-US" dirty="0" smtClean="0"/>
+              <a:t>架構圖</a:t>
+            </a:r>
+            <a:endParaRPr lang="zh-TW" altLang="en-US" dirty="0"/>
+          </a:p>
+        </p:txBody>
+      </p:sp>
+      <p:pic>
+        <p:nvPicPr>
+          <p:cNvPr id="4" name="內容版面配置區 3"/>
+          <p:cNvPicPr>
+            <a:picLocks noGrp="1" noChangeAspect="1"/>
+          </p:cNvPicPr>
+          <p:nvPr>
+            <p:ph idx="1"/>
+          </p:nvPr>
+        </p:nvPicPr>
+        <p:blipFill>
+          <a:blip r:embed="rId2">
+            <a:extLst>
+              <a:ext uri="{28A0092B-C50C-407E-A947-70E740481C1C}">
+                <a14:useLocalDpi xmlns:a14="http://schemas.microsoft.com/office/drawing/2010/main" val="0"/>
+              </a:ext>
+            </a:extLst>
+          </a:blip>
+          <a:stretch>
+            <a:fillRect/>
+          </a:stretch>
+        </p:blipFill>
+        <p:spPr>
+          <a:xfrm>
+            <a:off x="85122" y="2708367"/>
+            <a:ext cx="12106878" cy="2393220"/>
+          </a:xfrm>
+        </p:spPr>
+      </p:pic>
+    </p:spTree>
+    <p:extLst>
+      <p:ext uri="{BB962C8B-B14F-4D97-AF65-F5344CB8AC3E}">
+        <p14:creationId xmlns:p14="http://schemas.microsoft.com/office/powerpoint/2010/main" val="1546514019"/>
+      </p:ext>
+    </p:extLst>
+  </p:cSld>
+  <p:clrMapOvr>
+    <a:masterClrMapping/>
+  </p:clrMapOvr>
+  <p:timing>
+    <p:tnLst>
+      <p:par>
+        <p:cTn id="1" dur="indefinite" restart="never" nodeType="tmRoot"/>
+      </p:par>
+    </p:tnLst>
+  </p:timing>
+</p:sld>
+</file>
+
+<file path=ppt/slides/slide15.xml><?xml version="1.0" encoding="utf-8"?>
+<p:sld xmlns:a="http://schemas.openxmlformats.org/drawingml/2006/main" xmlns:r="http://schemas.openxmlformats.org/officeDocument/2006/relationships" xmlns:p="http://schemas.openxmlformats.org/presentationml/2006/main">
+  <p:cSld>
+    <p:spTree>
+      <p:nvGrpSpPr>
+        <p:cNvPr id="1" name=""/>
+        <p:cNvGrpSpPr/>
+        <p:nvPr/>
+      </p:nvGrpSpPr>
+      <p:grpSpPr>
+        <a:xfrm>
+          <a:off x="0" y="0"/>
+          <a:ext cx="0" cy="0"/>
+          <a:chOff x="0" y="0"/>
+          <a:chExt cx="0" cy="0"/>
+        </a:xfrm>
+      </p:grpSpPr>
+      <p:pic>
+        <p:nvPicPr>
+          <p:cNvPr id="6" name="內容版面配置區 5"/>
+          <p:cNvPicPr>
+            <a:picLocks noGrp="1" noChangeAspect="1"/>
+          </p:cNvPicPr>
+          <p:nvPr>
+            <p:ph idx="1"/>
+          </p:nvPr>
+        </p:nvPicPr>
+        <p:blipFill>
+          <a:blip r:embed="rId2" cstate="print">
+            <a:extLst>
+              <a:ext uri="{28A0092B-C50C-407E-A947-70E740481C1C}">
+                <a14:useLocalDpi xmlns:a14="http://schemas.microsoft.com/office/drawing/2010/main" val="0"/>
+              </a:ext>
+            </a:extLst>
+          </a:blip>
+          <a:stretch>
+            <a:fillRect/>
+          </a:stretch>
+        </p:blipFill>
+        <p:spPr>
+          <a:xfrm>
+            <a:off x="4123944" y="273685"/>
+            <a:ext cx="7699248" cy="6300850"/>
+          </a:xfrm>
+        </p:spPr>
+      </p:pic>
+      <p:sp>
+        <p:nvSpPr>
+          <p:cNvPr id="2" name="標題 1"/>
+          <p:cNvSpPr>
+            <a:spLocks noGrp="1"/>
+          </p:cNvSpPr>
+          <p:nvPr>
+            <p:ph type="title"/>
+          </p:nvPr>
+        </p:nvSpPr>
+        <p:spPr/>
+        <p:txBody>
+          <a:bodyPr/>
+          <a:lstStyle/>
+          <a:p>
+            <a:r>
+              <a:rPr lang="zh-TW" altLang="en-US" dirty="0" smtClean="0"/>
+              <a:t>設計</a:t>
+            </a:r>
+            <a:r>
+              <a:rPr lang="en-US" altLang="zh-TW" dirty="0" smtClean="0"/>
+              <a:t>-</a:t>
+            </a:r>
+            <a:r>
+              <a:rPr lang="en-US" altLang="zh-TW" dirty="0" err="1" smtClean="0"/>
+              <a:t>rulebase</a:t>
+            </a:r>
+            <a:r>
+              <a:rPr lang="en-US" altLang="zh-TW" dirty="0" smtClean="0"/>
+              <a:t/>
+            </a:r>
+            <a:br>
+              <a:rPr lang="en-US" altLang="zh-TW" dirty="0" smtClean="0"/>
+            </a:br>
+            <a:r>
+              <a:rPr lang="zh-TW" altLang="en-US" dirty="0" smtClean="0"/>
+              <a:t>流程圖</a:t>
+            </a:r>
+            <a:endParaRPr lang="zh-TW" altLang="en-US" dirty="0"/>
+          </a:p>
+        </p:txBody>
+      </p:sp>
+    </p:spTree>
+    <p:extLst>
+      <p:ext uri="{BB962C8B-B14F-4D97-AF65-F5344CB8AC3E}">
+        <p14:creationId xmlns:p14="http://schemas.microsoft.com/office/powerpoint/2010/main" val="206187780"/>
+      </p:ext>
+    </p:extLst>
+  </p:cSld>
+  <p:clrMapOvr>
+    <a:masterClrMapping/>
+  </p:clrMapOvr>
+  <p:timing>
+    <p:tnLst>
+      <p:par>
+        <p:cTn id="1" dur="indefinite" restart="never" nodeType="tmRoot"/>
+      </p:par>
+    </p:tnLst>
+  </p:timing>
+</p:sld>
+</file>
+
+<file path=ppt/slides/slide16.xml><?xml version="1.0" encoding="utf-8"?>
+<p:sld xmlns:a="http://schemas.openxmlformats.org/drawingml/2006/main" xmlns:r="http://schemas.openxmlformats.org/officeDocument/2006/relationships" xmlns:p="http://schemas.openxmlformats.org/presentationml/2006/main">
+  <p:cSld>
+    <p:spTree>
+      <p:nvGrpSpPr>
+        <p:cNvPr id="1" name=""/>
+        <p:cNvGrpSpPr/>
+        <p:nvPr/>
+      </p:nvGrpSpPr>
+      <p:grpSpPr>
+        <a:xfrm>
+          <a:off x="0" y="0"/>
+          <a:ext cx="0" cy="0"/>
+          <a:chOff x="0" y="0"/>
+          <a:chExt cx="0" cy="0"/>
+        </a:xfrm>
+      </p:grpSpPr>
+      <p:sp>
+        <p:nvSpPr>
+          <p:cNvPr id="2" name="標題 1"/>
+          <p:cNvSpPr>
+            <a:spLocks noGrp="1"/>
+          </p:cNvSpPr>
+          <p:nvPr>
+            <p:ph type="title"/>
+          </p:nvPr>
+        </p:nvSpPr>
+        <p:spPr/>
+        <p:txBody>
+          <a:bodyPr/>
+          <a:lstStyle/>
+          <a:p>
+            <a:pPr algn="ctr"/>
+            <a:r>
+              <a:rPr lang="en-US" altLang="zh-TW" dirty="0" smtClean="0"/>
+              <a:t>API-</a:t>
+            </a:r>
+            <a:r>
+              <a:rPr lang="en-US" altLang="zh-TW" dirty="0"/>
+              <a:t> </a:t>
+            </a:r>
+            <a:r>
+              <a:rPr lang="en-US" altLang="zh-TW" dirty="0" err="1"/>
+              <a:t>cutballdepth</a:t>
+            </a:r>
+            <a:endParaRPr lang="zh-TW" altLang="en-US" dirty="0"/>
+          </a:p>
+        </p:txBody>
+      </p:sp>
+      <p:sp>
+        <p:nvSpPr>
+          <p:cNvPr id="3" name="內容版面配置區 2"/>
+          <p:cNvSpPr>
+            <a:spLocks noGrp="1"/>
+          </p:cNvSpPr>
+          <p:nvPr>
+            <p:ph idx="1"/>
+          </p:nvPr>
+        </p:nvSpPr>
+        <p:spPr/>
+        <p:txBody>
+          <a:bodyPr/>
+          <a:lstStyle/>
+          <a:p>
+            <a:r>
+              <a:rPr lang="en-US" altLang="zh-TW" dirty="0"/>
+              <a:t>Name : </a:t>
+            </a:r>
+            <a:r>
+              <a:rPr lang="en-US" altLang="zh-TW" dirty="0" err="1" smtClean="0"/>
+              <a:t>cutballdepth</a:t>
+            </a:r>
+            <a:r>
+              <a:rPr lang="zh-TW" altLang="en-US" dirty="0" smtClean="0"/>
+              <a:t> </a:t>
+            </a:r>
+            <a:r>
+              <a:rPr lang="en-US" altLang="zh-TW" dirty="0" smtClean="0"/>
+              <a:t>(</a:t>
+            </a:r>
+            <a:r>
+              <a:rPr lang="zh-TW" altLang="en-US" dirty="0" smtClean="0"/>
+              <a:t>切球深度</a:t>
+            </a:r>
+            <a:r>
+              <a:rPr lang="en-US" altLang="zh-TW" dirty="0" smtClean="0"/>
+              <a:t>)</a:t>
+            </a:r>
+          </a:p>
+          <a:p>
+            <a:r>
+              <a:rPr lang="en-US" altLang="zh-TW" dirty="0"/>
+              <a:t>Input : </a:t>
+            </a:r>
+            <a:r>
+              <a:rPr lang="en-US" altLang="zh-TW" dirty="0" smtClean="0"/>
+              <a:t> side : string, ball</a:t>
+            </a:r>
+            <a:r>
+              <a:rPr lang="zh-TW" altLang="en-US" dirty="0" smtClean="0"/>
+              <a:t> </a:t>
+            </a:r>
+            <a:r>
+              <a:rPr lang="en-US" altLang="zh-TW" dirty="0" smtClean="0"/>
+              <a:t>:</a:t>
+            </a:r>
+            <a:r>
+              <a:rPr lang="zh-TW" altLang="en-US" dirty="0" smtClean="0"/>
+              <a:t> </a:t>
+            </a:r>
+            <a:r>
+              <a:rPr lang="en-US" altLang="zh-TW" dirty="0" smtClean="0"/>
+              <a:t>tuple 2,ballvel : </a:t>
+            </a:r>
+            <a:r>
+              <a:rPr lang="en-US" altLang="zh-TW" dirty="0"/>
+              <a:t>tuple </a:t>
+            </a:r>
+            <a:r>
+              <a:rPr lang="en-US" altLang="zh-TW" dirty="0" smtClean="0"/>
+              <a:t>2,platform : </a:t>
+            </a:r>
+            <a:r>
+              <a:rPr lang="en-US" altLang="zh-TW" dirty="0"/>
+              <a:t>tuple </a:t>
+            </a:r>
+            <a:r>
+              <a:rPr lang="en-US" altLang="zh-TW" dirty="0" smtClean="0"/>
+              <a:t>2</a:t>
+            </a:r>
+          </a:p>
+          <a:p>
+            <a:r>
+              <a:rPr lang="en-US" altLang="zh-TW" dirty="0"/>
+              <a:t>Output : </a:t>
+            </a:r>
+            <a:r>
+              <a:rPr lang="en-US" altLang="zh-TW" dirty="0" smtClean="0"/>
+              <a:t>depth</a:t>
+            </a:r>
+            <a:r>
+              <a:rPr lang="zh-TW" altLang="en-US" dirty="0" smtClean="0"/>
+              <a:t> </a:t>
+            </a:r>
+            <a:r>
+              <a:rPr lang="en-US" altLang="zh-TW" dirty="0" smtClean="0"/>
+              <a:t>:</a:t>
+            </a:r>
+            <a:r>
+              <a:rPr lang="zh-TW" altLang="en-US" dirty="0" smtClean="0"/>
+              <a:t> </a:t>
+            </a:r>
+            <a:r>
+              <a:rPr lang="en-US" altLang="zh-TW" dirty="0" smtClean="0"/>
+              <a:t>float</a:t>
+            </a:r>
+          </a:p>
+          <a:p>
+            <a:r>
+              <a:rPr lang="en-US" altLang="zh-TW" dirty="0"/>
+              <a:t>Parameter : </a:t>
+            </a:r>
+            <a:r>
+              <a:rPr lang="en-US" altLang="zh-TW" dirty="0" err="1" smtClean="0"/>
+              <a:t>frametime</a:t>
+            </a:r>
+            <a:r>
+              <a:rPr lang="en-US" altLang="zh-TW" dirty="0" smtClean="0"/>
+              <a:t> : </a:t>
+            </a:r>
+            <a:r>
+              <a:rPr lang="en-US" altLang="zh-TW" dirty="0"/>
+              <a:t>float</a:t>
+            </a:r>
+            <a:r>
+              <a:rPr lang="en-US" altLang="zh-TW" dirty="0" smtClean="0"/>
+              <a:t> </a:t>
+            </a:r>
+            <a:r>
+              <a:rPr lang="en-US" altLang="zh-TW" dirty="0"/>
+              <a:t>= 1, </a:t>
+            </a:r>
+            <a:r>
+              <a:rPr lang="en-US" altLang="zh-TW" dirty="0" err="1" smtClean="0"/>
+              <a:t>orivel</a:t>
+            </a:r>
+            <a:r>
+              <a:rPr lang="en-US" altLang="zh-TW" dirty="0" smtClean="0"/>
+              <a:t> : </a:t>
+            </a:r>
+            <a:r>
+              <a:rPr lang="en-US" altLang="zh-TW" dirty="0"/>
+              <a:t>float</a:t>
+            </a:r>
+            <a:r>
+              <a:rPr lang="en-US" altLang="zh-TW" dirty="0" smtClean="0"/>
+              <a:t> = 17.5</a:t>
+            </a:r>
+          </a:p>
+          <a:p>
+            <a:r>
+              <a:rPr lang="en-US" altLang="zh-TW" dirty="0" smtClean="0"/>
+              <a:t>Method : </a:t>
+            </a:r>
+            <a:r>
+              <a:rPr lang="zh-TW" altLang="en-US" dirty="0" smtClean="0"/>
+              <a:t>輸入球座標與速度及板子座標以估算碰撞板子的深度，</a:t>
+            </a:r>
+            <a:endParaRPr lang="en-US" altLang="zh-TW" dirty="0" smtClean="0"/>
+          </a:p>
+          <a:p>
+            <a:pPr marL="0" indent="0">
+              <a:buNone/>
+            </a:pPr>
+            <a:r>
+              <a:rPr lang="en-US" altLang="zh-TW" dirty="0" smtClean="0"/>
+              <a:t>	</a:t>
+            </a:r>
+            <a:r>
+              <a:rPr lang="zh-TW" altLang="en-US" dirty="0" smtClean="0"/>
+              <a:t>其中碰撞深度將被用來決定切球時機</a:t>
+            </a:r>
+            <a:endParaRPr lang="zh-TW" altLang="en-US" dirty="0"/>
+          </a:p>
+        </p:txBody>
+      </p:sp>
+    </p:spTree>
+    <p:extLst>
+      <p:ext uri="{BB962C8B-B14F-4D97-AF65-F5344CB8AC3E}">
+        <p14:creationId xmlns:p14="http://schemas.microsoft.com/office/powerpoint/2010/main" val="2441961994"/>
+      </p:ext>
+    </p:extLst>
+  </p:cSld>
+  <p:clrMapOvr>
+    <a:masterClrMapping/>
+  </p:clrMapOvr>
+  <p:timing>
+    <p:tnLst>
+      <p:par>
+        <p:cTn id="1" dur="indefinite" restart="never" nodeType="tmRoot"/>
+      </p:par>
+    </p:tnLst>
+  </p:timing>
+</p:sld>
+</file>
+
+<file path=ppt/slides/slide17.xml><?xml version="1.0" encoding="utf-8"?>
+<p:sld xmlns:a="http://schemas.openxmlformats.org/drawingml/2006/main" xmlns:r="http://schemas.openxmlformats.org/officeDocument/2006/relationships" xmlns:p="http://schemas.openxmlformats.org/presentationml/2006/main">
+  <p:cSld>
+    <p:spTree>
+      <p:nvGrpSpPr>
+        <p:cNvPr id="1" name=""/>
+        <p:cNvGrpSpPr/>
+        <p:nvPr/>
+      </p:nvGrpSpPr>
+      <p:grpSpPr>
+        <a:xfrm>
+          <a:off x="0" y="0"/>
+          <a:ext cx="0" cy="0"/>
+          <a:chOff x="0" y="0"/>
+          <a:chExt cx="0" cy="0"/>
+        </a:xfrm>
+      </p:grpSpPr>
+      <p:sp>
+        <p:nvSpPr>
+          <p:cNvPr id="2" name="標題 1"/>
+          <p:cNvSpPr>
+            <a:spLocks noGrp="1"/>
+          </p:cNvSpPr>
+          <p:nvPr>
+            <p:ph type="title"/>
+          </p:nvPr>
+        </p:nvSpPr>
+        <p:spPr/>
+        <p:txBody>
+          <a:bodyPr/>
+          <a:lstStyle/>
+          <a:p>
+            <a:pPr algn="ctr"/>
+            <a:r>
+              <a:rPr lang="en-US" altLang="zh-TW" dirty="0"/>
+              <a:t>API- firstsearch1p</a:t>
+            </a:r>
+            <a:endParaRPr lang="zh-TW" altLang="en-US" dirty="0"/>
+          </a:p>
+        </p:txBody>
+      </p:sp>
+      <p:sp>
+        <p:nvSpPr>
+          <p:cNvPr id="3" name="內容版面配置區 2"/>
+          <p:cNvSpPr>
+            <a:spLocks noGrp="1"/>
+          </p:cNvSpPr>
+          <p:nvPr>
+            <p:ph idx="1"/>
+          </p:nvPr>
+        </p:nvSpPr>
+        <p:spPr>
+          <a:xfrm>
+            <a:off x="838199" y="1825625"/>
+            <a:ext cx="10996749" cy="4351338"/>
+          </a:xfrm>
+        </p:spPr>
+        <p:txBody>
+          <a:bodyPr/>
+          <a:lstStyle/>
+          <a:p>
+            <a:r>
+              <a:rPr lang="en-US" altLang="zh-TW" dirty="0"/>
+              <a:t>Name : firstsearch1p</a:t>
+            </a:r>
+            <a:endParaRPr lang="en-US" altLang="zh-TW" dirty="0" smtClean="0"/>
+          </a:p>
+          <a:p>
+            <a:r>
+              <a:rPr lang="en-US" altLang="zh-TW" dirty="0"/>
+              <a:t>Input : </a:t>
+            </a:r>
+            <a:r>
+              <a:rPr lang="en-US" altLang="zh-TW" dirty="0" smtClean="0"/>
+              <a:t>forms : list 2D, bricks </a:t>
+            </a:r>
+            <a:r>
+              <a:rPr lang="en-US" altLang="zh-TW" dirty="0"/>
+              <a:t>: list 2D</a:t>
+            </a:r>
+            <a:r>
+              <a:rPr lang="en-US" altLang="zh-TW" dirty="0" smtClean="0"/>
+              <a:t>, </a:t>
+            </a:r>
+            <a:r>
+              <a:rPr lang="en-US" altLang="zh-TW" dirty="0" err="1" smtClean="0"/>
+              <a:t>bricksvel</a:t>
+            </a:r>
+            <a:r>
+              <a:rPr lang="en-US" altLang="zh-TW" dirty="0"/>
+              <a:t> : </a:t>
+            </a:r>
+            <a:r>
+              <a:rPr lang="en-US" altLang="zh-TW" dirty="0" smtClean="0"/>
+              <a:t>list, </a:t>
+            </a:r>
+            <a:r>
+              <a:rPr lang="en-US" altLang="zh-TW" dirty="0" err="1"/>
+              <a:t>prebricks</a:t>
+            </a:r>
+            <a:r>
+              <a:rPr lang="en-US" altLang="zh-TW" dirty="0"/>
+              <a:t> : list 2D</a:t>
+            </a:r>
+            <a:endParaRPr lang="en-US" altLang="zh-TW" dirty="0" smtClean="0"/>
+          </a:p>
+          <a:p>
+            <a:r>
+              <a:rPr lang="en-US" altLang="zh-TW" dirty="0" smtClean="0"/>
+              <a:t>Output </a:t>
+            </a:r>
+            <a:r>
+              <a:rPr lang="en-US" altLang="zh-TW" dirty="0"/>
+              <a:t>: </a:t>
+            </a:r>
+            <a:r>
+              <a:rPr lang="en-US" altLang="zh-TW" dirty="0" smtClean="0"/>
+              <a:t>first</a:t>
+            </a:r>
+            <a:r>
+              <a:rPr lang="zh-TW" altLang="en-US" dirty="0" smtClean="0"/>
+              <a:t> </a:t>
+            </a:r>
+            <a:r>
+              <a:rPr lang="en-US" altLang="zh-TW" dirty="0" smtClean="0"/>
+              <a:t>:</a:t>
+            </a:r>
+            <a:r>
+              <a:rPr lang="zh-TW" altLang="en-US" dirty="0" smtClean="0"/>
+              <a:t> </a:t>
+            </a:r>
+            <a:r>
+              <a:rPr lang="en-US" altLang="zh-TW" dirty="0" err="1" smtClean="0"/>
+              <a:t>int,diedspeed</a:t>
+            </a:r>
+            <a:r>
+              <a:rPr lang="en-US" altLang="zh-TW" dirty="0" smtClean="0"/>
+              <a:t> : </a:t>
+            </a:r>
+            <a:r>
+              <a:rPr lang="en-US" altLang="zh-TW" dirty="0" err="1" smtClean="0"/>
+              <a:t>int</a:t>
+            </a:r>
+            <a:r>
+              <a:rPr lang="en-US" altLang="zh-TW" dirty="0" smtClean="0"/>
+              <a:t>, </a:t>
+            </a:r>
+            <a:r>
+              <a:rPr lang="en-US" altLang="zh-TW" dirty="0" err="1" smtClean="0"/>
+              <a:t>func_name</a:t>
+            </a:r>
+            <a:r>
+              <a:rPr lang="en-US" altLang="zh-TW" dirty="0" smtClean="0"/>
+              <a:t> : string </a:t>
+            </a:r>
+          </a:p>
+          <a:p>
+            <a:r>
+              <a:rPr lang="en-US" altLang="zh-TW" dirty="0" smtClean="0"/>
+              <a:t>Parameter </a:t>
+            </a:r>
+            <a:r>
+              <a:rPr lang="en-US" altLang="zh-TW" dirty="0"/>
+              <a:t>: </a:t>
+            </a:r>
+            <a:r>
+              <a:rPr lang="en-US" altLang="zh-TW" dirty="0" err="1" smtClean="0"/>
+              <a:t>testball</a:t>
+            </a:r>
+            <a:r>
+              <a:rPr lang="en-US" altLang="zh-TW" dirty="0" smtClean="0"/>
+              <a:t> : list = [</a:t>
+            </a:r>
+            <a:r>
+              <a:rPr lang="en-US" altLang="zh-TW" dirty="0"/>
+              <a:t>20,417.5], </a:t>
+            </a:r>
+            <a:r>
+              <a:rPr lang="en-US" altLang="zh-TW" dirty="0" err="1"/>
+              <a:t>rng</a:t>
+            </a:r>
+            <a:r>
+              <a:rPr lang="en-US" altLang="zh-TW" dirty="0"/>
+              <a:t> </a:t>
+            </a:r>
+            <a:r>
+              <a:rPr lang="en-US" altLang="zh-TW" dirty="0" smtClean="0"/>
+              <a:t>: </a:t>
+            </a:r>
+            <a:r>
+              <a:rPr lang="en-US" altLang="zh-TW" dirty="0" err="1" smtClean="0"/>
+              <a:t>int</a:t>
+            </a:r>
+            <a:r>
+              <a:rPr lang="en-US" altLang="zh-TW" dirty="0" smtClean="0"/>
+              <a:t> = -10</a:t>
+            </a:r>
+          </a:p>
+          <a:p>
+            <a:r>
+              <a:rPr lang="en-US" altLang="zh-TW" dirty="0" smtClean="0"/>
+              <a:t>Method : </a:t>
+            </a:r>
+            <a:r>
+              <a:rPr lang="zh-TW" altLang="en-US" dirty="0" smtClean="0"/>
+              <a:t>當我方為</a:t>
+            </a:r>
+            <a:r>
+              <a:rPr lang="en-US" altLang="zh-TW" dirty="0" smtClean="0"/>
+              <a:t>1P</a:t>
+            </a:r>
+            <a:r>
+              <a:rPr lang="zh-TW" altLang="en-US" dirty="0" smtClean="0"/>
+              <a:t>且是發球方時，計算所有發球位置在未來獲勝時的球速與發球位置，需要配合執行序並透過柱列將結果擲回</a:t>
+            </a:r>
+            <a:endParaRPr lang="zh-TW" altLang="en-US" dirty="0"/>
+          </a:p>
+        </p:txBody>
+      </p:sp>
+    </p:spTree>
+    <p:extLst>
+      <p:ext uri="{BB962C8B-B14F-4D97-AF65-F5344CB8AC3E}">
+        <p14:creationId xmlns:p14="http://schemas.microsoft.com/office/powerpoint/2010/main" val="3344444785"/>
+      </p:ext>
+    </p:extLst>
+  </p:cSld>
+  <p:clrMapOvr>
+    <a:masterClrMapping/>
+  </p:clrMapOvr>
+</p:sld>
+</file>
+
+<file path=ppt/slides/slide18.xml><?xml version="1.0" encoding="utf-8"?>
+<p:sld xmlns:a="http://schemas.openxmlformats.org/drawingml/2006/main" xmlns:r="http://schemas.openxmlformats.org/officeDocument/2006/relationships" xmlns:p="http://schemas.openxmlformats.org/presentationml/2006/main">
+  <p:cSld>
+    <p:spTree>
+      <p:nvGrpSpPr>
+        <p:cNvPr id="1" name=""/>
+        <p:cNvGrpSpPr/>
+        <p:nvPr/>
+      </p:nvGrpSpPr>
+      <p:grpSpPr>
+        <a:xfrm>
+          <a:off x="0" y="0"/>
+          <a:ext cx="0" cy="0"/>
+          <a:chOff x="0" y="0"/>
+          <a:chExt cx="0" cy="0"/>
+        </a:xfrm>
+      </p:grpSpPr>
+      <p:sp>
+        <p:nvSpPr>
+          <p:cNvPr id="2" name="標題 1"/>
+          <p:cNvSpPr>
+            <a:spLocks noGrp="1"/>
+          </p:cNvSpPr>
+          <p:nvPr>
+            <p:ph type="title"/>
+          </p:nvPr>
+        </p:nvSpPr>
+        <p:spPr/>
+        <p:txBody>
+          <a:bodyPr/>
+          <a:lstStyle/>
+          <a:p>
+            <a:pPr algn="ctr"/>
+            <a:r>
+              <a:rPr lang="en-US" altLang="zh-TW" dirty="0"/>
+              <a:t>API- </a:t>
+            </a:r>
+            <a:r>
+              <a:rPr lang="en-US" altLang="zh-TW" dirty="0" smtClean="0"/>
+              <a:t>firstsearch2p</a:t>
+            </a:r>
+            <a:endParaRPr lang="zh-TW" altLang="en-US" dirty="0"/>
+          </a:p>
+        </p:txBody>
+      </p:sp>
+      <p:sp>
+        <p:nvSpPr>
+          <p:cNvPr id="3" name="內容版面配置區 2"/>
+          <p:cNvSpPr>
+            <a:spLocks noGrp="1"/>
+          </p:cNvSpPr>
+          <p:nvPr>
+            <p:ph idx="1"/>
+          </p:nvPr>
+        </p:nvSpPr>
+        <p:spPr>
+          <a:xfrm>
+            <a:off x="838199" y="1825625"/>
+            <a:ext cx="10996749" cy="4351338"/>
+          </a:xfrm>
+        </p:spPr>
+        <p:txBody>
+          <a:bodyPr/>
+          <a:lstStyle/>
+          <a:p>
+            <a:r>
+              <a:rPr lang="en-US" altLang="zh-TW" dirty="0"/>
+              <a:t>Name : </a:t>
+            </a:r>
+            <a:r>
+              <a:rPr lang="en-US" altLang="zh-TW" dirty="0" smtClean="0"/>
+              <a:t>firstsearch2p</a:t>
+            </a:r>
+          </a:p>
+          <a:p>
+            <a:r>
+              <a:rPr lang="en-US" altLang="zh-TW" dirty="0"/>
+              <a:t>Input : </a:t>
+            </a:r>
+            <a:r>
+              <a:rPr lang="en-US" altLang="zh-TW" dirty="0" smtClean="0"/>
+              <a:t>forms : list 2D, bricks </a:t>
+            </a:r>
+            <a:r>
+              <a:rPr lang="en-US" altLang="zh-TW" dirty="0"/>
+              <a:t>: list 2D</a:t>
+            </a:r>
+            <a:r>
+              <a:rPr lang="en-US" altLang="zh-TW" dirty="0" smtClean="0"/>
+              <a:t>, </a:t>
+            </a:r>
+            <a:r>
+              <a:rPr lang="en-US" altLang="zh-TW" dirty="0" err="1" smtClean="0"/>
+              <a:t>bricksvel</a:t>
+            </a:r>
+            <a:r>
+              <a:rPr lang="en-US" altLang="zh-TW" dirty="0"/>
+              <a:t> : </a:t>
+            </a:r>
+            <a:r>
+              <a:rPr lang="en-US" altLang="zh-TW" dirty="0" smtClean="0"/>
+              <a:t>list, </a:t>
+            </a:r>
+            <a:r>
+              <a:rPr lang="en-US" altLang="zh-TW" dirty="0" err="1"/>
+              <a:t>prebricks</a:t>
+            </a:r>
+            <a:r>
+              <a:rPr lang="en-US" altLang="zh-TW" dirty="0"/>
+              <a:t> : list 2D</a:t>
+            </a:r>
+            <a:endParaRPr lang="en-US" altLang="zh-TW" dirty="0" smtClean="0"/>
+          </a:p>
+          <a:p>
+            <a:r>
+              <a:rPr lang="en-US" altLang="zh-TW" dirty="0" smtClean="0"/>
+              <a:t>Output </a:t>
+            </a:r>
+            <a:r>
+              <a:rPr lang="en-US" altLang="zh-TW" dirty="0"/>
+              <a:t>: </a:t>
+            </a:r>
+            <a:r>
+              <a:rPr lang="en-US" altLang="zh-TW" dirty="0" smtClean="0"/>
+              <a:t>first</a:t>
+            </a:r>
+            <a:r>
+              <a:rPr lang="zh-TW" altLang="en-US" dirty="0" smtClean="0"/>
+              <a:t> </a:t>
+            </a:r>
+            <a:r>
+              <a:rPr lang="en-US" altLang="zh-TW" dirty="0" smtClean="0"/>
+              <a:t>:</a:t>
+            </a:r>
+            <a:r>
+              <a:rPr lang="zh-TW" altLang="en-US" dirty="0" smtClean="0"/>
+              <a:t> </a:t>
+            </a:r>
+            <a:r>
+              <a:rPr lang="en-US" altLang="zh-TW" dirty="0" err="1" smtClean="0"/>
+              <a:t>int,diedspeed</a:t>
+            </a:r>
+            <a:r>
+              <a:rPr lang="en-US" altLang="zh-TW" dirty="0" smtClean="0"/>
+              <a:t> : </a:t>
+            </a:r>
+            <a:r>
+              <a:rPr lang="en-US" altLang="zh-TW" dirty="0" err="1" smtClean="0"/>
+              <a:t>int</a:t>
+            </a:r>
+            <a:r>
+              <a:rPr lang="en-US" altLang="zh-TW" dirty="0" smtClean="0"/>
+              <a:t>, </a:t>
+            </a:r>
+            <a:r>
+              <a:rPr lang="en-US" altLang="zh-TW" dirty="0" err="1" smtClean="0"/>
+              <a:t>func_name</a:t>
+            </a:r>
+            <a:r>
+              <a:rPr lang="en-US" altLang="zh-TW" dirty="0" smtClean="0"/>
+              <a:t> : string </a:t>
+            </a:r>
+          </a:p>
+          <a:p>
+            <a:r>
+              <a:rPr lang="en-US" altLang="zh-TW" dirty="0" smtClean="0"/>
+              <a:t>Parameter </a:t>
+            </a:r>
+            <a:r>
+              <a:rPr lang="en-US" altLang="zh-TW" dirty="0"/>
+              <a:t>: </a:t>
+            </a:r>
+            <a:r>
+              <a:rPr lang="en-US" altLang="zh-TW" dirty="0" err="1" smtClean="0"/>
+              <a:t>testball</a:t>
+            </a:r>
+            <a:r>
+              <a:rPr lang="en-US" altLang="zh-TW" dirty="0" smtClean="0"/>
+              <a:t> : list = [20,82.5</a:t>
+            </a:r>
+            <a:r>
+              <a:rPr lang="en-US" altLang="zh-TW" dirty="0"/>
+              <a:t>], </a:t>
+            </a:r>
+            <a:r>
+              <a:rPr lang="en-US" altLang="zh-TW" dirty="0" err="1"/>
+              <a:t>rng</a:t>
+            </a:r>
+            <a:r>
+              <a:rPr lang="en-US" altLang="zh-TW" dirty="0"/>
+              <a:t> </a:t>
+            </a:r>
+            <a:r>
+              <a:rPr lang="en-US" altLang="zh-TW" dirty="0" smtClean="0"/>
+              <a:t>: </a:t>
+            </a:r>
+            <a:r>
+              <a:rPr lang="en-US" altLang="zh-TW" dirty="0" err="1" smtClean="0"/>
+              <a:t>int</a:t>
+            </a:r>
+            <a:r>
+              <a:rPr lang="en-US" altLang="zh-TW" dirty="0" smtClean="0"/>
+              <a:t> = -10</a:t>
+            </a:r>
+          </a:p>
+          <a:p>
+            <a:r>
+              <a:rPr lang="en-US" altLang="zh-TW" dirty="0" smtClean="0"/>
+              <a:t>Method :</a:t>
+            </a:r>
+            <a:r>
+              <a:rPr lang="zh-TW" altLang="en-US" dirty="0"/>
+              <a:t>當我方</a:t>
+            </a:r>
+            <a:r>
+              <a:rPr lang="zh-TW" altLang="en-US" dirty="0" smtClean="0"/>
+              <a:t>為</a:t>
+            </a:r>
+            <a:r>
+              <a:rPr lang="en-US" altLang="zh-TW" dirty="0" smtClean="0"/>
+              <a:t>2P</a:t>
+            </a:r>
+            <a:r>
+              <a:rPr lang="zh-TW" altLang="en-US" dirty="0"/>
+              <a:t>且是發球方時，</a:t>
+            </a:r>
+            <a:r>
+              <a:rPr lang="zh-TW" altLang="en-US" dirty="0" smtClean="0"/>
+              <a:t>計算所有發球位置在未來獲勝時的球速與發球位置，需要配合執行序並透過柱列將結果擲回</a:t>
+            </a:r>
+            <a:endParaRPr lang="zh-TW" altLang="en-US" dirty="0"/>
+          </a:p>
+        </p:txBody>
+      </p:sp>
+    </p:spTree>
+    <p:extLst>
+      <p:ext uri="{BB962C8B-B14F-4D97-AF65-F5344CB8AC3E}">
+        <p14:creationId xmlns:p14="http://schemas.microsoft.com/office/powerpoint/2010/main" val="3297935661"/>
+      </p:ext>
+    </p:extLst>
+  </p:cSld>
+  <p:clrMapOvr>
+    <a:masterClrMapping/>
+  </p:clrMapOvr>
+</p:sld>
+</file>
+
+<file path=ppt/slides/slide19.xml><?xml version="1.0" encoding="utf-8"?>
+<p:sld xmlns:a="http://schemas.openxmlformats.org/drawingml/2006/main" xmlns:r="http://schemas.openxmlformats.org/officeDocument/2006/relationships" xmlns:p="http://schemas.openxmlformats.org/presentationml/2006/main">
+  <p:cSld>
+    <p:spTree>
+      <p:nvGrpSpPr>
+        <p:cNvPr id="1" name=""/>
+        <p:cNvGrpSpPr/>
+        <p:nvPr/>
+      </p:nvGrpSpPr>
+      <p:grpSpPr>
+        <a:xfrm>
+          <a:off x="0" y="0"/>
+          <a:ext cx="0" cy="0"/>
+          <a:chOff x="0" y="0"/>
+          <a:chExt cx="0" cy="0"/>
+        </a:xfrm>
+      </p:grpSpPr>
+      <p:sp>
+        <p:nvSpPr>
+          <p:cNvPr id="2" name="標題 1"/>
+          <p:cNvSpPr>
+            <a:spLocks noGrp="1"/>
+          </p:cNvSpPr>
+          <p:nvPr>
+            <p:ph type="title"/>
+          </p:nvPr>
+        </p:nvSpPr>
+        <p:spPr/>
+        <p:txBody>
+          <a:bodyPr/>
+          <a:lstStyle/>
+          <a:p>
+            <a:pPr algn="ctr"/>
+            <a:r>
+              <a:rPr lang="en-US" altLang="zh-TW" dirty="0" smtClean="0"/>
+              <a:t>API-</a:t>
+            </a:r>
+            <a:r>
+              <a:rPr lang="en-US" altLang="zh-TW" dirty="0"/>
+              <a:t> </a:t>
+            </a:r>
+            <a:r>
+              <a:rPr lang="en-US" altLang="zh-TW" dirty="0" err="1"/>
+              <a:t>GetAllCross</a:t>
+            </a:r>
+            <a:endParaRPr lang="zh-TW" altLang="en-US" dirty="0"/>
+          </a:p>
+        </p:txBody>
+      </p:sp>
+      <p:sp>
+        <p:nvSpPr>
+          <p:cNvPr id="3" name="內容版面配置區 2"/>
+          <p:cNvSpPr>
+            <a:spLocks noGrp="1"/>
+          </p:cNvSpPr>
+          <p:nvPr>
+            <p:ph idx="1"/>
+          </p:nvPr>
+        </p:nvSpPr>
+        <p:spPr/>
+        <p:txBody>
+          <a:bodyPr/>
+          <a:lstStyle/>
+          <a:p>
+            <a:r>
+              <a:rPr lang="en-US" altLang="zh-TW" dirty="0"/>
+              <a:t>Name : </a:t>
+            </a:r>
+            <a:r>
+              <a:rPr lang="en-US" altLang="zh-TW" dirty="0" err="1"/>
+              <a:t>GetAllCross</a:t>
+            </a:r>
+            <a:r>
+              <a:rPr lang="zh-TW" altLang="en-US" dirty="0" smtClean="0"/>
+              <a:t> </a:t>
+            </a:r>
+            <a:endParaRPr lang="en-US" altLang="zh-TW" dirty="0" smtClean="0"/>
+          </a:p>
+          <a:p>
+            <a:r>
+              <a:rPr lang="en-US" altLang="zh-TW" dirty="0" smtClean="0"/>
+              <a:t>Input </a:t>
+            </a:r>
+            <a:r>
+              <a:rPr lang="en-US" altLang="zh-TW" dirty="0"/>
+              <a:t>: </a:t>
+            </a:r>
+            <a:r>
+              <a:rPr lang="en-US" altLang="zh-TW" dirty="0" smtClean="0"/>
+              <a:t>ball :</a:t>
+            </a:r>
+            <a:r>
+              <a:rPr lang="zh-TW" altLang="en-US" dirty="0" smtClean="0"/>
+              <a:t> </a:t>
+            </a:r>
+            <a:r>
+              <a:rPr lang="en-US" altLang="zh-TW" dirty="0" smtClean="0"/>
+              <a:t>tuple 2,speed : tuple 2,forms : list 2D,bricks</a:t>
+            </a:r>
+            <a:r>
+              <a:rPr lang="en-US" altLang="zh-TW" dirty="0"/>
+              <a:t> : list 2D</a:t>
+            </a:r>
+            <a:r>
+              <a:rPr lang="en-US" altLang="zh-TW" dirty="0" smtClean="0"/>
+              <a:t> </a:t>
+            </a:r>
+          </a:p>
+          <a:p>
+            <a:r>
+              <a:rPr lang="en-US" altLang="zh-TW" dirty="0" smtClean="0"/>
+              <a:t>Output </a:t>
+            </a:r>
+            <a:r>
+              <a:rPr lang="en-US" altLang="zh-TW" dirty="0"/>
+              <a:t>: points</a:t>
+            </a:r>
+            <a:r>
+              <a:rPr lang="zh-TW" altLang="en-US" dirty="0" smtClean="0"/>
+              <a:t> </a:t>
+            </a:r>
+            <a:r>
+              <a:rPr lang="en-US" altLang="zh-TW" dirty="0" smtClean="0"/>
+              <a:t>:</a:t>
+            </a:r>
+            <a:r>
+              <a:rPr lang="en-US" altLang="zh-TW" dirty="0"/>
+              <a:t> </a:t>
+            </a:r>
+            <a:r>
+              <a:rPr lang="en-US" altLang="zh-TW" dirty="0" smtClean="0"/>
+              <a:t>list :</a:t>
+            </a:r>
+            <a:r>
+              <a:rPr lang="zh-TW" altLang="en-US" dirty="0" smtClean="0"/>
+              <a:t> </a:t>
+            </a:r>
+            <a:r>
+              <a:rPr lang="en-US" altLang="zh-TW" dirty="0" smtClean="0"/>
+              <a:t>tuple 5 {list , </a:t>
+            </a:r>
+            <a:r>
+              <a:rPr lang="en-US" altLang="zh-TW" dirty="0" err="1" smtClean="0"/>
+              <a:t>int</a:t>
+            </a:r>
+            <a:r>
+              <a:rPr lang="en-US" altLang="zh-TW" dirty="0" smtClean="0"/>
+              <a:t> ,</a:t>
+            </a:r>
+            <a:r>
+              <a:rPr lang="en-US" altLang="zh-TW" dirty="0" err="1" smtClean="0"/>
+              <a:t>string,int</a:t>
+            </a:r>
+            <a:r>
+              <a:rPr lang="en-US" altLang="zh-TW" dirty="0" smtClean="0"/>
+              <a:t> ,string} </a:t>
+            </a:r>
+          </a:p>
+          <a:p>
+            <a:r>
+              <a:rPr lang="en-US" altLang="zh-TW" dirty="0"/>
+              <a:t>Parameter </a:t>
+            </a:r>
+            <a:r>
+              <a:rPr lang="en-US" altLang="zh-TW" dirty="0" smtClean="0"/>
+              <a:t>:</a:t>
+            </a:r>
+          </a:p>
+          <a:p>
+            <a:r>
+              <a:rPr lang="en-US" altLang="zh-TW" dirty="0" smtClean="0"/>
+              <a:t>Method : </a:t>
+            </a:r>
+            <a:r>
+              <a:rPr lang="zh-TW" altLang="en-US" dirty="0" smtClean="0"/>
+              <a:t>輸入球座標與速度，透過</a:t>
+            </a:r>
+            <a:r>
+              <a:rPr lang="en-US" altLang="zh-TW" dirty="0" err="1" smtClean="0"/>
+              <a:t>GetCross</a:t>
+            </a:r>
+            <a:r>
+              <a:rPr lang="zh-TW" altLang="en-US" dirty="0" smtClean="0"/>
+              <a:t>函數得到所有碰撞交點</a:t>
+            </a:r>
+            <a:endParaRPr lang="zh-TW" altLang="en-US" dirty="0"/>
+          </a:p>
+        </p:txBody>
+      </p:sp>
+    </p:spTree>
+    <p:extLst>
+      <p:ext uri="{BB962C8B-B14F-4D97-AF65-F5344CB8AC3E}">
+        <p14:creationId xmlns:p14="http://schemas.microsoft.com/office/powerpoint/2010/main" val="3602050580"/>
       </p:ext>
     </p:extLst>
   </p:cSld>
@@ -3115,7 +4968,11 @@
           <a:p>
             <a:r>
               <a:rPr lang="zh-TW" altLang="en-US" dirty="0" smtClean="0"/>
-              <a:t>概念</a:t>
+              <a:t>前</a:t>
+            </a:r>
+            <a:r>
+              <a:rPr lang="zh-TW" altLang="en-US" dirty="0"/>
+              <a:t>言</a:t>
             </a:r>
             <a:endParaRPr lang="en-US" altLang="zh-TW" dirty="0" smtClean="0"/>
           </a:p>
@@ -3142,16 +4999,27 @@
           </a:p>
           <a:p>
             <a:r>
-              <a:rPr lang="zh-TW" altLang="en-US" dirty="0" smtClean="0"/>
-              <a:t>實驗</a:t>
-            </a:r>
-            <a:endParaRPr lang="en-US" altLang="zh-TW" dirty="0" smtClean="0"/>
-          </a:p>
-          <a:p>
+              <a:rPr lang="en-US" altLang="zh-TW" dirty="0" smtClean="0"/>
+              <a:t>API</a:t>
+            </a:r>
+            <a:endParaRPr lang="en-US" altLang="zh-TW" dirty="0" smtClean="0"/>
+          </a:p>
+          <a:p>
+            <a:r>
+              <a:rPr lang="zh-TW" altLang="en-US" dirty="0" smtClean="0"/>
+              <a:t>驗</a:t>
+            </a:r>
             <a:r>
               <a:rPr lang="zh-TW" altLang="en-US" dirty="0"/>
-              <a:t>結論</a:t>
-            </a:r>
+              <a:t>證</a:t>
+            </a:r>
+            <a:endParaRPr lang="en-US" altLang="zh-TW" dirty="0" smtClean="0"/>
+          </a:p>
+          <a:p>
+            <a:pPr marL="0" indent="0">
+              <a:buNone/>
+            </a:pPr>
+            <a:endParaRPr lang="zh-TW" altLang="en-US" dirty="0"/>
           </a:p>
         </p:txBody>
       </p:sp>
@@ -3168,7 +5036,7 @@
 </p:sld>
 </file>
 
-<file path=ppt/slides/slide3.xml><?xml version="1.0" encoding="utf-8"?>
+<file path=ppt/slides/slide20.xml><?xml version="1.0" encoding="utf-8"?>
 <p:sld xmlns:a="http://schemas.openxmlformats.org/drawingml/2006/main" xmlns:r="http://schemas.openxmlformats.org/officeDocument/2006/relationships" xmlns:p="http://schemas.openxmlformats.org/presentationml/2006/main">
   <p:cSld>
     <p:spTree>
@@ -3202,8 +5070,16 @@
           <a:p>
             <a:pPr algn="ctr"/>
             <a:r>
-              <a:rPr lang="zh-TW" altLang="en-US" dirty="0" smtClean="0"/>
-              <a:t>概念</a:t>
+              <a:rPr lang="en-US" altLang="zh-TW" dirty="0" smtClean="0"/>
+              <a:t>API-</a:t>
+            </a:r>
+            <a:r>
+              <a:rPr lang="en-US" altLang="zh-TW" dirty="0"/>
+              <a:t> </a:t>
+            </a:r>
+            <a:r>
+              <a:rPr lang="en-US" altLang="zh-TW" dirty="0" err="1"/>
+              <a:t>getlimmittime</a:t>
             </a:r>
             <a:endParaRPr lang="zh-TW" altLang="en-US" dirty="0"/>
           </a:p>
@@ -3221,93 +5097,176 @@
         </p:nvSpPr>
         <p:spPr/>
         <p:txBody>
-          <a:bodyPr>
-            <a:normAutofit/>
-          </a:bodyPr>
-          <a:lstStyle/>
-          <a:p>
-            <a:r>
-              <a:rPr lang="zh-TW" altLang="en-US" dirty="0" smtClean="0"/>
-              <a:t>要能分析對方的動作</a:t>
-            </a:r>
-            <a:endParaRPr lang="en-US" altLang="zh-TW" dirty="0" smtClean="0"/>
-          </a:p>
-          <a:p>
-            <a:pPr lvl="1"/>
-            <a:r>
-              <a:rPr lang="zh-TW" altLang="en-US" dirty="0" smtClean="0"/>
-              <a:t>預測</a:t>
-            </a:r>
-            <a:endParaRPr lang="en-US" altLang="zh-TW" dirty="0" smtClean="0"/>
-          </a:p>
-          <a:p>
-            <a:pPr lvl="1"/>
-            <a:r>
-              <a:rPr lang="zh-TW" altLang="en-US" dirty="0" smtClean="0"/>
-              <a:t>反制</a:t>
-            </a:r>
-            <a:endParaRPr lang="en-US" altLang="zh-TW" dirty="0" smtClean="0"/>
-          </a:p>
-          <a:p>
-            <a:r>
-              <a:rPr lang="zh-TW" altLang="en-US" dirty="0" smtClean="0"/>
-              <a:t>戰略</a:t>
-            </a:r>
-            <a:endParaRPr lang="en-US" altLang="zh-TW" dirty="0" smtClean="0"/>
-          </a:p>
-          <a:p>
-            <a:pPr lvl="1"/>
-            <a:r>
-              <a:rPr lang="zh-TW" altLang="en-US" dirty="0"/>
-              <a:t>攻</a:t>
-            </a:r>
-            <a:endParaRPr lang="en-US" altLang="zh-TW" dirty="0" smtClean="0"/>
-          </a:p>
-          <a:p>
-            <a:pPr lvl="2"/>
-            <a:r>
-              <a:rPr lang="zh-TW" altLang="en-US" dirty="0" smtClean="0"/>
-              <a:t>評估對手板子在相對時間內到不了的位置</a:t>
-            </a:r>
-            <a:endParaRPr lang="en-US" altLang="zh-TW" dirty="0" smtClean="0"/>
-          </a:p>
-          <a:p>
-            <a:pPr lvl="3"/>
-            <a:r>
-              <a:rPr lang="zh-TW" altLang="en-US" dirty="0" smtClean="0"/>
-              <a:t>例如球在我方到達對面的時間內，對方板子能夠移動到的位置</a:t>
-            </a:r>
-            <a:endParaRPr lang="en-US" altLang="zh-TW" dirty="0" smtClean="0"/>
-          </a:p>
-          <a:p>
-            <a:pPr lvl="2"/>
-            <a:r>
-              <a:rPr lang="zh-TW" altLang="en-US" dirty="0" smtClean="0"/>
-              <a:t>誘導對方板子到達角落，完成下次進攻的準備</a:t>
-            </a:r>
-            <a:endParaRPr lang="en-US" altLang="zh-TW" dirty="0"/>
-          </a:p>
-          <a:p>
-            <a:pPr lvl="1"/>
-            <a:r>
-              <a:rPr lang="zh-TW" altLang="en-US" dirty="0" smtClean="0"/>
-              <a:t>防</a:t>
-            </a:r>
-            <a:endParaRPr lang="en-US" altLang="zh-TW" dirty="0" smtClean="0"/>
-          </a:p>
-          <a:p>
-            <a:pPr lvl="2"/>
-            <a:r>
-              <a:rPr lang="zh-TW" altLang="en-US" dirty="0" smtClean="0"/>
-              <a:t>反反攻</a:t>
-            </a:r>
-            <a:endParaRPr lang="en-US" altLang="zh-TW" dirty="0" smtClean="0"/>
-          </a:p>
-          <a:p>
-            <a:pPr lvl="2"/>
-            <a:endParaRPr lang="en-US" altLang="zh-TW" dirty="0" smtClean="0"/>
-          </a:p>
-          <a:p>
+          <a:bodyPr/>
+          <a:lstStyle/>
+          <a:p>
+            <a:r>
+              <a:rPr lang="en-US" altLang="zh-TW" dirty="0"/>
+              <a:t>Name : </a:t>
+            </a:r>
+            <a:r>
+              <a:rPr lang="en-US" altLang="zh-TW" dirty="0" err="1"/>
+              <a:t>getlimmittime</a:t>
+            </a:r>
+            <a:r>
+              <a:rPr lang="zh-TW" altLang="en-US" dirty="0" smtClean="0"/>
+              <a:t> </a:t>
+            </a:r>
+            <a:endParaRPr lang="en-US" altLang="zh-TW" dirty="0" smtClean="0"/>
+          </a:p>
+          <a:p>
+            <a:r>
+              <a:rPr lang="en-US" altLang="zh-TW" dirty="0" smtClean="0"/>
+              <a:t>Input </a:t>
+            </a:r>
+            <a:r>
+              <a:rPr lang="en-US" altLang="zh-TW" dirty="0"/>
+              <a:t>: </a:t>
+            </a:r>
+            <a:r>
+              <a:rPr lang="en-US" altLang="zh-TW" dirty="0" err="1" smtClean="0"/>
+              <a:t>posx</a:t>
+            </a:r>
+            <a:r>
+              <a:rPr lang="zh-TW" altLang="en-US" dirty="0" smtClean="0"/>
+              <a:t> </a:t>
+            </a:r>
+            <a:r>
+              <a:rPr lang="en-US" altLang="zh-TW" dirty="0" smtClean="0"/>
+              <a:t>:</a:t>
+            </a:r>
+            <a:r>
+              <a:rPr lang="zh-TW" altLang="en-US" dirty="0" smtClean="0"/>
+              <a:t> </a:t>
+            </a:r>
+            <a:r>
+              <a:rPr lang="en-US" altLang="zh-TW" dirty="0" err="1" smtClean="0"/>
+              <a:t>int</a:t>
+            </a:r>
+            <a:r>
+              <a:rPr lang="en-US" altLang="zh-TW" dirty="0" smtClean="0"/>
+              <a:t> ,</a:t>
+            </a:r>
+            <a:r>
+              <a:rPr lang="en-US" altLang="zh-TW" dirty="0" err="1" smtClean="0"/>
+              <a:t>vel</a:t>
+            </a:r>
+            <a:r>
+              <a:rPr lang="en-US" altLang="zh-TW" dirty="0" smtClean="0"/>
+              <a:t> : </a:t>
+            </a:r>
+            <a:r>
+              <a:rPr lang="en-US" altLang="zh-TW" dirty="0" err="1" smtClean="0"/>
+              <a:t>int,maxx</a:t>
+            </a:r>
+            <a:r>
+              <a:rPr lang="en-US" altLang="zh-TW" dirty="0" smtClean="0"/>
+              <a:t> : </a:t>
+            </a:r>
+            <a:r>
+              <a:rPr lang="en-US" altLang="zh-TW" dirty="0" err="1" smtClean="0"/>
+              <a:t>int,time</a:t>
+            </a:r>
+            <a:r>
+              <a:rPr lang="en-US" altLang="zh-TW" dirty="0" smtClean="0"/>
+              <a:t> :</a:t>
+            </a:r>
+            <a:r>
+              <a:rPr lang="en-US" altLang="zh-TW" dirty="0" err="1" smtClean="0"/>
+              <a:t>int</a:t>
+            </a:r>
+            <a:endParaRPr lang="en-US" altLang="zh-TW" dirty="0" smtClean="0"/>
+          </a:p>
+          <a:p>
+            <a:r>
+              <a:rPr lang="en-US" altLang="zh-TW" dirty="0" smtClean="0"/>
+              <a:t>Output </a:t>
+            </a:r>
+            <a:r>
+              <a:rPr lang="en-US" altLang="zh-TW" dirty="0"/>
+              <a:t>: </a:t>
+            </a:r>
+            <a:r>
+              <a:rPr lang="en-US" altLang="zh-TW" dirty="0" err="1"/>
+              <a:t>newtime</a:t>
+            </a:r>
+            <a:r>
+              <a:rPr lang="zh-TW" altLang="en-US" dirty="0" smtClean="0"/>
+              <a:t> </a:t>
+            </a:r>
+            <a:r>
+              <a:rPr lang="en-US" altLang="zh-TW" dirty="0" smtClean="0"/>
+              <a:t>:</a:t>
+            </a:r>
+            <a:r>
+              <a:rPr lang="zh-TW" altLang="en-US" dirty="0" smtClean="0"/>
+              <a:t> </a:t>
+            </a:r>
+            <a:r>
+              <a:rPr lang="en-US" altLang="zh-TW" dirty="0" err="1" smtClean="0"/>
+              <a:t>int</a:t>
+            </a:r>
+            <a:endParaRPr lang="en-US" altLang="zh-TW" dirty="0" smtClean="0"/>
+          </a:p>
+          <a:p>
+            <a:r>
+              <a:rPr lang="en-US" altLang="zh-TW" dirty="0"/>
+              <a:t>Parameter </a:t>
+            </a:r>
+            <a:r>
+              <a:rPr lang="en-US" altLang="zh-TW" dirty="0" smtClean="0"/>
+              <a:t>:</a:t>
+            </a:r>
+          </a:p>
+          <a:p>
+            <a:r>
+              <a:rPr lang="en-US" altLang="zh-TW" dirty="0" smtClean="0"/>
+              <a:t>Method : </a:t>
+            </a:r>
+            <a:r>
+              <a:rPr lang="zh-TW" altLang="en-US" dirty="0" smtClean="0"/>
+              <a:t>輸入球座標</a:t>
+            </a:r>
+            <a:r>
+              <a:rPr lang="en-US" altLang="zh-TW" dirty="0"/>
+              <a:t>X</a:t>
+            </a:r>
+            <a:r>
+              <a:rPr lang="zh-TW" altLang="en-US" dirty="0" smtClean="0"/>
+              <a:t>與速度</a:t>
+            </a:r>
+            <a:r>
+              <a:rPr lang="en-US" altLang="zh-TW" dirty="0" smtClean="0"/>
+              <a:t>X</a:t>
+            </a:r>
+            <a:r>
+              <a:rPr lang="zh-TW" altLang="en-US" dirty="0" smtClean="0"/>
+              <a:t>與時間估算出移動後的</a:t>
+            </a:r>
+            <a:r>
+              <a:rPr lang="en-US" altLang="zh-TW" dirty="0" smtClean="0"/>
+              <a:t>x</a:t>
+            </a:r>
+            <a:r>
+              <a:rPr lang="zh-TW" altLang="en-US" dirty="0" smtClean="0"/>
+              <a:t>位置，若超過最大邊界</a:t>
+            </a:r>
+            <a:r>
+              <a:rPr lang="en-US" altLang="zh-TW" dirty="0" err="1" smtClean="0"/>
+              <a:t>maxx</a:t>
+            </a:r>
+            <a:r>
+              <a:rPr lang="zh-TW" altLang="en-US" dirty="0" smtClean="0"/>
+              <a:t>或最小邊界</a:t>
+            </a:r>
+            <a:r>
+              <a:rPr lang="en-US" altLang="zh-TW" dirty="0" smtClean="0"/>
+              <a:t>0</a:t>
+            </a:r>
+            <a:r>
+              <a:rPr lang="zh-TW" altLang="en-US" dirty="0" smtClean="0"/>
+              <a:t>則回傳到邊界的時間，否則直接回傳時間</a:t>
+            </a:r>
             <a:endParaRPr lang="zh-TW" altLang="en-US" dirty="0"/>
           </a:p>
         </p:txBody>
@@ -3315,7 +5274,7 @@
     </p:spTree>
     <p:extLst>
       <p:ext uri="{BB962C8B-B14F-4D97-AF65-F5344CB8AC3E}">
-        <p14:creationId xmlns:p14="http://schemas.microsoft.com/office/powerpoint/2010/main" val="1189170436"/>
+        <p14:creationId xmlns:p14="http://schemas.microsoft.com/office/powerpoint/2010/main" val="4272044896"/>
       </p:ext>
     </p:extLst>
   </p:cSld>
@@ -3325,7 +5284,7 @@
 </p:sld>
 </file>
 
-<file path=ppt/slides/slide4.xml><?xml version="1.0" encoding="utf-8"?>
+<file path=ppt/slides/slide21.xml><?xml version="1.0" encoding="utf-8"?>
 <p:sld xmlns:a="http://schemas.openxmlformats.org/drawingml/2006/main" xmlns:r="http://schemas.openxmlformats.org/officeDocument/2006/relationships" xmlns:p="http://schemas.openxmlformats.org/presentationml/2006/main">
   <p:cSld>
     <p:spTree>
@@ -3359,10 +5318,3171 @@
           <a:p>
             <a:pPr algn="ctr"/>
             <a:r>
-              <a:rPr lang="zh-TW" altLang="en-US" dirty="0" smtClean="0"/>
+              <a:rPr lang="en-US" altLang="zh-TW" dirty="0" smtClean="0"/>
+              <a:t>API-</a:t>
+            </a:r>
+            <a:r>
+              <a:rPr lang="en-US" altLang="zh-TW" dirty="0"/>
+              <a:t> </a:t>
+            </a:r>
+            <a:r>
+              <a:rPr lang="en-US" altLang="zh-TW" dirty="0" err="1"/>
+              <a:t>Ball_path_computer</a:t>
+            </a:r>
+            <a:endParaRPr lang="zh-TW" altLang="en-US" dirty="0"/>
+          </a:p>
+        </p:txBody>
+      </p:sp>
+      <p:sp>
+        <p:nvSpPr>
+          <p:cNvPr id="3" name="內容版面配置區 2"/>
+          <p:cNvSpPr>
+            <a:spLocks noGrp="1"/>
+          </p:cNvSpPr>
+          <p:nvPr>
+            <p:ph idx="1"/>
+          </p:nvPr>
+        </p:nvSpPr>
+        <p:spPr/>
+        <p:txBody>
+          <a:bodyPr>
+            <a:normAutofit/>
+          </a:bodyPr>
+          <a:lstStyle/>
+          <a:p>
+            <a:r>
+              <a:rPr lang="en-US" altLang="zh-TW" dirty="0"/>
+              <a:t>Name : </a:t>
+            </a:r>
+            <a:r>
+              <a:rPr lang="en-US" altLang="zh-TW" dirty="0" err="1"/>
+              <a:t>Ball_path_computer</a:t>
+            </a:r>
+            <a:r>
+              <a:rPr lang="zh-TW" altLang="en-US" dirty="0" smtClean="0"/>
+              <a:t> </a:t>
+            </a:r>
+            <a:endParaRPr lang="en-US" altLang="zh-TW" dirty="0" smtClean="0"/>
+          </a:p>
+          <a:p>
+            <a:r>
+              <a:rPr lang="en-US" altLang="zh-TW" dirty="0" smtClean="0"/>
+              <a:t>Input </a:t>
+            </a:r>
+            <a:r>
+              <a:rPr lang="en-US" altLang="zh-TW" dirty="0"/>
+              <a:t>: </a:t>
+            </a:r>
+            <a:r>
+              <a:rPr lang="en-US" altLang="zh-TW" dirty="0" smtClean="0"/>
+              <a:t>ball : tuple 2, velocity : </a:t>
+            </a:r>
+            <a:r>
+              <a:rPr lang="en-US" altLang="zh-TW" dirty="0"/>
+              <a:t>tuple </a:t>
+            </a:r>
+            <a:r>
+              <a:rPr lang="en-US" altLang="zh-TW" dirty="0" smtClean="0"/>
+              <a:t>2,forms : list 2d,bricks : list 2d,bricksvel tuple 2, balls : list, </a:t>
+            </a:r>
+            <a:r>
+              <a:rPr lang="en-US" altLang="zh-TW" dirty="0" err="1" smtClean="0"/>
+              <a:t>prebricks</a:t>
+            </a:r>
+            <a:r>
+              <a:rPr lang="en-US" altLang="zh-TW" dirty="0" smtClean="0"/>
+              <a:t> : list, action : string</a:t>
+            </a:r>
+          </a:p>
+          <a:p>
+            <a:r>
+              <a:rPr lang="en-US" altLang="zh-TW" dirty="0" smtClean="0"/>
+              <a:t>Output : ball : tuple 2, balls : list, bricks</a:t>
+            </a:r>
+            <a:r>
+              <a:rPr lang="en-US" altLang="zh-TW" dirty="0"/>
+              <a:t>: </a:t>
+            </a:r>
+            <a:r>
+              <a:rPr lang="en-US" altLang="zh-TW" dirty="0" smtClean="0"/>
+              <a:t>list 2d, </a:t>
+            </a:r>
+            <a:r>
+              <a:rPr lang="en-US" altLang="zh-TW" dirty="0" err="1" smtClean="0"/>
+              <a:t>bricksvel</a:t>
+            </a:r>
+            <a:r>
+              <a:rPr lang="en-US" altLang="zh-TW" dirty="0"/>
+              <a:t>: tuple 2</a:t>
+            </a:r>
+            <a:r>
+              <a:rPr lang="en-US" altLang="zh-TW" dirty="0" smtClean="0"/>
+              <a:t>, </a:t>
+            </a:r>
+            <a:r>
+              <a:rPr lang="en-US" altLang="zh-TW" dirty="0" err="1" smtClean="0"/>
+              <a:t>prebricks</a:t>
+            </a:r>
+            <a:r>
+              <a:rPr lang="en-US" altLang="zh-TW" dirty="0" smtClean="0"/>
+              <a:t> : list, </a:t>
+            </a:r>
+            <a:r>
+              <a:rPr lang="en-US" altLang="zh-TW" dirty="0" err="1" smtClean="0"/>
+              <a:t>runframe</a:t>
+            </a:r>
+            <a:r>
+              <a:rPr lang="en-US" altLang="zh-TW" dirty="0" smtClean="0"/>
+              <a:t> : </a:t>
+            </a:r>
+            <a:r>
+              <a:rPr lang="en-US" altLang="zh-TW" dirty="0" err="1" smtClean="0"/>
+              <a:t>int</a:t>
+            </a:r>
+            <a:r>
+              <a:rPr lang="en-US" altLang="zh-TW" dirty="0" smtClean="0"/>
+              <a:t>, speed : tuple 2</a:t>
+            </a:r>
+          </a:p>
+          <a:p>
+            <a:r>
+              <a:rPr lang="en-US" altLang="zh-TW" dirty="0" smtClean="0"/>
+              <a:t>Parameter :</a:t>
+            </a:r>
+            <a:r>
+              <a:rPr lang="zh-TW" altLang="en-US" dirty="0" smtClean="0"/>
+              <a:t> </a:t>
+            </a:r>
+            <a:r>
+              <a:rPr lang="en-US" altLang="zh-TW" dirty="0"/>
+              <a:t>timeout</a:t>
+            </a:r>
+            <a:r>
+              <a:rPr lang="zh-TW" altLang="en-US" dirty="0" smtClean="0"/>
+              <a:t> </a:t>
+            </a:r>
+            <a:r>
+              <a:rPr lang="en-US" altLang="zh-TW" dirty="0" smtClean="0"/>
+              <a:t>:</a:t>
+            </a:r>
+            <a:r>
+              <a:rPr lang="zh-TW" altLang="en-US" dirty="0" smtClean="0"/>
+              <a:t> </a:t>
+            </a:r>
+            <a:r>
+              <a:rPr lang="en-US" altLang="zh-TW" dirty="0" err="1" smtClean="0"/>
+              <a:t>int</a:t>
+            </a:r>
+            <a:r>
+              <a:rPr lang="en-US" altLang="zh-TW" dirty="0" smtClean="0"/>
+              <a:t> = 25</a:t>
+            </a:r>
+          </a:p>
+          <a:p>
+            <a:r>
+              <a:rPr lang="en-US" altLang="zh-TW" dirty="0" smtClean="0"/>
+              <a:t>Method : </a:t>
+            </a:r>
+            <a:r>
+              <a:rPr lang="zh-TW" altLang="en-US" dirty="0" smtClean="0"/>
+              <a:t>輸入球座標與速度與障礙物座標與速度，估算出球從當前狀態回到我方板子上的座標，並將途中所有碰撞座標與障礙物移動後的座標和速度及預測時間回傳。</a:t>
+            </a:r>
+            <a:endParaRPr lang="zh-TW" altLang="en-US" dirty="0"/>
+          </a:p>
+        </p:txBody>
+      </p:sp>
+    </p:spTree>
+    <p:extLst>
+      <p:ext uri="{BB962C8B-B14F-4D97-AF65-F5344CB8AC3E}">
+        <p14:creationId xmlns:p14="http://schemas.microsoft.com/office/powerpoint/2010/main" val="2032535692"/>
+      </p:ext>
+    </p:extLst>
+  </p:cSld>
+  <p:clrMapOvr>
+    <a:masterClrMapping/>
+  </p:clrMapOvr>
+</p:sld>
+</file>
+
+<file path=ppt/slides/slide22.xml><?xml version="1.0" encoding="utf-8"?>
+<p:sld xmlns:a="http://schemas.openxmlformats.org/drawingml/2006/main" xmlns:r="http://schemas.openxmlformats.org/officeDocument/2006/relationships" xmlns:p="http://schemas.openxmlformats.org/presentationml/2006/main">
+  <p:cSld>
+    <p:spTree>
+      <p:nvGrpSpPr>
+        <p:cNvPr id="1" name=""/>
+        <p:cNvGrpSpPr/>
+        <p:nvPr/>
+      </p:nvGrpSpPr>
+      <p:grpSpPr>
+        <a:xfrm>
+          <a:off x="0" y="0"/>
+          <a:ext cx="0" cy="0"/>
+          <a:chOff x="0" y="0"/>
+          <a:chExt cx="0" cy="0"/>
+        </a:xfrm>
+      </p:grpSpPr>
+      <p:sp>
+        <p:nvSpPr>
+          <p:cNvPr id="2" name="標題 1"/>
+          <p:cNvSpPr>
+            <a:spLocks noGrp="1"/>
+          </p:cNvSpPr>
+          <p:nvPr>
+            <p:ph type="title"/>
+          </p:nvPr>
+        </p:nvSpPr>
+        <p:spPr/>
+        <p:txBody>
+          <a:bodyPr/>
+          <a:lstStyle/>
+          <a:p>
+            <a:pPr algn="ctr"/>
+            <a:r>
+              <a:rPr lang="en-US" altLang="zh-TW" dirty="0" smtClean="0"/>
+              <a:t>API-</a:t>
+            </a:r>
+            <a:r>
+              <a:rPr lang="en-US" altLang="zh-TW" dirty="0"/>
+              <a:t> move</a:t>
+            </a:r>
+            <a:endParaRPr lang="zh-TW" altLang="en-US" dirty="0"/>
+          </a:p>
+        </p:txBody>
+      </p:sp>
+      <p:sp>
+        <p:nvSpPr>
+          <p:cNvPr id="3" name="內容版面配置區 2"/>
+          <p:cNvSpPr>
+            <a:spLocks noGrp="1"/>
+          </p:cNvSpPr>
+          <p:nvPr>
+            <p:ph idx="1"/>
+          </p:nvPr>
+        </p:nvSpPr>
+        <p:spPr/>
+        <p:txBody>
+          <a:bodyPr>
+            <a:normAutofit/>
+          </a:bodyPr>
+          <a:lstStyle/>
+          <a:p>
+            <a:r>
+              <a:rPr lang="en-US" altLang="zh-TW" dirty="0"/>
+              <a:t>Name : move</a:t>
+            </a:r>
+            <a:r>
+              <a:rPr lang="zh-TW" altLang="en-US" dirty="0" smtClean="0"/>
+              <a:t> </a:t>
+            </a:r>
+            <a:endParaRPr lang="en-US" altLang="zh-TW" dirty="0" smtClean="0"/>
+          </a:p>
+          <a:p>
+            <a:r>
+              <a:rPr lang="en-US" altLang="zh-TW" dirty="0" smtClean="0"/>
+              <a:t>Input </a:t>
+            </a:r>
+            <a:r>
+              <a:rPr lang="en-US" altLang="zh-TW" dirty="0"/>
+              <a:t>: </a:t>
+            </a:r>
+            <a:r>
+              <a:rPr lang="en-US" altLang="zh-TW" dirty="0" err="1" smtClean="0"/>
+              <a:t>posx</a:t>
+            </a:r>
+            <a:r>
+              <a:rPr lang="en-US" altLang="zh-TW" dirty="0" smtClean="0"/>
+              <a:t> : </a:t>
+            </a:r>
+            <a:r>
+              <a:rPr lang="en-US" altLang="zh-TW" dirty="0" err="1" smtClean="0"/>
+              <a:t>int</a:t>
+            </a:r>
+            <a:r>
+              <a:rPr lang="en-US" altLang="zh-TW" dirty="0" smtClean="0"/>
+              <a:t>, </a:t>
+            </a:r>
+            <a:r>
+              <a:rPr lang="en-US" altLang="zh-TW" dirty="0" err="1" smtClean="0"/>
+              <a:t>velx</a:t>
+            </a:r>
+            <a:r>
+              <a:rPr lang="en-US" altLang="zh-TW" dirty="0" smtClean="0"/>
+              <a:t> : </a:t>
+            </a:r>
+            <a:r>
+              <a:rPr lang="en-US" altLang="zh-TW" dirty="0" err="1" smtClean="0"/>
+              <a:t>int</a:t>
+            </a:r>
+            <a:r>
+              <a:rPr lang="en-US" altLang="zh-TW" dirty="0" smtClean="0"/>
+              <a:t>, </a:t>
+            </a:r>
+            <a:r>
+              <a:rPr lang="en-US" altLang="zh-TW" dirty="0" err="1" smtClean="0"/>
+              <a:t>maxx</a:t>
+            </a:r>
+            <a:r>
+              <a:rPr lang="en-US" altLang="zh-TW" dirty="0" smtClean="0"/>
+              <a:t> : </a:t>
+            </a:r>
+            <a:r>
+              <a:rPr lang="en-US" altLang="zh-TW" dirty="0" err="1" smtClean="0"/>
+              <a:t>int</a:t>
+            </a:r>
+            <a:r>
+              <a:rPr lang="en-US" altLang="zh-TW" dirty="0" smtClean="0"/>
+              <a:t>, time</a:t>
+            </a:r>
+            <a:r>
+              <a:rPr lang="zh-TW" altLang="en-US" dirty="0" smtClean="0"/>
+              <a:t> </a:t>
+            </a:r>
+            <a:r>
+              <a:rPr lang="en-US" altLang="zh-TW" dirty="0" smtClean="0"/>
+              <a:t>:</a:t>
+            </a:r>
+            <a:r>
+              <a:rPr lang="zh-TW" altLang="en-US" dirty="0" smtClean="0"/>
+              <a:t> </a:t>
+            </a:r>
+            <a:r>
+              <a:rPr lang="en-US" altLang="zh-TW" dirty="0" err="1" smtClean="0"/>
+              <a:t>int</a:t>
+            </a:r>
+            <a:r>
+              <a:rPr lang="en-US" altLang="zh-TW" dirty="0" smtClean="0"/>
+              <a:t> </a:t>
+            </a:r>
+          </a:p>
+          <a:p>
+            <a:r>
+              <a:rPr lang="en-US" altLang="zh-TW" dirty="0" smtClean="0"/>
+              <a:t>Output </a:t>
+            </a:r>
+            <a:r>
+              <a:rPr lang="en-US" altLang="zh-TW" dirty="0"/>
+              <a:t>: </a:t>
+            </a:r>
+            <a:r>
+              <a:rPr lang="en-US" altLang="zh-TW" dirty="0" err="1" smtClean="0"/>
+              <a:t>newx</a:t>
+            </a:r>
+            <a:r>
+              <a:rPr lang="en-US" altLang="zh-TW" dirty="0"/>
+              <a:t> : </a:t>
+            </a:r>
+            <a:r>
+              <a:rPr lang="en-US" altLang="zh-TW" dirty="0" err="1" smtClean="0"/>
+              <a:t>int</a:t>
+            </a:r>
+            <a:r>
+              <a:rPr lang="en-US" altLang="zh-TW" dirty="0" smtClean="0"/>
+              <a:t>, </a:t>
+            </a:r>
+            <a:r>
+              <a:rPr lang="en-US" altLang="zh-TW" dirty="0" err="1" smtClean="0"/>
+              <a:t>newv</a:t>
+            </a:r>
+            <a:r>
+              <a:rPr lang="en-US" altLang="zh-TW" dirty="0" smtClean="0"/>
+              <a:t> </a:t>
+            </a:r>
+            <a:r>
+              <a:rPr lang="en-US" altLang="zh-TW" dirty="0"/>
+              <a:t>: </a:t>
+            </a:r>
+            <a:r>
+              <a:rPr lang="en-US" altLang="zh-TW" dirty="0" err="1" smtClean="0"/>
+              <a:t>int</a:t>
+            </a:r>
+            <a:endParaRPr lang="en-US" altLang="zh-TW" dirty="0" smtClean="0"/>
+          </a:p>
+          <a:p>
+            <a:r>
+              <a:rPr lang="en-US" altLang="zh-TW" dirty="0" smtClean="0"/>
+              <a:t>Parameter :</a:t>
+            </a:r>
+            <a:r>
+              <a:rPr lang="zh-TW" altLang="en-US" dirty="0" smtClean="0"/>
+              <a:t> </a:t>
+            </a:r>
+            <a:r>
+              <a:rPr lang="en-US" altLang="zh-TW" dirty="0" smtClean="0"/>
+              <a:t>v</a:t>
+            </a:r>
+            <a:r>
+              <a:rPr lang="zh-TW" altLang="en-US" dirty="0" smtClean="0"/>
+              <a:t> </a:t>
+            </a:r>
+            <a:r>
+              <a:rPr lang="en-US" altLang="zh-TW" dirty="0" smtClean="0"/>
+              <a:t>:</a:t>
+            </a:r>
+            <a:r>
+              <a:rPr lang="zh-TW" altLang="en-US" dirty="0" smtClean="0"/>
+              <a:t> </a:t>
+            </a:r>
+            <a:r>
+              <a:rPr lang="en-US" altLang="zh-TW" dirty="0" err="1" smtClean="0"/>
+              <a:t>int</a:t>
+            </a:r>
+            <a:r>
+              <a:rPr lang="en-US" altLang="zh-TW" dirty="0" smtClean="0"/>
+              <a:t> = </a:t>
+            </a:r>
+            <a:r>
+              <a:rPr lang="en-US" altLang="zh-TW" dirty="0"/>
+              <a:t>5 </a:t>
+            </a:r>
+            <a:endParaRPr lang="en-US" altLang="zh-TW" dirty="0" smtClean="0"/>
+          </a:p>
+          <a:p>
+            <a:r>
+              <a:rPr lang="en-US" altLang="zh-TW" dirty="0" smtClean="0"/>
+              <a:t>Method : </a:t>
+            </a:r>
+            <a:r>
+              <a:rPr lang="zh-TW" altLang="en-US" dirty="0" smtClean="0"/>
+              <a:t>輸入球座標</a:t>
+            </a:r>
+            <a:r>
+              <a:rPr lang="en-US" altLang="zh-TW" dirty="0"/>
+              <a:t>X</a:t>
+            </a:r>
+            <a:r>
+              <a:rPr lang="zh-TW" altLang="en-US" dirty="0" smtClean="0"/>
+              <a:t>與速度</a:t>
+            </a:r>
+            <a:r>
+              <a:rPr lang="en-US" altLang="zh-TW" dirty="0" smtClean="0"/>
+              <a:t>X</a:t>
+            </a:r>
+            <a:r>
+              <a:rPr lang="zh-TW" altLang="en-US" dirty="0" smtClean="0"/>
+              <a:t>與最大邊界</a:t>
+            </a:r>
+            <a:r>
+              <a:rPr lang="en-US" altLang="zh-TW" dirty="0" err="1" smtClean="0"/>
+              <a:t>maxx</a:t>
+            </a:r>
+            <a:r>
+              <a:rPr lang="en-US" altLang="zh-TW" dirty="0" smtClean="0"/>
+              <a:t>,</a:t>
+            </a:r>
+            <a:r>
+              <a:rPr lang="zh-TW" altLang="en-US" dirty="0" smtClean="0"/>
+              <a:t>與到達對方的時間，求出在時間內移動到的</a:t>
+            </a:r>
+            <a:r>
+              <a:rPr lang="en-US" altLang="zh-TW" dirty="0" smtClean="0"/>
+              <a:t>X</a:t>
+            </a:r>
+            <a:r>
+              <a:rPr lang="zh-TW" altLang="en-US" dirty="0" smtClean="0"/>
+              <a:t>座標，若超出最大邊界或小於最小邊界則反轉速度</a:t>
+            </a:r>
+            <a:r>
+              <a:rPr lang="en-US" altLang="zh-TW" dirty="0" smtClean="0"/>
+              <a:t>V</a:t>
+            </a:r>
+            <a:r>
+              <a:rPr lang="zh-TW" altLang="en-US" dirty="0" smtClean="0"/>
+              <a:t>，以得到最終</a:t>
+            </a:r>
+            <a:r>
+              <a:rPr lang="en-US" altLang="zh-TW" dirty="0" smtClean="0"/>
+              <a:t>X</a:t>
+            </a:r>
+            <a:r>
+              <a:rPr lang="zh-TW" altLang="en-US" dirty="0" smtClean="0"/>
+              <a:t>座標與速度，由於算法精簡比疊代直線交點能更快預測球的落點。</a:t>
+            </a:r>
+            <a:endParaRPr lang="zh-TW" altLang="en-US" dirty="0"/>
+          </a:p>
+        </p:txBody>
+      </p:sp>
+    </p:spTree>
+    <p:extLst>
+      <p:ext uri="{BB962C8B-B14F-4D97-AF65-F5344CB8AC3E}">
+        <p14:creationId xmlns:p14="http://schemas.microsoft.com/office/powerpoint/2010/main" val="840294487"/>
+      </p:ext>
+    </p:extLst>
+  </p:cSld>
+  <p:clrMapOvr>
+    <a:masterClrMapping/>
+  </p:clrMapOvr>
+</p:sld>
+</file>
+
+<file path=ppt/slides/slide23.xml><?xml version="1.0" encoding="utf-8"?>
+<p:sld xmlns:a="http://schemas.openxmlformats.org/drawingml/2006/main" xmlns:r="http://schemas.openxmlformats.org/officeDocument/2006/relationships" xmlns:p="http://schemas.openxmlformats.org/presentationml/2006/main">
+  <p:cSld>
+    <p:spTree>
+      <p:nvGrpSpPr>
+        <p:cNvPr id="1" name=""/>
+        <p:cNvGrpSpPr/>
+        <p:nvPr/>
+      </p:nvGrpSpPr>
+      <p:grpSpPr>
+        <a:xfrm>
+          <a:off x="0" y="0"/>
+          <a:ext cx="0" cy="0"/>
+          <a:chOff x="0" y="0"/>
+          <a:chExt cx="0" cy="0"/>
+        </a:xfrm>
+      </p:grpSpPr>
+      <p:sp>
+        <p:nvSpPr>
+          <p:cNvPr id="2" name="標題 1"/>
+          <p:cNvSpPr>
+            <a:spLocks noGrp="1"/>
+          </p:cNvSpPr>
+          <p:nvPr>
+            <p:ph type="title"/>
+          </p:nvPr>
+        </p:nvSpPr>
+        <p:spPr/>
+        <p:txBody>
+          <a:bodyPr/>
+          <a:lstStyle/>
+          <a:p>
+            <a:pPr algn="ctr"/>
+            <a:r>
+              <a:rPr lang="en-US" altLang="zh-TW" dirty="0" smtClean="0"/>
+              <a:t>API-</a:t>
+            </a:r>
+            <a:r>
+              <a:rPr lang="en-US" altLang="zh-TW" dirty="0"/>
+              <a:t> </a:t>
+            </a:r>
+            <a:r>
+              <a:rPr lang="en-US" altLang="zh-TW" dirty="0" err="1"/>
+              <a:t>updata_cross_bricks</a:t>
+            </a:r>
+            <a:endParaRPr lang="zh-TW" altLang="en-US" dirty="0"/>
+          </a:p>
+        </p:txBody>
+      </p:sp>
+      <p:sp>
+        <p:nvSpPr>
+          <p:cNvPr id="3" name="內容版面配置區 2"/>
+          <p:cNvSpPr>
+            <a:spLocks noGrp="1"/>
+          </p:cNvSpPr>
+          <p:nvPr>
+            <p:ph idx="1"/>
+          </p:nvPr>
+        </p:nvSpPr>
+        <p:spPr/>
+        <p:txBody>
+          <a:bodyPr>
+            <a:normAutofit/>
+          </a:bodyPr>
+          <a:lstStyle/>
+          <a:p>
+            <a:r>
+              <a:rPr lang="en-US" altLang="zh-TW" dirty="0"/>
+              <a:t>Name : </a:t>
+            </a:r>
+            <a:r>
+              <a:rPr lang="en-US" altLang="zh-TW" dirty="0" err="1"/>
+              <a:t>updata_cross_bricks</a:t>
+            </a:r>
+            <a:r>
+              <a:rPr lang="zh-TW" altLang="en-US" dirty="0" smtClean="0"/>
+              <a:t> </a:t>
+            </a:r>
+            <a:endParaRPr lang="en-US" altLang="zh-TW" dirty="0" smtClean="0"/>
+          </a:p>
+          <a:p>
+            <a:r>
+              <a:rPr lang="en-US" altLang="zh-TW" dirty="0" smtClean="0"/>
+              <a:t>Input </a:t>
+            </a:r>
+            <a:r>
+              <a:rPr lang="en-US" altLang="zh-TW" dirty="0"/>
+              <a:t>: </a:t>
+            </a:r>
+            <a:r>
+              <a:rPr lang="en-US" altLang="zh-TW" dirty="0" smtClean="0"/>
+              <a:t>bricks</a:t>
+            </a:r>
+            <a:r>
+              <a:rPr lang="zh-TW" altLang="en-US" dirty="0" smtClean="0"/>
+              <a:t> </a:t>
+            </a:r>
+            <a:r>
+              <a:rPr lang="en-US" altLang="zh-TW" dirty="0" smtClean="0"/>
+              <a:t>:</a:t>
+            </a:r>
+            <a:r>
+              <a:rPr lang="zh-TW" altLang="en-US" dirty="0" smtClean="0"/>
+              <a:t> </a:t>
+            </a:r>
+            <a:r>
+              <a:rPr lang="en-US" altLang="zh-TW" dirty="0" smtClean="0"/>
+              <a:t>list, </a:t>
+            </a:r>
+            <a:r>
+              <a:rPr lang="en-US" altLang="zh-TW" dirty="0" err="1" smtClean="0"/>
+              <a:t>bricksvel</a:t>
+            </a:r>
+            <a:r>
+              <a:rPr lang="en-US" altLang="zh-TW" dirty="0" smtClean="0"/>
+              <a:t> : tuple 2, </a:t>
+            </a:r>
+            <a:r>
+              <a:rPr lang="en-US" altLang="zh-TW" dirty="0" err="1" smtClean="0"/>
+              <a:t>frametime</a:t>
+            </a:r>
+            <a:r>
+              <a:rPr lang="en-US" altLang="zh-TW" dirty="0" smtClean="0"/>
+              <a:t> : </a:t>
+            </a:r>
+            <a:r>
+              <a:rPr lang="en-US" altLang="zh-TW" dirty="0" err="1" smtClean="0"/>
+              <a:t>int</a:t>
+            </a:r>
+            <a:r>
+              <a:rPr lang="en-US" altLang="zh-TW" dirty="0" smtClean="0"/>
+              <a:t>, ball : tuple 2, balls : list, </a:t>
+            </a:r>
+            <a:r>
+              <a:rPr lang="en-US" altLang="zh-TW" dirty="0" err="1" smtClean="0"/>
+              <a:t>srcspeed</a:t>
+            </a:r>
+            <a:r>
+              <a:rPr lang="en-US" altLang="zh-TW" dirty="0" smtClean="0"/>
+              <a:t> : </a:t>
+            </a:r>
+            <a:r>
+              <a:rPr lang="en-US" altLang="zh-TW" dirty="0" err="1" smtClean="0"/>
+              <a:t>int</a:t>
+            </a:r>
+            <a:r>
+              <a:rPr lang="en-US" altLang="zh-TW" dirty="0" smtClean="0"/>
+              <a:t>, speed : </a:t>
+            </a:r>
+            <a:r>
+              <a:rPr lang="en-US" altLang="zh-TW" dirty="0" err="1" smtClean="0"/>
+              <a:t>int</a:t>
+            </a:r>
+            <a:r>
+              <a:rPr lang="en-US" altLang="zh-TW" dirty="0" smtClean="0"/>
+              <a:t>, points </a:t>
+            </a:r>
+            <a:r>
+              <a:rPr lang="en-US" altLang="zh-TW" dirty="0"/>
+              <a:t>: list :</a:t>
+            </a:r>
+            <a:r>
+              <a:rPr lang="zh-TW" altLang="en-US" dirty="0"/>
+              <a:t> </a:t>
+            </a:r>
+            <a:r>
+              <a:rPr lang="en-US" altLang="zh-TW" dirty="0"/>
+              <a:t>tuple 5 {list , </a:t>
+            </a:r>
+            <a:r>
+              <a:rPr lang="en-US" altLang="zh-TW" dirty="0" err="1"/>
+              <a:t>int</a:t>
+            </a:r>
+            <a:r>
+              <a:rPr lang="en-US" altLang="zh-TW" dirty="0"/>
+              <a:t> ,</a:t>
+            </a:r>
+            <a:r>
+              <a:rPr lang="en-US" altLang="zh-TW" dirty="0" err="1"/>
+              <a:t>string,int</a:t>
+            </a:r>
+            <a:r>
+              <a:rPr lang="en-US" altLang="zh-TW" dirty="0"/>
+              <a:t> ,string}</a:t>
+            </a:r>
+            <a:r>
+              <a:rPr lang="en-US" altLang="zh-TW" dirty="0" smtClean="0"/>
+              <a:t> ,index : </a:t>
+            </a:r>
+            <a:r>
+              <a:rPr lang="en-US" altLang="zh-TW" dirty="0" err="1" smtClean="0"/>
+              <a:t>int</a:t>
+            </a:r>
+            <a:r>
+              <a:rPr lang="en-US" altLang="zh-TW" dirty="0" smtClean="0"/>
+              <a:t>, </a:t>
+            </a:r>
+            <a:r>
+              <a:rPr lang="en-US" altLang="zh-TW" dirty="0" err="1" smtClean="0"/>
+              <a:t>prebricks</a:t>
+            </a:r>
+            <a:r>
+              <a:rPr lang="en-US" altLang="zh-TW" dirty="0" smtClean="0"/>
+              <a:t> : list</a:t>
+            </a:r>
+          </a:p>
+          <a:p>
+            <a:r>
+              <a:rPr lang="en-US" altLang="zh-TW" dirty="0" smtClean="0"/>
+              <a:t>Output </a:t>
+            </a:r>
+            <a:r>
+              <a:rPr lang="en-US" altLang="zh-TW" dirty="0"/>
+              <a:t>: </a:t>
+            </a:r>
+            <a:r>
+              <a:rPr lang="en-US" altLang="zh-TW" dirty="0" smtClean="0"/>
+              <a:t>bricks : list, </a:t>
+            </a:r>
+            <a:r>
+              <a:rPr lang="en-US" altLang="zh-TW" dirty="0" err="1" smtClean="0"/>
+              <a:t>bricksvel</a:t>
+            </a:r>
+            <a:r>
+              <a:rPr lang="en-US" altLang="zh-TW" dirty="0" smtClean="0"/>
+              <a:t> tuple 2, </a:t>
+            </a:r>
+            <a:r>
+              <a:rPr lang="en-US" altLang="zh-TW" dirty="0" err="1" smtClean="0"/>
+              <a:t>prebricks</a:t>
+            </a:r>
+            <a:r>
+              <a:rPr lang="en-US" altLang="zh-TW" dirty="0" smtClean="0"/>
+              <a:t> : list, ball : tuple 2, balls</a:t>
+            </a:r>
+            <a:r>
+              <a:rPr lang="zh-TW" altLang="en-US" dirty="0" smtClean="0"/>
+              <a:t> </a:t>
+            </a:r>
+            <a:r>
+              <a:rPr lang="en-US" altLang="zh-TW" dirty="0" smtClean="0"/>
+              <a:t>:</a:t>
+            </a:r>
+            <a:r>
+              <a:rPr lang="zh-TW" altLang="en-US" dirty="0" smtClean="0"/>
+              <a:t> </a:t>
+            </a:r>
+            <a:r>
+              <a:rPr lang="en-US" altLang="zh-TW" dirty="0" smtClean="0"/>
+              <a:t>list, speed : tuple 2, </a:t>
+            </a:r>
+            <a:r>
+              <a:rPr lang="en-US" altLang="zh-TW" dirty="0" err="1" smtClean="0"/>
+              <a:t>frametime</a:t>
+            </a:r>
+            <a:r>
+              <a:rPr lang="en-US" altLang="zh-TW" dirty="0" smtClean="0"/>
+              <a:t> : </a:t>
+            </a:r>
+            <a:r>
+              <a:rPr lang="en-US" altLang="zh-TW" dirty="0" err="1" smtClean="0"/>
+              <a:t>int</a:t>
+            </a:r>
+            <a:endParaRPr lang="en-US" altLang="zh-TW" dirty="0" smtClean="0"/>
+          </a:p>
+          <a:p>
+            <a:r>
+              <a:rPr lang="en-US" altLang="zh-TW" dirty="0" smtClean="0"/>
+              <a:t>Parameter :</a:t>
+            </a:r>
+            <a:r>
+              <a:rPr lang="zh-TW" altLang="en-US" dirty="0" smtClean="0"/>
+              <a:t> </a:t>
+            </a:r>
+            <a:r>
+              <a:rPr lang="en-US" altLang="zh-TW" dirty="0" smtClean="0"/>
+              <a:t>v</a:t>
+            </a:r>
+            <a:r>
+              <a:rPr lang="zh-TW" altLang="en-US" dirty="0" smtClean="0"/>
+              <a:t> </a:t>
+            </a:r>
+            <a:r>
+              <a:rPr lang="en-US" altLang="zh-TW" dirty="0" smtClean="0"/>
+              <a:t>:</a:t>
+            </a:r>
+            <a:r>
+              <a:rPr lang="zh-TW" altLang="en-US" dirty="0" smtClean="0"/>
+              <a:t> </a:t>
+            </a:r>
+            <a:r>
+              <a:rPr lang="en-US" altLang="zh-TW" dirty="0" err="1" smtClean="0"/>
+              <a:t>int</a:t>
+            </a:r>
+            <a:r>
+              <a:rPr lang="en-US" altLang="zh-TW" dirty="0" smtClean="0"/>
+              <a:t> = </a:t>
+            </a:r>
+            <a:r>
+              <a:rPr lang="en-US" altLang="zh-TW" dirty="0"/>
+              <a:t>5 </a:t>
+            </a:r>
+            <a:endParaRPr lang="en-US" altLang="zh-TW" dirty="0" smtClean="0"/>
+          </a:p>
+          <a:p>
+            <a:r>
+              <a:rPr lang="en-US" altLang="zh-TW" dirty="0" smtClean="0"/>
+              <a:t>Method :</a:t>
+            </a:r>
+            <a:r>
+              <a:rPr lang="zh-TW" altLang="en-US" dirty="0"/>
+              <a:t>依據球到碰撞點的</a:t>
+            </a:r>
+            <a:r>
+              <a:rPr lang="zh-TW" altLang="en-US" dirty="0" smtClean="0"/>
+              <a:t>時間，更新</a:t>
+            </a:r>
+            <a:r>
+              <a:rPr lang="zh-TW" altLang="en-US" dirty="0"/>
+              <a:t>障礙物的</a:t>
+            </a:r>
+            <a:r>
+              <a:rPr lang="zh-TW" altLang="en-US" dirty="0" smtClean="0"/>
+              <a:t>位置</a:t>
+            </a:r>
+            <a:endParaRPr lang="zh-TW" altLang="en-US" dirty="0"/>
+          </a:p>
+        </p:txBody>
+      </p:sp>
+    </p:spTree>
+    <p:extLst>
+      <p:ext uri="{BB962C8B-B14F-4D97-AF65-F5344CB8AC3E}">
+        <p14:creationId xmlns:p14="http://schemas.microsoft.com/office/powerpoint/2010/main" val="1256344113"/>
+      </p:ext>
+    </p:extLst>
+  </p:cSld>
+  <p:clrMapOvr>
+    <a:masterClrMapping/>
+  </p:clrMapOvr>
+</p:sld>
+</file>
+
+<file path=ppt/slides/slide24.xml><?xml version="1.0" encoding="utf-8"?>
+<p:sld xmlns:a="http://schemas.openxmlformats.org/drawingml/2006/main" xmlns:r="http://schemas.openxmlformats.org/officeDocument/2006/relationships" xmlns:p="http://schemas.openxmlformats.org/presentationml/2006/main">
+  <p:cSld>
+    <p:spTree>
+      <p:nvGrpSpPr>
+        <p:cNvPr id="1" name=""/>
+        <p:cNvGrpSpPr/>
+        <p:nvPr/>
+      </p:nvGrpSpPr>
+      <p:grpSpPr>
+        <a:xfrm>
+          <a:off x="0" y="0"/>
+          <a:ext cx="0" cy="0"/>
+          <a:chOff x="0" y="0"/>
+          <a:chExt cx="0" cy="0"/>
+        </a:xfrm>
+      </p:grpSpPr>
+      <p:sp>
+        <p:nvSpPr>
+          <p:cNvPr id="2" name="標題 1"/>
+          <p:cNvSpPr>
+            <a:spLocks noGrp="1"/>
+          </p:cNvSpPr>
+          <p:nvPr>
+            <p:ph type="title"/>
+          </p:nvPr>
+        </p:nvSpPr>
+        <p:spPr/>
+        <p:txBody>
+          <a:bodyPr/>
+          <a:lstStyle/>
+          <a:p>
+            <a:pPr algn="ctr"/>
+            <a:r>
+              <a:rPr lang="en-US" altLang="zh-TW" dirty="0" smtClean="0"/>
+              <a:t>API-</a:t>
+            </a:r>
+            <a:r>
+              <a:rPr lang="en-US" altLang="zh-TW" dirty="0"/>
+              <a:t> </a:t>
+            </a:r>
+            <a:r>
+              <a:rPr lang="en-US" altLang="zh-TW" dirty="0" err="1"/>
+              <a:t>updata_fail</a:t>
+            </a:r>
+            <a:endParaRPr lang="zh-TW" altLang="en-US" dirty="0"/>
+          </a:p>
+        </p:txBody>
+      </p:sp>
+      <p:sp>
+        <p:nvSpPr>
+          <p:cNvPr id="3" name="內容版面配置區 2"/>
+          <p:cNvSpPr>
+            <a:spLocks noGrp="1"/>
+          </p:cNvSpPr>
+          <p:nvPr>
+            <p:ph idx="1"/>
+          </p:nvPr>
+        </p:nvSpPr>
+        <p:spPr/>
+        <p:txBody>
+          <a:bodyPr>
+            <a:normAutofit/>
+          </a:bodyPr>
+          <a:lstStyle/>
+          <a:p>
+            <a:r>
+              <a:rPr lang="en-US" altLang="zh-TW" dirty="0"/>
+              <a:t>Name : </a:t>
+            </a:r>
+            <a:r>
+              <a:rPr lang="en-US" altLang="zh-TW" dirty="0" err="1"/>
+              <a:t>updata_fail</a:t>
+            </a:r>
+            <a:r>
+              <a:rPr lang="zh-TW" altLang="en-US" dirty="0" smtClean="0"/>
+              <a:t> </a:t>
+            </a:r>
+            <a:endParaRPr lang="en-US" altLang="zh-TW" dirty="0" smtClean="0"/>
+          </a:p>
+          <a:p>
+            <a:r>
+              <a:rPr lang="en-US" altLang="zh-TW" dirty="0" smtClean="0"/>
+              <a:t>Input </a:t>
+            </a:r>
+            <a:r>
+              <a:rPr lang="en-US" altLang="zh-TW" dirty="0"/>
+              <a:t>: </a:t>
+            </a:r>
+            <a:r>
+              <a:rPr lang="en-US" altLang="zh-TW" dirty="0" smtClean="0"/>
+              <a:t>side : string, balls : list </a:t>
+            </a:r>
+          </a:p>
+          <a:p>
+            <a:r>
+              <a:rPr lang="en-US" altLang="zh-TW" dirty="0" smtClean="0"/>
+              <a:t>Output </a:t>
+            </a:r>
+            <a:r>
+              <a:rPr lang="en-US" altLang="zh-TW" dirty="0"/>
+              <a:t>: </a:t>
+            </a:r>
+            <a:r>
+              <a:rPr lang="en-US" altLang="zh-TW" dirty="0" smtClean="0"/>
+              <a:t>ball : tuple 2</a:t>
+            </a:r>
+          </a:p>
+          <a:p>
+            <a:r>
+              <a:rPr lang="en-US" altLang="zh-TW" dirty="0" smtClean="0"/>
+              <a:t>Parameter :</a:t>
+            </a:r>
+            <a:r>
+              <a:rPr lang="zh-TW" altLang="en-US" dirty="0" smtClean="0"/>
+              <a:t> </a:t>
+            </a:r>
+            <a:endParaRPr lang="en-US" altLang="zh-TW" dirty="0" smtClean="0"/>
+          </a:p>
+          <a:p>
+            <a:r>
+              <a:rPr lang="en-US" altLang="zh-TW" dirty="0" smtClean="0"/>
+              <a:t>Method :</a:t>
+            </a:r>
+            <a:r>
+              <a:rPr lang="zh-TW" altLang="en-US" dirty="0" smtClean="0"/>
+              <a:t>若球的碰撞路經中沒有任何紀錄則根據玩家回傳預設的球座標位置</a:t>
+            </a:r>
+            <a:endParaRPr lang="zh-TW" altLang="en-US" dirty="0"/>
+          </a:p>
+        </p:txBody>
+      </p:sp>
+    </p:spTree>
+    <p:extLst>
+      <p:ext uri="{BB962C8B-B14F-4D97-AF65-F5344CB8AC3E}">
+        <p14:creationId xmlns:p14="http://schemas.microsoft.com/office/powerpoint/2010/main" val="1665090283"/>
+      </p:ext>
+    </p:extLst>
+  </p:cSld>
+  <p:clrMapOvr>
+    <a:masterClrMapping/>
+  </p:clrMapOvr>
+</p:sld>
+</file>
+
+<file path=ppt/slides/slide25.xml><?xml version="1.0" encoding="utf-8"?>
+<p:sld xmlns:a="http://schemas.openxmlformats.org/drawingml/2006/main" xmlns:r="http://schemas.openxmlformats.org/officeDocument/2006/relationships" xmlns:p="http://schemas.openxmlformats.org/presentationml/2006/main">
+  <p:cSld>
+    <p:spTree>
+      <p:nvGrpSpPr>
+        <p:cNvPr id="1" name=""/>
+        <p:cNvGrpSpPr/>
+        <p:nvPr/>
+      </p:nvGrpSpPr>
+      <p:grpSpPr>
+        <a:xfrm>
+          <a:off x="0" y="0"/>
+          <a:ext cx="0" cy="0"/>
+          <a:chOff x="0" y="0"/>
+          <a:chExt cx="0" cy="0"/>
+        </a:xfrm>
+      </p:grpSpPr>
+      <p:sp>
+        <p:nvSpPr>
+          <p:cNvPr id="2" name="標題 1"/>
+          <p:cNvSpPr>
+            <a:spLocks noGrp="1"/>
+          </p:cNvSpPr>
+          <p:nvPr>
+            <p:ph type="title"/>
+          </p:nvPr>
+        </p:nvSpPr>
+        <p:spPr/>
+        <p:txBody>
+          <a:bodyPr/>
+          <a:lstStyle/>
+          <a:p>
+            <a:pPr algn="ctr"/>
+            <a:r>
+              <a:rPr lang="en-US" altLang="zh-TW" dirty="0" smtClean="0"/>
+              <a:t>API-</a:t>
+            </a:r>
+            <a:r>
+              <a:rPr lang="en-US" altLang="zh-TW" dirty="0"/>
+              <a:t> </a:t>
+            </a:r>
+            <a:r>
+              <a:rPr lang="en-US" altLang="zh-TW" dirty="0" err="1"/>
+              <a:t>updata_ball</a:t>
+            </a:r>
+            <a:endParaRPr lang="zh-TW" altLang="en-US" dirty="0"/>
+          </a:p>
+        </p:txBody>
+      </p:sp>
+      <p:sp>
+        <p:nvSpPr>
+          <p:cNvPr id="3" name="內容版面配置區 2"/>
+          <p:cNvSpPr>
+            <a:spLocks noGrp="1"/>
+          </p:cNvSpPr>
+          <p:nvPr>
+            <p:ph idx="1"/>
+          </p:nvPr>
+        </p:nvSpPr>
+        <p:spPr/>
+        <p:txBody>
+          <a:bodyPr>
+            <a:normAutofit/>
+          </a:bodyPr>
+          <a:lstStyle/>
+          <a:p>
+            <a:r>
+              <a:rPr lang="en-US" altLang="zh-TW" dirty="0"/>
+              <a:t>Name : </a:t>
+            </a:r>
+            <a:r>
+              <a:rPr lang="en-US" altLang="zh-TW" dirty="0" err="1"/>
+              <a:t>updata_ball</a:t>
+            </a:r>
+            <a:r>
+              <a:rPr lang="zh-TW" altLang="en-US" dirty="0" smtClean="0"/>
+              <a:t> </a:t>
+            </a:r>
+            <a:endParaRPr lang="en-US" altLang="zh-TW" dirty="0" smtClean="0"/>
+          </a:p>
+          <a:p>
+            <a:r>
+              <a:rPr lang="en-US" altLang="zh-TW" dirty="0" smtClean="0"/>
+              <a:t>Input </a:t>
+            </a:r>
+            <a:r>
+              <a:rPr lang="en-US" altLang="zh-TW" dirty="0"/>
+              <a:t>: points : list :</a:t>
+            </a:r>
+            <a:r>
+              <a:rPr lang="zh-TW" altLang="en-US" dirty="0"/>
+              <a:t> </a:t>
+            </a:r>
+            <a:r>
+              <a:rPr lang="en-US" altLang="zh-TW" dirty="0"/>
+              <a:t>tuple 5 {list , </a:t>
+            </a:r>
+            <a:r>
+              <a:rPr lang="en-US" altLang="zh-TW" dirty="0" err="1"/>
+              <a:t>int</a:t>
+            </a:r>
+            <a:r>
+              <a:rPr lang="en-US" altLang="zh-TW" dirty="0"/>
+              <a:t> ,</a:t>
+            </a:r>
+            <a:r>
+              <a:rPr lang="en-US" altLang="zh-TW" dirty="0" err="1"/>
+              <a:t>string,int</a:t>
+            </a:r>
+            <a:r>
+              <a:rPr lang="en-US" altLang="zh-TW" dirty="0"/>
+              <a:t> ,string} , </a:t>
+            </a:r>
+            <a:r>
+              <a:rPr lang="en-US" altLang="zh-TW" dirty="0" smtClean="0"/>
+              <a:t>speed</a:t>
+            </a:r>
+            <a:r>
+              <a:rPr lang="zh-TW" altLang="en-US" dirty="0" smtClean="0"/>
+              <a:t> </a:t>
+            </a:r>
+            <a:r>
+              <a:rPr lang="en-US" altLang="zh-TW" dirty="0" smtClean="0"/>
+              <a:t>:</a:t>
+            </a:r>
+            <a:r>
+              <a:rPr lang="zh-TW" altLang="en-US" dirty="0" smtClean="0"/>
+              <a:t> </a:t>
+            </a:r>
+            <a:r>
+              <a:rPr lang="en-US" altLang="zh-TW" dirty="0" smtClean="0"/>
+              <a:t>tuple 2, ball : tuple 2, balls : list, action : string</a:t>
+            </a:r>
+          </a:p>
+          <a:p>
+            <a:r>
+              <a:rPr lang="en-US" altLang="zh-TW" dirty="0" smtClean="0"/>
+              <a:t>Output </a:t>
+            </a:r>
+            <a:r>
+              <a:rPr lang="en-US" altLang="zh-TW" dirty="0"/>
+              <a:t>: </a:t>
+            </a:r>
+            <a:r>
+              <a:rPr lang="en-US" altLang="zh-TW" dirty="0" smtClean="0"/>
+              <a:t>ball : </a:t>
+            </a:r>
+            <a:r>
+              <a:rPr lang="en-US" altLang="zh-TW" dirty="0"/>
+              <a:t>tuple </a:t>
+            </a:r>
+            <a:r>
+              <a:rPr lang="en-US" altLang="zh-TW" dirty="0" smtClean="0"/>
+              <a:t>2, balls : list, speed : tuple 2, </a:t>
+            </a:r>
+            <a:r>
+              <a:rPr lang="en-US" altLang="zh-TW" dirty="0" err="1" smtClean="0"/>
+              <a:t>frametime</a:t>
+            </a:r>
+            <a:r>
+              <a:rPr lang="en-US" altLang="zh-TW" dirty="0" smtClean="0"/>
+              <a:t> : </a:t>
+            </a:r>
+            <a:r>
+              <a:rPr lang="en-US" altLang="zh-TW" dirty="0" err="1" smtClean="0"/>
+              <a:t>int</a:t>
+            </a:r>
+            <a:r>
+              <a:rPr lang="en-US" altLang="zh-TW" dirty="0" smtClean="0"/>
+              <a:t>, </a:t>
+            </a:r>
+            <a:r>
+              <a:rPr lang="en-US" altLang="zh-TW" dirty="0" err="1" smtClean="0"/>
+              <a:t>srcspeed</a:t>
+            </a:r>
+            <a:r>
+              <a:rPr lang="en-US" altLang="zh-TW" dirty="0" smtClean="0"/>
+              <a:t> : </a:t>
+            </a:r>
+            <a:r>
+              <a:rPr lang="en-US" altLang="zh-TW" dirty="0"/>
+              <a:t>tuple 2</a:t>
+            </a:r>
+            <a:r>
+              <a:rPr lang="en-US" altLang="zh-TW" dirty="0" smtClean="0"/>
+              <a:t>, index : </a:t>
+            </a:r>
+            <a:r>
+              <a:rPr lang="en-US" altLang="zh-TW" dirty="0" err="1" smtClean="0"/>
+              <a:t>int</a:t>
+            </a:r>
+            <a:endParaRPr lang="en-US" altLang="zh-TW" dirty="0" smtClean="0"/>
+          </a:p>
+          <a:p>
+            <a:r>
+              <a:rPr lang="en-US" altLang="zh-TW" dirty="0" smtClean="0"/>
+              <a:t>Parameter :</a:t>
+            </a:r>
+            <a:r>
+              <a:rPr lang="zh-TW" altLang="en-US" dirty="0" smtClean="0"/>
+              <a:t> </a:t>
+            </a:r>
+            <a:r>
+              <a:rPr lang="en-US" altLang="zh-TW" dirty="0" smtClean="0"/>
+              <a:t>act : list </a:t>
+            </a:r>
+            <a:r>
+              <a:rPr lang="en-US" altLang="zh-TW" dirty="0"/>
+              <a:t>=['N','S','I']</a:t>
+            </a:r>
+            <a:endParaRPr lang="en-US" altLang="zh-TW" dirty="0" smtClean="0"/>
+          </a:p>
+          <a:p>
+            <a:r>
+              <a:rPr lang="en-US" altLang="zh-TW" dirty="0" smtClean="0"/>
+              <a:t>Method :</a:t>
+            </a:r>
+            <a:r>
+              <a:rPr lang="zh-TW" altLang="en-US" dirty="0" smtClean="0"/>
+              <a:t>更新球的位置到新的碰撞點並更新碰撞後的球速，若位置更新在板子上還要判斷切球動作後更新的球速。</a:t>
+            </a:r>
+            <a:endParaRPr lang="zh-TW" altLang="en-US" dirty="0"/>
+          </a:p>
+        </p:txBody>
+      </p:sp>
+    </p:spTree>
+    <p:extLst>
+      <p:ext uri="{BB962C8B-B14F-4D97-AF65-F5344CB8AC3E}">
+        <p14:creationId xmlns:p14="http://schemas.microsoft.com/office/powerpoint/2010/main" val="2350524137"/>
+      </p:ext>
+    </p:extLst>
+  </p:cSld>
+  <p:clrMapOvr>
+    <a:masterClrMapping/>
+  </p:clrMapOvr>
+</p:sld>
+</file>
+
+<file path=ppt/slides/slide26.xml><?xml version="1.0" encoding="utf-8"?>
+<p:sld xmlns:a="http://schemas.openxmlformats.org/drawingml/2006/main" xmlns:r="http://schemas.openxmlformats.org/officeDocument/2006/relationships" xmlns:p="http://schemas.openxmlformats.org/presentationml/2006/main">
+  <p:cSld>
+    <p:spTree>
+      <p:nvGrpSpPr>
+        <p:cNvPr id="1" name=""/>
+        <p:cNvGrpSpPr/>
+        <p:nvPr/>
+      </p:nvGrpSpPr>
+      <p:grpSpPr>
+        <a:xfrm>
+          <a:off x="0" y="0"/>
+          <a:ext cx="0" cy="0"/>
+          <a:chOff x="0" y="0"/>
+          <a:chExt cx="0" cy="0"/>
+        </a:xfrm>
+      </p:grpSpPr>
+      <p:sp>
+        <p:nvSpPr>
+          <p:cNvPr id="2" name="標題 1"/>
+          <p:cNvSpPr>
+            <a:spLocks noGrp="1"/>
+          </p:cNvSpPr>
+          <p:nvPr>
+            <p:ph type="title"/>
+          </p:nvPr>
+        </p:nvSpPr>
+        <p:spPr/>
+        <p:txBody>
+          <a:bodyPr/>
+          <a:lstStyle/>
+          <a:p>
+            <a:pPr algn="ctr"/>
+            <a:r>
+              <a:rPr lang="en-US" altLang="zh-TW" dirty="0" smtClean="0"/>
+              <a:t>API-</a:t>
+            </a:r>
+            <a:r>
+              <a:rPr lang="en-US" altLang="zh-TW" dirty="0"/>
+              <a:t> </a:t>
+            </a:r>
+            <a:r>
+              <a:rPr lang="en-US" altLang="zh-TW" dirty="0" err="1"/>
+              <a:t>GetCrossTime</a:t>
+            </a:r>
+            <a:endParaRPr lang="zh-TW" altLang="en-US" dirty="0"/>
+          </a:p>
+        </p:txBody>
+      </p:sp>
+      <p:sp>
+        <p:nvSpPr>
+          <p:cNvPr id="3" name="內容版面配置區 2"/>
+          <p:cNvSpPr>
+            <a:spLocks noGrp="1"/>
+          </p:cNvSpPr>
+          <p:nvPr>
+            <p:ph idx="1"/>
+          </p:nvPr>
+        </p:nvSpPr>
+        <p:spPr/>
+        <p:txBody>
+          <a:bodyPr>
+            <a:normAutofit/>
+          </a:bodyPr>
+          <a:lstStyle/>
+          <a:p>
+            <a:r>
+              <a:rPr lang="en-US" altLang="zh-TW" dirty="0"/>
+              <a:t>Name : </a:t>
+            </a:r>
+            <a:r>
+              <a:rPr lang="en-US" altLang="zh-TW" dirty="0" err="1"/>
+              <a:t>GetCrossTime</a:t>
+            </a:r>
+            <a:r>
+              <a:rPr lang="zh-TW" altLang="en-US" dirty="0" smtClean="0"/>
+              <a:t> </a:t>
+            </a:r>
+            <a:endParaRPr lang="en-US" altLang="zh-TW" dirty="0" smtClean="0"/>
+          </a:p>
+          <a:p>
+            <a:r>
+              <a:rPr lang="en-US" altLang="zh-TW" dirty="0" smtClean="0"/>
+              <a:t>Input </a:t>
+            </a:r>
+            <a:r>
+              <a:rPr lang="en-US" altLang="zh-TW" dirty="0"/>
+              <a:t>: </a:t>
+            </a:r>
+            <a:r>
+              <a:rPr lang="en-US" altLang="zh-TW" dirty="0" smtClean="0"/>
+              <a:t>Ball</a:t>
+            </a:r>
+            <a:r>
+              <a:rPr lang="zh-TW" altLang="en-US" dirty="0" smtClean="0"/>
+              <a:t> </a:t>
+            </a:r>
+            <a:r>
+              <a:rPr lang="en-US" altLang="zh-TW" dirty="0" smtClean="0"/>
+              <a:t>: tuple 2, </a:t>
+            </a:r>
+            <a:r>
+              <a:rPr lang="en-US" altLang="zh-TW" dirty="0" err="1" smtClean="0"/>
+              <a:t>Ballvel</a:t>
+            </a:r>
+            <a:r>
+              <a:rPr lang="en-US" altLang="zh-TW" dirty="0" smtClean="0"/>
+              <a:t> : tuple 2, bound : list, </a:t>
+            </a:r>
+            <a:r>
+              <a:rPr lang="en-US" altLang="zh-TW" dirty="0" err="1" smtClean="0"/>
+              <a:t>boundvel</a:t>
+            </a:r>
+            <a:r>
+              <a:rPr lang="en-US" altLang="zh-TW" dirty="0" smtClean="0"/>
+              <a:t> : tuple 2 </a:t>
+            </a:r>
+          </a:p>
+          <a:p>
+            <a:r>
+              <a:rPr lang="en-US" altLang="zh-TW" dirty="0" smtClean="0"/>
+              <a:t>Output </a:t>
+            </a:r>
+            <a:r>
+              <a:rPr lang="en-US" altLang="zh-TW" dirty="0"/>
+              <a:t>: </a:t>
+            </a:r>
+            <a:r>
+              <a:rPr lang="en-US" altLang="zh-TW" dirty="0" smtClean="0"/>
+              <a:t>point : tuple 2, Min : </a:t>
+            </a:r>
+            <a:r>
+              <a:rPr lang="en-US" altLang="zh-TW" dirty="0" err="1" smtClean="0"/>
+              <a:t>int</a:t>
+            </a:r>
+            <a:r>
+              <a:rPr lang="en-US" altLang="zh-TW" dirty="0" smtClean="0"/>
+              <a:t>, </a:t>
+            </a:r>
+            <a:r>
+              <a:rPr lang="en-US" altLang="zh-TW" dirty="0" err="1" smtClean="0"/>
+              <a:t>inv</a:t>
+            </a:r>
+            <a:r>
+              <a:rPr lang="en-US" altLang="zh-TW" dirty="0" smtClean="0"/>
+              <a:t> : string, </a:t>
+            </a:r>
+            <a:r>
+              <a:rPr lang="en-US" altLang="zh-TW" dirty="0" err="1" smtClean="0"/>
+              <a:t>newTopLeftx</a:t>
+            </a:r>
+            <a:r>
+              <a:rPr lang="en-US" altLang="zh-TW" dirty="0" smtClean="0"/>
+              <a:t> : </a:t>
+            </a:r>
+            <a:r>
+              <a:rPr lang="en-US" altLang="zh-TW" dirty="0" err="1" smtClean="0"/>
+              <a:t>int</a:t>
+            </a:r>
+            <a:r>
+              <a:rPr lang="en-US" altLang="zh-TW" dirty="0" smtClean="0"/>
+              <a:t> </a:t>
+            </a:r>
+          </a:p>
+          <a:p>
+            <a:r>
+              <a:rPr lang="en-US" altLang="zh-TW" dirty="0" smtClean="0"/>
+              <a:t>Parameter :</a:t>
+            </a:r>
+            <a:r>
+              <a:rPr lang="zh-TW" altLang="en-US" dirty="0" smtClean="0"/>
+              <a:t> </a:t>
+            </a:r>
+            <a:r>
+              <a:rPr lang="en-US" altLang="zh-TW" dirty="0" err="1"/>
+              <a:t>odx</a:t>
+            </a:r>
+            <a:r>
+              <a:rPr lang="en-US" altLang="zh-TW" dirty="0"/>
+              <a:t> </a:t>
+            </a:r>
+            <a:r>
+              <a:rPr lang="en-US" altLang="zh-TW" dirty="0" smtClean="0"/>
+              <a:t>: </a:t>
+            </a:r>
+            <a:r>
+              <a:rPr lang="en-US" altLang="zh-TW" dirty="0" err="1" smtClean="0"/>
+              <a:t>int</a:t>
+            </a:r>
+            <a:r>
+              <a:rPr lang="en-US" altLang="zh-TW" dirty="0" smtClean="0"/>
+              <a:t> = 5</a:t>
+            </a:r>
+          </a:p>
+          <a:p>
+            <a:r>
+              <a:rPr lang="en-US" altLang="zh-TW" dirty="0" smtClean="0"/>
+              <a:t>Method : </a:t>
+            </a:r>
+            <a:r>
+              <a:rPr lang="zh-TW" altLang="en-US" dirty="0" smtClean="0"/>
+              <a:t>得到球與移動障礙物的交點，並回傳碰撞點與障礙物當下的位置和碰撞距離和碰撞面。</a:t>
+            </a:r>
+            <a:endParaRPr lang="zh-TW" altLang="en-US" dirty="0"/>
+          </a:p>
+        </p:txBody>
+      </p:sp>
+    </p:spTree>
+    <p:extLst>
+      <p:ext uri="{BB962C8B-B14F-4D97-AF65-F5344CB8AC3E}">
+        <p14:creationId xmlns:p14="http://schemas.microsoft.com/office/powerpoint/2010/main" val="2376972084"/>
+      </p:ext>
+    </p:extLst>
+  </p:cSld>
+  <p:clrMapOvr>
+    <a:masterClrMapping/>
+  </p:clrMapOvr>
+</p:sld>
+</file>
+
+<file path=ppt/slides/slide27.xml><?xml version="1.0" encoding="utf-8"?>
+<p:sld xmlns:a="http://schemas.openxmlformats.org/drawingml/2006/main" xmlns:r="http://schemas.openxmlformats.org/officeDocument/2006/relationships" xmlns:p="http://schemas.openxmlformats.org/presentationml/2006/main">
+  <p:cSld>
+    <p:spTree>
+      <p:nvGrpSpPr>
+        <p:cNvPr id="1" name=""/>
+        <p:cNvGrpSpPr/>
+        <p:nvPr/>
+      </p:nvGrpSpPr>
+      <p:grpSpPr>
+        <a:xfrm>
+          <a:off x="0" y="0"/>
+          <a:ext cx="0" cy="0"/>
+          <a:chOff x="0" y="0"/>
+          <a:chExt cx="0" cy="0"/>
+        </a:xfrm>
+      </p:grpSpPr>
+      <p:sp>
+        <p:nvSpPr>
+          <p:cNvPr id="2" name="標題 1"/>
+          <p:cNvSpPr>
+            <a:spLocks noGrp="1"/>
+          </p:cNvSpPr>
+          <p:nvPr>
+            <p:ph type="title"/>
+          </p:nvPr>
+        </p:nvSpPr>
+        <p:spPr/>
+        <p:txBody>
+          <a:bodyPr/>
+          <a:lstStyle/>
+          <a:p>
+            <a:pPr algn="ctr"/>
+            <a:r>
+              <a:rPr lang="en-US" altLang="zh-TW" dirty="0" smtClean="0"/>
+              <a:t>API-</a:t>
+            </a:r>
+            <a:r>
+              <a:rPr lang="en-US" altLang="zh-TW" dirty="0"/>
+              <a:t> </a:t>
+            </a:r>
+            <a:r>
+              <a:rPr lang="en-US" altLang="zh-TW" dirty="0" err="1"/>
+              <a:t>argmins</a:t>
+            </a:r>
+            <a:endParaRPr lang="zh-TW" altLang="en-US" dirty="0"/>
+          </a:p>
+        </p:txBody>
+      </p:sp>
+      <p:sp>
+        <p:nvSpPr>
+          <p:cNvPr id="3" name="內容版面配置區 2"/>
+          <p:cNvSpPr>
+            <a:spLocks noGrp="1"/>
+          </p:cNvSpPr>
+          <p:nvPr>
+            <p:ph idx="1"/>
+          </p:nvPr>
+        </p:nvSpPr>
+        <p:spPr/>
+        <p:txBody>
+          <a:bodyPr>
+            <a:normAutofit/>
+          </a:bodyPr>
+          <a:lstStyle/>
+          <a:p>
+            <a:r>
+              <a:rPr lang="en-US" altLang="zh-TW" dirty="0"/>
+              <a:t>Name : </a:t>
+            </a:r>
+            <a:r>
+              <a:rPr lang="en-US" altLang="zh-TW" dirty="0" err="1"/>
+              <a:t>argmins</a:t>
+            </a:r>
+            <a:r>
+              <a:rPr lang="zh-TW" altLang="en-US" dirty="0" smtClean="0"/>
+              <a:t> </a:t>
+            </a:r>
+            <a:endParaRPr lang="en-US" altLang="zh-TW" dirty="0" smtClean="0"/>
+          </a:p>
+          <a:p>
+            <a:r>
+              <a:rPr lang="en-US" altLang="zh-TW" dirty="0" smtClean="0"/>
+              <a:t>Input </a:t>
+            </a:r>
+            <a:r>
+              <a:rPr lang="en-US" altLang="zh-TW" dirty="0"/>
+              <a:t>: </a:t>
+            </a:r>
+            <a:r>
+              <a:rPr lang="en-US" altLang="zh-TW" dirty="0" err="1"/>
+              <a:t>arr</a:t>
+            </a:r>
+            <a:r>
+              <a:rPr lang="en-US" altLang="zh-TW" dirty="0"/>
+              <a:t> </a:t>
+            </a:r>
+            <a:r>
+              <a:rPr lang="en-US" altLang="zh-TW" dirty="0" smtClean="0"/>
+              <a:t>:</a:t>
+            </a:r>
+            <a:r>
+              <a:rPr lang="zh-TW" altLang="en-US" dirty="0" smtClean="0"/>
+              <a:t> </a:t>
+            </a:r>
+            <a:r>
+              <a:rPr lang="en-US" altLang="zh-TW" dirty="0" smtClean="0"/>
+              <a:t>list</a:t>
+            </a:r>
+          </a:p>
+          <a:p>
+            <a:r>
+              <a:rPr lang="en-US" altLang="zh-TW" dirty="0" smtClean="0"/>
+              <a:t>Output </a:t>
+            </a:r>
+            <a:r>
+              <a:rPr lang="en-US" altLang="zh-TW" dirty="0"/>
+              <a:t>: </a:t>
+            </a:r>
+            <a:r>
+              <a:rPr lang="en-US" altLang="zh-TW" dirty="0" smtClean="0"/>
+              <a:t>ind1 : </a:t>
+            </a:r>
+            <a:r>
+              <a:rPr lang="en-US" altLang="zh-TW" dirty="0" err="1" smtClean="0"/>
+              <a:t>int</a:t>
+            </a:r>
+            <a:r>
+              <a:rPr lang="en-US" altLang="zh-TW" dirty="0" smtClean="0"/>
+              <a:t>, ind2 : </a:t>
+            </a:r>
+            <a:r>
+              <a:rPr lang="en-US" altLang="zh-TW" dirty="0" err="1" smtClean="0"/>
+              <a:t>int</a:t>
+            </a:r>
+            <a:r>
+              <a:rPr lang="en-US" altLang="zh-TW" dirty="0" smtClean="0"/>
+              <a:t> </a:t>
+            </a:r>
+          </a:p>
+          <a:p>
+            <a:r>
+              <a:rPr lang="en-US" altLang="zh-TW" dirty="0" smtClean="0"/>
+              <a:t>Parameter :</a:t>
+            </a:r>
+            <a:r>
+              <a:rPr lang="zh-TW" altLang="en-US" dirty="0" smtClean="0"/>
+              <a:t> </a:t>
+            </a:r>
+            <a:endParaRPr lang="en-US" altLang="zh-TW" dirty="0" smtClean="0"/>
+          </a:p>
+          <a:p>
+            <a:r>
+              <a:rPr lang="en-US" altLang="zh-TW" dirty="0" smtClean="0"/>
+              <a:t>Method : </a:t>
+            </a:r>
+            <a:r>
+              <a:rPr lang="zh-TW" altLang="en-US" dirty="0" smtClean="0"/>
+              <a:t>找出</a:t>
+            </a:r>
+            <a:r>
+              <a:rPr lang="en-US" altLang="zh-TW" dirty="0" smtClean="0"/>
+              <a:t>list</a:t>
+            </a:r>
+            <a:r>
+              <a:rPr lang="zh-TW" altLang="en-US" dirty="0" smtClean="0"/>
+              <a:t>中的</a:t>
+            </a:r>
+            <a:r>
+              <a:rPr lang="en-US" altLang="zh-TW" dirty="0" smtClean="0"/>
+              <a:t>2</a:t>
+            </a:r>
+            <a:r>
+              <a:rPr lang="zh-TW" altLang="en-US" dirty="0" smtClean="0"/>
+              <a:t>個最小值的索引值</a:t>
+            </a:r>
+            <a:endParaRPr lang="zh-TW" altLang="en-US" dirty="0"/>
+          </a:p>
+        </p:txBody>
+      </p:sp>
+    </p:spTree>
+    <p:extLst>
+      <p:ext uri="{BB962C8B-B14F-4D97-AF65-F5344CB8AC3E}">
+        <p14:creationId xmlns:p14="http://schemas.microsoft.com/office/powerpoint/2010/main" val="4181361524"/>
+      </p:ext>
+    </p:extLst>
+  </p:cSld>
+  <p:clrMapOvr>
+    <a:masterClrMapping/>
+  </p:clrMapOvr>
+</p:sld>
+</file>
+
+<file path=ppt/slides/slide28.xml><?xml version="1.0" encoding="utf-8"?>
+<p:sld xmlns:a="http://schemas.openxmlformats.org/drawingml/2006/main" xmlns:r="http://schemas.openxmlformats.org/officeDocument/2006/relationships" xmlns:p="http://schemas.openxmlformats.org/presentationml/2006/main">
+  <p:cSld>
+    <p:spTree>
+      <p:nvGrpSpPr>
+        <p:cNvPr id="1" name=""/>
+        <p:cNvGrpSpPr/>
+        <p:nvPr/>
+      </p:nvGrpSpPr>
+      <p:grpSpPr>
+        <a:xfrm>
+          <a:off x="0" y="0"/>
+          <a:ext cx="0" cy="0"/>
+          <a:chOff x="0" y="0"/>
+          <a:chExt cx="0" cy="0"/>
+        </a:xfrm>
+      </p:grpSpPr>
+      <p:sp>
+        <p:nvSpPr>
+          <p:cNvPr id="2" name="標題 1"/>
+          <p:cNvSpPr>
+            <a:spLocks noGrp="1"/>
+          </p:cNvSpPr>
+          <p:nvPr>
+            <p:ph type="title"/>
+          </p:nvPr>
+        </p:nvSpPr>
+        <p:spPr/>
+        <p:txBody>
+          <a:bodyPr/>
+          <a:lstStyle/>
+          <a:p>
+            <a:pPr algn="ctr"/>
+            <a:r>
+              <a:rPr lang="en-US" altLang="zh-TW" dirty="0" smtClean="0"/>
+              <a:t>API-</a:t>
+            </a:r>
+            <a:r>
+              <a:rPr lang="en-US" altLang="zh-TW" dirty="0"/>
+              <a:t> </a:t>
+            </a:r>
+            <a:r>
+              <a:rPr lang="en-US" altLang="zh-TW" dirty="0" err="1"/>
+              <a:t>GetBoundPos</a:t>
+            </a:r>
+            <a:endParaRPr lang="zh-TW" altLang="en-US" dirty="0"/>
+          </a:p>
+        </p:txBody>
+      </p:sp>
+      <p:sp>
+        <p:nvSpPr>
+          <p:cNvPr id="3" name="內容版面配置區 2"/>
+          <p:cNvSpPr>
+            <a:spLocks noGrp="1"/>
+          </p:cNvSpPr>
+          <p:nvPr>
+            <p:ph idx="1"/>
+          </p:nvPr>
+        </p:nvSpPr>
+        <p:spPr/>
+        <p:txBody>
+          <a:bodyPr>
+            <a:normAutofit/>
+          </a:bodyPr>
+          <a:lstStyle/>
+          <a:p>
+            <a:r>
+              <a:rPr lang="en-US" altLang="zh-TW" dirty="0"/>
+              <a:t>Name : </a:t>
+            </a:r>
+            <a:r>
+              <a:rPr lang="en-US" altLang="zh-TW" dirty="0" err="1"/>
+              <a:t>GetBoundPos</a:t>
+            </a:r>
+            <a:r>
+              <a:rPr lang="zh-TW" altLang="en-US" dirty="0" smtClean="0"/>
+              <a:t> </a:t>
+            </a:r>
+            <a:endParaRPr lang="en-US" altLang="zh-TW" dirty="0" smtClean="0"/>
+          </a:p>
+          <a:p>
+            <a:r>
+              <a:rPr lang="en-US" altLang="zh-TW" dirty="0" smtClean="0"/>
+              <a:t>Input </a:t>
+            </a:r>
+            <a:r>
+              <a:rPr lang="en-US" altLang="zh-TW" dirty="0"/>
+              <a:t>: bound </a:t>
+            </a:r>
+            <a:r>
+              <a:rPr lang="en-US" altLang="zh-TW" dirty="0" smtClean="0"/>
+              <a:t>:</a:t>
+            </a:r>
+            <a:r>
+              <a:rPr lang="zh-TW" altLang="en-US" dirty="0" smtClean="0"/>
+              <a:t> </a:t>
+            </a:r>
+            <a:r>
+              <a:rPr lang="en-US" altLang="zh-TW" dirty="0" smtClean="0"/>
+              <a:t>list</a:t>
+            </a:r>
+          </a:p>
+          <a:p>
+            <a:r>
+              <a:rPr lang="en-US" altLang="zh-TW" dirty="0" smtClean="0"/>
+              <a:t>Output </a:t>
+            </a:r>
+            <a:r>
+              <a:rPr lang="en-US" altLang="zh-TW" dirty="0"/>
+              <a:t>: [</a:t>
+            </a:r>
+            <a:r>
+              <a:rPr lang="en-US" altLang="zh-TW" dirty="0" err="1"/>
+              <a:t>x,y</a:t>
+            </a:r>
+            <a:r>
+              <a:rPr lang="en-US" altLang="zh-TW" dirty="0" smtClean="0"/>
+              <a:t>]</a:t>
+            </a:r>
+            <a:r>
+              <a:rPr lang="zh-TW" altLang="en-US" dirty="0" smtClean="0"/>
+              <a:t> </a:t>
+            </a:r>
+            <a:r>
+              <a:rPr lang="en-US" altLang="zh-TW" dirty="0" smtClean="0"/>
+              <a:t>:</a:t>
+            </a:r>
+            <a:r>
+              <a:rPr lang="zh-TW" altLang="en-US" dirty="0" smtClean="0"/>
+              <a:t> </a:t>
+            </a:r>
+            <a:r>
+              <a:rPr lang="en-US" altLang="zh-TW" dirty="0"/>
+              <a:t>list</a:t>
+            </a:r>
+            <a:endParaRPr lang="en-US" altLang="zh-TW" dirty="0" smtClean="0"/>
+          </a:p>
+          <a:p>
+            <a:r>
+              <a:rPr lang="en-US" altLang="zh-TW" dirty="0" smtClean="0"/>
+              <a:t>Parameter :</a:t>
+            </a:r>
+            <a:r>
+              <a:rPr lang="zh-TW" altLang="en-US" dirty="0" smtClean="0"/>
+              <a:t> </a:t>
+            </a:r>
+            <a:endParaRPr lang="en-US" altLang="zh-TW" dirty="0" smtClean="0"/>
+          </a:p>
+          <a:p>
+            <a:r>
+              <a:rPr lang="en-US" altLang="zh-TW" dirty="0" smtClean="0"/>
+              <a:t>Method : </a:t>
+            </a:r>
+            <a:r>
+              <a:rPr lang="zh-TW" altLang="en-US" dirty="0" smtClean="0"/>
+              <a:t>回傳</a:t>
+            </a:r>
+            <a:r>
+              <a:rPr lang="en-US" altLang="zh-TW" dirty="0" smtClean="0"/>
+              <a:t>bound</a:t>
+            </a:r>
+            <a:r>
+              <a:rPr lang="zh-TW" altLang="en-US" dirty="0" smtClean="0"/>
+              <a:t>膨脹前的左上角座標</a:t>
+            </a:r>
+            <a:endParaRPr lang="zh-TW" altLang="en-US" dirty="0"/>
+          </a:p>
+        </p:txBody>
+      </p:sp>
+    </p:spTree>
+    <p:extLst>
+      <p:ext uri="{BB962C8B-B14F-4D97-AF65-F5344CB8AC3E}">
+        <p14:creationId xmlns:p14="http://schemas.microsoft.com/office/powerpoint/2010/main" val="1381842864"/>
+      </p:ext>
+    </p:extLst>
+  </p:cSld>
+  <p:clrMapOvr>
+    <a:masterClrMapping/>
+  </p:clrMapOvr>
+</p:sld>
+</file>
+
+<file path=ppt/slides/slide29.xml><?xml version="1.0" encoding="utf-8"?>
+<p:sld xmlns:a="http://schemas.openxmlformats.org/drawingml/2006/main" xmlns:r="http://schemas.openxmlformats.org/officeDocument/2006/relationships" xmlns:p="http://schemas.openxmlformats.org/presentationml/2006/main">
+  <p:cSld>
+    <p:spTree>
+      <p:nvGrpSpPr>
+        <p:cNvPr id="1" name=""/>
+        <p:cNvGrpSpPr/>
+        <p:nvPr/>
+      </p:nvGrpSpPr>
+      <p:grpSpPr>
+        <a:xfrm>
+          <a:off x="0" y="0"/>
+          <a:ext cx="0" cy="0"/>
+          <a:chOff x="0" y="0"/>
+          <a:chExt cx="0" cy="0"/>
+        </a:xfrm>
+      </p:grpSpPr>
+      <p:sp>
+        <p:nvSpPr>
+          <p:cNvPr id="2" name="標題 1"/>
+          <p:cNvSpPr>
+            <a:spLocks noGrp="1"/>
+          </p:cNvSpPr>
+          <p:nvPr>
+            <p:ph type="title"/>
+          </p:nvPr>
+        </p:nvSpPr>
+        <p:spPr/>
+        <p:txBody>
+          <a:bodyPr/>
+          <a:lstStyle/>
+          <a:p>
+            <a:pPr algn="ctr"/>
+            <a:r>
+              <a:rPr lang="en-US" altLang="zh-TW" dirty="0" smtClean="0"/>
+              <a:t>API-</a:t>
+            </a:r>
+            <a:r>
+              <a:rPr lang="en-US" altLang="zh-TW" dirty="0"/>
+              <a:t> </a:t>
+            </a:r>
+            <a:r>
+              <a:rPr lang="en-US" altLang="zh-TW" dirty="0" err="1"/>
+              <a:t>GetBound</a:t>
+            </a:r>
+            <a:endParaRPr lang="zh-TW" altLang="en-US" dirty="0"/>
+          </a:p>
+        </p:txBody>
+      </p:sp>
+      <p:sp>
+        <p:nvSpPr>
+          <p:cNvPr id="3" name="內容版面配置區 2"/>
+          <p:cNvSpPr>
+            <a:spLocks noGrp="1"/>
+          </p:cNvSpPr>
+          <p:nvPr>
+            <p:ph idx="1"/>
+          </p:nvPr>
+        </p:nvSpPr>
+        <p:spPr/>
+        <p:txBody>
+          <a:bodyPr>
+            <a:normAutofit/>
+          </a:bodyPr>
+          <a:lstStyle/>
+          <a:p>
+            <a:r>
+              <a:rPr lang="en-US" altLang="zh-TW" dirty="0"/>
+              <a:t>Name : </a:t>
+            </a:r>
+            <a:r>
+              <a:rPr lang="en-US" altLang="zh-TW" dirty="0" err="1"/>
+              <a:t>GetBound</a:t>
+            </a:r>
+            <a:r>
+              <a:rPr lang="zh-TW" altLang="en-US" dirty="0" smtClean="0"/>
+              <a:t> </a:t>
+            </a:r>
+            <a:endParaRPr lang="en-US" altLang="zh-TW" dirty="0" smtClean="0"/>
+          </a:p>
+          <a:p>
+            <a:r>
+              <a:rPr lang="en-US" altLang="zh-TW" dirty="0" smtClean="0"/>
+              <a:t>Input </a:t>
+            </a:r>
+            <a:r>
+              <a:rPr lang="en-US" altLang="zh-TW" dirty="0"/>
+              <a:t>: </a:t>
+            </a:r>
+            <a:r>
+              <a:rPr lang="en-US" altLang="zh-TW" dirty="0" err="1" smtClean="0"/>
+              <a:t>pos</a:t>
+            </a:r>
+            <a:r>
+              <a:rPr lang="zh-TW" altLang="en-US" dirty="0"/>
+              <a:t> </a:t>
+            </a:r>
+            <a:r>
+              <a:rPr lang="en-US" altLang="zh-TW" dirty="0" smtClean="0"/>
+              <a:t>:</a:t>
+            </a:r>
+            <a:r>
+              <a:rPr lang="zh-TW" altLang="en-US" dirty="0" smtClean="0"/>
+              <a:t> </a:t>
+            </a:r>
+            <a:r>
+              <a:rPr lang="en-US" altLang="zh-TW" dirty="0" smtClean="0"/>
+              <a:t>tuple 2,size : tuple 2,helf_size </a:t>
+            </a:r>
+            <a:r>
+              <a:rPr lang="en-US" altLang="zh-TW" dirty="0"/>
+              <a:t>: tuple </a:t>
+            </a:r>
+            <a:r>
+              <a:rPr lang="en-US" altLang="zh-TW" dirty="0" smtClean="0"/>
+              <a:t>2,top_shift </a:t>
+            </a:r>
+            <a:r>
+              <a:rPr lang="en-US" altLang="zh-TW" dirty="0"/>
+              <a:t>: tuple </a:t>
+            </a:r>
+            <a:r>
+              <a:rPr lang="en-US" altLang="zh-TW" dirty="0" smtClean="0"/>
+              <a:t>2</a:t>
+            </a:r>
+          </a:p>
+          <a:p>
+            <a:r>
+              <a:rPr lang="en-US" altLang="zh-TW" dirty="0" smtClean="0"/>
+              <a:t>Output </a:t>
+            </a:r>
+            <a:r>
+              <a:rPr lang="en-US" altLang="zh-TW" dirty="0"/>
+              <a:t>: bound :</a:t>
+            </a:r>
+            <a:r>
+              <a:rPr lang="zh-TW" altLang="en-US" dirty="0" smtClean="0"/>
+              <a:t> </a:t>
+            </a:r>
+            <a:r>
+              <a:rPr lang="en-US" altLang="zh-TW" dirty="0"/>
+              <a:t>list</a:t>
+            </a:r>
+            <a:endParaRPr lang="en-US" altLang="zh-TW" dirty="0" smtClean="0"/>
+          </a:p>
+          <a:p>
+            <a:r>
+              <a:rPr lang="en-US" altLang="zh-TW" dirty="0" smtClean="0"/>
+              <a:t>Parameter :</a:t>
+            </a:r>
+            <a:r>
+              <a:rPr lang="zh-TW" altLang="en-US" dirty="0" smtClean="0"/>
+              <a:t> </a:t>
+            </a:r>
+            <a:endParaRPr lang="en-US" altLang="zh-TW" dirty="0" smtClean="0"/>
+          </a:p>
+          <a:p>
+            <a:r>
+              <a:rPr lang="en-US" altLang="zh-TW" dirty="0" smtClean="0"/>
+              <a:t>Method : </a:t>
+            </a:r>
+            <a:r>
+              <a:rPr lang="zh-TW" altLang="en-US" dirty="0" smtClean="0"/>
+              <a:t>將座標與大小膨脹球的半徑後得到邊框並回傳，其中</a:t>
+            </a:r>
+            <a:r>
+              <a:rPr lang="en-US" altLang="zh-TW" dirty="0" smtClean="0"/>
+              <a:t>bound </a:t>
+            </a:r>
+            <a:r>
+              <a:rPr lang="en-US" altLang="zh-TW" dirty="0"/>
+              <a:t>= [ </a:t>
+            </a:r>
+            <a:r>
+              <a:rPr lang="en-US" altLang="zh-TW" dirty="0" err="1"/>
+              <a:t>TopLeft</a:t>
+            </a:r>
+            <a:r>
+              <a:rPr lang="en-US" altLang="zh-TW" dirty="0"/>
+              <a:t>, </a:t>
+            </a:r>
+            <a:r>
+              <a:rPr lang="en-US" altLang="zh-TW" dirty="0" err="1"/>
+              <a:t>TopRight</a:t>
+            </a:r>
+            <a:r>
+              <a:rPr lang="en-US" altLang="zh-TW" dirty="0"/>
+              <a:t>, </a:t>
+            </a:r>
+            <a:r>
+              <a:rPr lang="en-US" altLang="zh-TW" dirty="0" err="1"/>
+              <a:t>BottomLeft</a:t>
+            </a:r>
+            <a:r>
+              <a:rPr lang="en-US" altLang="zh-TW" dirty="0"/>
+              <a:t>, </a:t>
+            </a:r>
+            <a:r>
+              <a:rPr lang="en-US" altLang="zh-TW" dirty="0" err="1"/>
+              <a:t>BottomRight</a:t>
+            </a:r>
+            <a:r>
+              <a:rPr lang="en-US" altLang="zh-TW" dirty="0"/>
+              <a:t> ]</a:t>
+            </a:r>
+            <a:endParaRPr lang="zh-TW" altLang="en-US" dirty="0"/>
+          </a:p>
+        </p:txBody>
+      </p:sp>
+    </p:spTree>
+    <p:extLst>
+      <p:ext uri="{BB962C8B-B14F-4D97-AF65-F5344CB8AC3E}">
+        <p14:creationId xmlns:p14="http://schemas.microsoft.com/office/powerpoint/2010/main" val="412964372"/>
+      </p:ext>
+    </p:extLst>
+  </p:cSld>
+  <p:clrMapOvr>
+    <a:masterClrMapping/>
+  </p:clrMapOvr>
+</p:sld>
+</file>
+
+<file path=ppt/slides/slide3.xml><?xml version="1.0" encoding="utf-8"?>
+<p:sld xmlns:a="http://schemas.openxmlformats.org/drawingml/2006/main" xmlns:r="http://schemas.openxmlformats.org/officeDocument/2006/relationships" xmlns:p="http://schemas.openxmlformats.org/presentationml/2006/main" show="0">
+  <p:cSld>
+    <p:spTree>
+      <p:nvGrpSpPr>
+        <p:cNvPr id="1" name=""/>
+        <p:cNvGrpSpPr/>
+        <p:nvPr/>
+      </p:nvGrpSpPr>
+      <p:grpSpPr>
+        <a:xfrm>
+          <a:off x="0" y="0"/>
+          <a:ext cx="0" cy="0"/>
+          <a:chOff x="0" y="0"/>
+          <a:chExt cx="0" cy="0"/>
+        </a:xfrm>
+      </p:grpSpPr>
+      <p:sp>
+        <p:nvSpPr>
+          <p:cNvPr id="2" name="標題 1"/>
+          <p:cNvSpPr>
+            <a:spLocks noGrp="1"/>
+          </p:cNvSpPr>
+          <p:nvPr>
+            <p:ph type="title"/>
+          </p:nvPr>
+        </p:nvSpPr>
+        <p:spPr/>
+        <p:txBody>
+          <a:bodyPr/>
+          <a:lstStyle/>
+          <a:p>
+            <a:pPr algn="ctr"/>
+            <a:r>
+              <a:rPr lang="zh-TW" altLang="en-US" strike="sngStrike" dirty="0" smtClean="0"/>
+              <a:t>情境</a:t>
+            </a:r>
+            <a:r>
+              <a:rPr lang="zh-TW" altLang="en-US" strike="sngStrike" dirty="0" smtClean="0"/>
+              <a:t>概念</a:t>
+            </a:r>
+            <a:r>
+              <a:rPr lang="en-US" altLang="zh-TW" strike="sngStrike" dirty="0" smtClean="0"/>
+              <a:t>(</a:t>
+            </a:r>
+            <a:r>
+              <a:rPr lang="zh-TW" altLang="en-US" strike="sngStrike" dirty="0"/>
+              <a:t>已</a:t>
+            </a:r>
+            <a:r>
+              <a:rPr lang="zh-TW" altLang="en-US" strike="sngStrike" dirty="0" smtClean="0"/>
+              <a:t>隱藏</a:t>
+            </a:r>
+            <a:r>
+              <a:rPr lang="en-US" altLang="zh-TW" strike="sngStrike" dirty="0" smtClean="0"/>
+              <a:t>)</a:t>
+            </a:r>
+            <a:endParaRPr lang="zh-TW" altLang="en-US" strike="sngStrike" dirty="0"/>
+          </a:p>
+        </p:txBody>
+      </p:sp>
+      <p:sp>
+        <p:nvSpPr>
+          <p:cNvPr id="3" name="內容版面配置區 2"/>
+          <p:cNvSpPr>
+            <a:spLocks noGrp="1"/>
+          </p:cNvSpPr>
+          <p:nvPr>
+            <p:ph idx="1"/>
+          </p:nvPr>
+        </p:nvSpPr>
+        <p:spPr/>
+        <p:txBody>
+          <a:bodyPr>
+            <a:normAutofit/>
+          </a:bodyPr>
+          <a:lstStyle/>
+          <a:p>
+            <a:r>
+              <a:rPr lang="zh-TW" altLang="en-US" dirty="0" smtClean="0"/>
+              <a:t>要能分析對方的動作 </a:t>
+            </a:r>
+            <a:r>
+              <a:rPr lang="en-US" altLang="zh-TW" dirty="0" smtClean="0"/>
+              <a:t>(7:4)</a:t>
+            </a:r>
+            <a:r>
+              <a:rPr lang="zh-TW" altLang="en-US" dirty="0" smtClean="0"/>
+              <a:t>輸入輸出有限有效明確</a:t>
+            </a:r>
+            <a:endParaRPr lang="en-US" altLang="zh-TW" dirty="0" smtClean="0"/>
+          </a:p>
+          <a:p>
+            <a:pPr lvl="1"/>
+            <a:r>
+              <a:rPr lang="zh-TW" altLang="en-US" dirty="0" smtClean="0"/>
+              <a:t>預測</a:t>
+            </a:r>
+            <a:endParaRPr lang="en-US" altLang="zh-TW" dirty="0" smtClean="0"/>
+          </a:p>
+          <a:p>
+            <a:pPr lvl="1"/>
+            <a:r>
+              <a:rPr lang="zh-TW" altLang="en-US" dirty="0" smtClean="0"/>
+              <a:t>反制</a:t>
+            </a:r>
+            <a:endParaRPr lang="en-US" altLang="zh-TW" dirty="0" smtClean="0"/>
+          </a:p>
+          <a:p>
+            <a:r>
+              <a:rPr lang="zh-TW" altLang="en-US" dirty="0" smtClean="0"/>
+              <a:t>戰略</a:t>
+            </a:r>
+            <a:endParaRPr lang="en-US" altLang="zh-TW" dirty="0" smtClean="0"/>
+          </a:p>
+          <a:p>
+            <a:pPr lvl="1"/>
+            <a:r>
+              <a:rPr lang="zh-TW" altLang="en-US" dirty="0"/>
+              <a:t>攻</a:t>
+            </a:r>
+            <a:endParaRPr lang="en-US" altLang="zh-TW" dirty="0" smtClean="0"/>
+          </a:p>
+          <a:p>
+            <a:pPr lvl="2"/>
+            <a:r>
+              <a:rPr lang="zh-TW" altLang="en-US" dirty="0" smtClean="0"/>
+              <a:t>評估對手板子在相對時間內到不了的位置</a:t>
+            </a:r>
+            <a:endParaRPr lang="en-US" altLang="zh-TW" dirty="0" smtClean="0"/>
+          </a:p>
+          <a:p>
+            <a:pPr lvl="3"/>
+            <a:r>
+              <a:rPr lang="zh-TW" altLang="en-US" dirty="0" smtClean="0"/>
+              <a:t>例如球在我方到達對面的時間內，對方板子能夠移動到的位置</a:t>
+            </a:r>
+            <a:endParaRPr lang="en-US" altLang="zh-TW" dirty="0" smtClean="0"/>
+          </a:p>
+          <a:p>
+            <a:pPr lvl="2"/>
+            <a:r>
+              <a:rPr lang="zh-TW" altLang="en-US" dirty="0" smtClean="0"/>
+              <a:t>誘導對方板子到達角落，完成下次進攻的準備</a:t>
+            </a:r>
+            <a:endParaRPr lang="en-US" altLang="zh-TW" dirty="0"/>
+          </a:p>
+          <a:p>
+            <a:pPr lvl="1"/>
+            <a:r>
+              <a:rPr lang="zh-TW" altLang="en-US" dirty="0" smtClean="0"/>
+              <a:t>防</a:t>
+            </a:r>
+            <a:endParaRPr lang="en-US" altLang="zh-TW" dirty="0" smtClean="0"/>
+          </a:p>
+          <a:p>
+            <a:pPr lvl="2"/>
+            <a:r>
+              <a:rPr lang="zh-TW" altLang="en-US" dirty="0" smtClean="0"/>
+              <a:t>反反攻</a:t>
+            </a:r>
+            <a:endParaRPr lang="en-US" altLang="zh-TW" dirty="0" smtClean="0"/>
+          </a:p>
+          <a:p>
+            <a:pPr lvl="2"/>
+            <a:endParaRPr lang="en-US" altLang="zh-TW" dirty="0" smtClean="0"/>
+          </a:p>
+          <a:p>
+            <a:endParaRPr lang="zh-TW" altLang="en-US" dirty="0"/>
+          </a:p>
+        </p:txBody>
+      </p:sp>
+    </p:spTree>
+    <p:extLst>
+      <p:ext uri="{BB962C8B-B14F-4D97-AF65-F5344CB8AC3E}">
+        <p14:creationId xmlns:p14="http://schemas.microsoft.com/office/powerpoint/2010/main" val="1189170436"/>
+      </p:ext>
+    </p:extLst>
+  </p:cSld>
+  <p:clrMapOvr>
+    <a:masterClrMapping/>
+  </p:clrMapOvr>
+  <mc:AlternateContent xmlns:mc="http://schemas.openxmlformats.org/markup-compatibility/2006">
+    <mc:Choice xmlns:p14="http://schemas.microsoft.com/office/powerpoint/2010/main" Requires="p14">
+      <p:transition spd="slow" p14:dur="2000"/>
+    </mc:Choice>
+    <mc:Fallback>
+      <p:transition spd="slow"/>
+    </mc:Fallback>
+  </mc:AlternateContent>
+</p:sld>
+</file>
+
+<file path=ppt/slides/slide30.xml><?xml version="1.0" encoding="utf-8"?>
+<p:sld xmlns:a="http://schemas.openxmlformats.org/drawingml/2006/main" xmlns:r="http://schemas.openxmlformats.org/officeDocument/2006/relationships" xmlns:p="http://schemas.openxmlformats.org/presentationml/2006/main">
+  <p:cSld>
+    <p:spTree>
+      <p:nvGrpSpPr>
+        <p:cNvPr id="1" name=""/>
+        <p:cNvGrpSpPr/>
+        <p:nvPr/>
+      </p:nvGrpSpPr>
+      <p:grpSpPr>
+        <a:xfrm>
+          <a:off x="0" y="0"/>
+          <a:ext cx="0" cy="0"/>
+          <a:chOff x="0" y="0"/>
+          <a:chExt cx="0" cy="0"/>
+        </a:xfrm>
+      </p:grpSpPr>
+      <p:sp>
+        <p:nvSpPr>
+          <p:cNvPr id="2" name="標題 1"/>
+          <p:cNvSpPr>
+            <a:spLocks noGrp="1"/>
+          </p:cNvSpPr>
+          <p:nvPr>
+            <p:ph type="title"/>
+          </p:nvPr>
+        </p:nvSpPr>
+        <p:spPr/>
+        <p:txBody>
+          <a:bodyPr/>
+          <a:lstStyle/>
+          <a:p>
+            <a:pPr algn="ctr"/>
+            <a:r>
+              <a:rPr lang="en-US" altLang="zh-TW" dirty="0" smtClean="0"/>
+              <a:t>API-</a:t>
+            </a:r>
+            <a:r>
+              <a:rPr lang="en-US" altLang="zh-TW" dirty="0"/>
+              <a:t> </a:t>
+            </a:r>
+            <a:r>
+              <a:rPr lang="en-US" altLang="zh-TW" dirty="0" err="1"/>
+              <a:t>GetCenter</a:t>
+            </a:r>
+            <a:endParaRPr lang="zh-TW" altLang="en-US" dirty="0"/>
+          </a:p>
+        </p:txBody>
+      </p:sp>
+      <p:sp>
+        <p:nvSpPr>
+          <p:cNvPr id="3" name="內容版面配置區 2"/>
+          <p:cNvSpPr>
+            <a:spLocks noGrp="1"/>
+          </p:cNvSpPr>
+          <p:nvPr>
+            <p:ph idx="1"/>
+          </p:nvPr>
+        </p:nvSpPr>
+        <p:spPr/>
+        <p:txBody>
+          <a:bodyPr>
+            <a:normAutofit/>
+          </a:bodyPr>
+          <a:lstStyle/>
+          <a:p>
+            <a:r>
+              <a:rPr lang="en-US" altLang="zh-TW" dirty="0"/>
+              <a:t>Name : </a:t>
+            </a:r>
+            <a:r>
+              <a:rPr lang="en-US" altLang="zh-TW" dirty="0" err="1"/>
+              <a:t>GetCenter</a:t>
+            </a:r>
+            <a:r>
+              <a:rPr lang="zh-TW" altLang="en-US" dirty="0" smtClean="0"/>
+              <a:t> </a:t>
+            </a:r>
+            <a:endParaRPr lang="en-US" altLang="zh-TW" dirty="0" smtClean="0"/>
+          </a:p>
+          <a:p>
+            <a:r>
+              <a:rPr lang="en-US" altLang="zh-TW" dirty="0" smtClean="0"/>
+              <a:t>Input </a:t>
+            </a:r>
+            <a:r>
+              <a:rPr lang="en-US" altLang="zh-TW" dirty="0"/>
+              <a:t>: </a:t>
+            </a:r>
+            <a:r>
+              <a:rPr lang="en-US" altLang="zh-TW" dirty="0" err="1" smtClean="0"/>
+              <a:t>pos</a:t>
+            </a:r>
+            <a:r>
+              <a:rPr lang="zh-TW" altLang="en-US" dirty="0"/>
+              <a:t> </a:t>
+            </a:r>
+            <a:r>
+              <a:rPr lang="en-US" altLang="zh-TW" dirty="0" smtClean="0"/>
+              <a:t>:</a:t>
+            </a:r>
+            <a:r>
+              <a:rPr lang="zh-TW" altLang="en-US" dirty="0" smtClean="0"/>
+              <a:t> </a:t>
+            </a:r>
+            <a:r>
+              <a:rPr lang="en-US" altLang="zh-TW" dirty="0" smtClean="0"/>
+              <a:t>tuple 2,size : tuple 2</a:t>
+            </a:r>
+          </a:p>
+          <a:p>
+            <a:r>
+              <a:rPr lang="en-US" altLang="zh-TW" dirty="0" smtClean="0"/>
+              <a:t>Output </a:t>
+            </a:r>
+            <a:r>
+              <a:rPr lang="en-US" altLang="zh-TW" dirty="0"/>
+              <a:t>: center :</a:t>
+            </a:r>
+            <a:r>
+              <a:rPr lang="zh-TW" altLang="en-US" dirty="0" smtClean="0"/>
+              <a:t> </a:t>
+            </a:r>
+            <a:r>
+              <a:rPr lang="en-US" altLang="zh-TW" dirty="0"/>
+              <a:t>tuple 2</a:t>
+            </a:r>
+            <a:endParaRPr lang="en-US" altLang="zh-TW" dirty="0" smtClean="0"/>
+          </a:p>
+          <a:p>
+            <a:r>
+              <a:rPr lang="en-US" altLang="zh-TW" dirty="0" smtClean="0"/>
+              <a:t>Parameter :</a:t>
+            </a:r>
+            <a:r>
+              <a:rPr lang="zh-TW" altLang="en-US" dirty="0" smtClean="0"/>
+              <a:t> </a:t>
+            </a:r>
+            <a:endParaRPr lang="en-US" altLang="zh-TW" dirty="0" smtClean="0"/>
+          </a:p>
+          <a:p>
+            <a:r>
+              <a:rPr lang="en-US" altLang="zh-TW" dirty="0" smtClean="0"/>
+              <a:t>Method :</a:t>
+            </a:r>
+            <a:r>
+              <a:rPr lang="zh-TW" altLang="en-US" dirty="0"/>
+              <a:t>得到物體的中心點座標</a:t>
+            </a:r>
+          </a:p>
+        </p:txBody>
+      </p:sp>
+    </p:spTree>
+    <p:extLst>
+      <p:ext uri="{BB962C8B-B14F-4D97-AF65-F5344CB8AC3E}">
+        <p14:creationId xmlns:p14="http://schemas.microsoft.com/office/powerpoint/2010/main" val="3288212600"/>
+      </p:ext>
+    </p:extLst>
+  </p:cSld>
+  <p:clrMapOvr>
+    <a:masterClrMapping/>
+  </p:clrMapOvr>
+</p:sld>
+</file>
+
+<file path=ppt/slides/slide31.xml><?xml version="1.0" encoding="utf-8"?>
+<p:sld xmlns:a="http://schemas.openxmlformats.org/drawingml/2006/main" xmlns:r="http://schemas.openxmlformats.org/officeDocument/2006/relationships" xmlns:p="http://schemas.openxmlformats.org/presentationml/2006/main">
+  <p:cSld>
+    <p:spTree>
+      <p:nvGrpSpPr>
+        <p:cNvPr id="1" name=""/>
+        <p:cNvGrpSpPr/>
+        <p:nvPr/>
+      </p:nvGrpSpPr>
+      <p:grpSpPr>
+        <a:xfrm>
+          <a:off x="0" y="0"/>
+          <a:ext cx="0" cy="0"/>
+          <a:chOff x="0" y="0"/>
+          <a:chExt cx="0" cy="0"/>
+        </a:xfrm>
+      </p:grpSpPr>
+      <p:sp>
+        <p:nvSpPr>
+          <p:cNvPr id="2" name="標題 1"/>
+          <p:cNvSpPr>
+            <a:spLocks noGrp="1"/>
+          </p:cNvSpPr>
+          <p:nvPr>
+            <p:ph type="title"/>
+          </p:nvPr>
+        </p:nvSpPr>
+        <p:spPr/>
+        <p:txBody>
+          <a:bodyPr/>
+          <a:lstStyle/>
+          <a:p>
+            <a:pPr algn="ctr"/>
+            <a:r>
+              <a:rPr lang="en-US" altLang="zh-TW" dirty="0" smtClean="0"/>
+              <a:t>API-</a:t>
+            </a:r>
+            <a:r>
+              <a:rPr lang="en-US" altLang="zh-TW" dirty="0"/>
+              <a:t> </a:t>
+            </a:r>
+            <a:r>
+              <a:rPr lang="en-US" altLang="zh-TW" dirty="0" err="1"/>
+              <a:t>GetCross</a:t>
+            </a:r>
+            <a:endParaRPr lang="zh-TW" altLang="en-US" dirty="0"/>
+          </a:p>
+        </p:txBody>
+      </p:sp>
+      <p:sp>
+        <p:nvSpPr>
+          <p:cNvPr id="3" name="內容版面配置區 2"/>
+          <p:cNvSpPr>
+            <a:spLocks noGrp="1"/>
+          </p:cNvSpPr>
+          <p:nvPr>
+            <p:ph idx="1"/>
+          </p:nvPr>
+        </p:nvSpPr>
+        <p:spPr/>
+        <p:txBody>
+          <a:bodyPr>
+            <a:normAutofit/>
+          </a:bodyPr>
+          <a:lstStyle/>
+          <a:p>
+            <a:r>
+              <a:rPr lang="en-US" altLang="zh-TW" dirty="0"/>
+              <a:t>Name : </a:t>
+            </a:r>
+            <a:r>
+              <a:rPr lang="en-US" altLang="zh-TW" dirty="0" err="1"/>
+              <a:t>GetCross</a:t>
+            </a:r>
+            <a:r>
+              <a:rPr lang="zh-TW" altLang="en-US" dirty="0" smtClean="0"/>
+              <a:t> </a:t>
+            </a:r>
+            <a:endParaRPr lang="en-US" altLang="zh-TW" dirty="0" smtClean="0"/>
+          </a:p>
+          <a:p>
+            <a:r>
+              <a:rPr lang="en-US" altLang="zh-TW" dirty="0" smtClean="0"/>
+              <a:t>Input </a:t>
+            </a:r>
+            <a:r>
+              <a:rPr lang="en-US" altLang="zh-TW" dirty="0"/>
+              <a:t>: </a:t>
+            </a:r>
+            <a:r>
+              <a:rPr lang="en-US" altLang="zh-TW" dirty="0" smtClean="0"/>
+              <a:t>bound : list, </a:t>
+            </a:r>
+            <a:r>
+              <a:rPr lang="en-US" altLang="zh-TW" dirty="0" err="1" smtClean="0"/>
+              <a:t>pos</a:t>
+            </a:r>
+            <a:r>
+              <a:rPr lang="en-US" altLang="zh-TW" dirty="0" smtClean="0"/>
+              <a:t> :</a:t>
+            </a:r>
+            <a:r>
+              <a:rPr lang="zh-TW" altLang="en-US" dirty="0" smtClean="0"/>
+              <a:t> </a:t>
+            </a:r>
+            <a:r>
+              <a:rPr lang="en-US" altLang="zh-TW" dirty="0" smtClean="0"/>
+              <a:t>tuple 2, </a:t>
+            </a:r>
+            <a:r>
+              <a:rPr lang="en-US" altLang="zh-TW" dirty="0" err="1" smtClean="0"/>
+              <a:t>vel</a:t>
+            </a:r>
+            <a:r>
+              <a:rPr lang="en-US" altLang="zh-TW" dirty="0" smtClean="0"/>
+              <a:t> : tuple 2, name : string, </a:t>
+            </a:r>
+            <a:r>
+              <a:rPr lang="en-US" altLang="zh-TW" dirty="0" err="1" smtClean="0"/>
+              <a:t>num</a:t>
+            </a:r>
+            <a:r>
+              <a:rPr lang="en-US" altLang="zh-TW" dirty="0" smtClean="0"/>
+              <a:t> : </a:t>
+            </a:r>
+            <a:r>
+              <a:rPr lang="en-US" altLang="zh-TW" dirty="0" err="1" smtClean="0"/>
+              <a:t>int</a:t>
+            </a:r>
+            <a:endParaRPr lang="en-US" altLang="zh-TW" dirty="0" smtClean="0"/>
+          </a:p>
+          <a:p>
+            <a:r>
+              <a:rPr lang="en-US" altLang="zh-TW" dirty="0" smtClean="0"/>
+              <a:t>Output </a:t>
+            </a:r>
+            <a:r>
+              <a:rPr lang="en-US" altLang="zh-TW" dirty="0"/>
+              <a:t>: Lines[index</a:t>
+            </a:r>
+            <a:r>
+              <a:rPr lang="en-US" altLang="zh-TW" dirty="0" smtClean="0"/>
+              <a:t>] : tuple 2,Min : </a:t>
+            </a:r>
+            <a:r>
+              <a:rPr lang="en-US" altLang="zh-TW" dirty="0" err="1" smtClean="0"/>
+              <a:t>int</a:t>
+            </a:r>
+            <a:r>
+              <a:rPr lang="en-US" altLang="zh-TW" dirty="0" smtClean="0"/>
+              <a:t>, name : string, </a:t>
+            </a:r>
+            <a:r>
+              <a:rPr lang="en-US" altLang="zh-TW" dirty="0" err="1" smtClean="0"/>
+              <a:t>num</a:t>
+            </a:r>
+            <a:r>
+              <a:rPr lang="en-US" altLang="zh-TW" dirty="0" smtClean="0"/>
+              <a:t> : </a:t>
+            </a:r>
+            <a:r>
+              <a:rPr lang="en-US" altLang="zh-TW" dirty="0" err="1" smtClean="0"/>
+              <a:t>int</a:t>
+            </a:r>
+            <a:r>
+              <a:rPr lang="en-US" altLang="zh-TW" dirty="0" smtClean="0"/>
+              <a:t>, </a:t>
+            </a:r>
+            <a:r>
+              <a:rPr lang="en-US" altLang="zh-TW" dirty="0" err="1" smtClean="0"/>
+              <a:t>inv</a:t>
+            </a:r>
+            <a:r>
+              <a:rPr lang="en-US" altLang="zh-TW" dirty="0" smtClean="0"/>
+              <a:t>[index] : string</a:t>
+            </a:r>
+          </a:p>
+          <a:p>
+            <a:r>
+              <a:rPr lang="en-US" altLang="zh-TW" dirty="0" smtClean="0"/>
+              <a:t>Parameter :</a:t>
+            </a:r>
+            <a:r>
+              <a:rPr lang="zh-TW" altLang="en-US" dirty="0" smtClean="0"/>
+              <a:t> </a:t>
+            </a:r>
+            <a:endParaRPr lang="en-US" altLang="zh-TW" dirty="0" smtClean="0"/>
+          </a:p>
+          <a:p>
+            <a:r>
+              <a:rPr lang="en-US" altLang="zh-TW" dirty="0" smtClean="0"/>
+              <a:t>Method :</a:t>
+            </a:r>
+            <a:r>
+              <a:rPr lang="zh-TW" altLang="en-US" dirty="0" smtClean="0"/>
+              <a:t>得到所有</a:t>
+            </a:r>
+            <a:r>
+              <a:rPr lang="en-US" altLang="zh-TW" dirty="0" smtClean="0"/>
+              <a:t>bound</a:t>
+            </a:r>
+            <a:r>
+              <a:rPr lang="zh-TW" altLang="en-US" dirty="0" smtClean="0"/>
+              <a:t>四個邊的每個直線方程式與球的直線方程式的交點，並回傳球到不為零之最短距離的交點，及該交點的碰撞面與名稱編號。</a:t>
+            </a:r>
+            <a:endParaRPr lang="zh-TW" altLang="en-US" dirty="0"/>
+          </a:p>
+        </p:txBody>
+      </p:sp>
+    </p:spTree>
+    <p:extLst>
+      <p:ext uri="{BB962C8B-B14F-4D97-AF65-F5344CB8AC3E}">
+        <p14:creationId xmlns:p14="http://schemas.microsoft.com/office/powerpoint/2010/main" val="2028538441"/>
+      </p:ext>
+    </p:extLst>
+  </p:cSld>
+  <p:clrMapOvr>
+    <a:masterClrMapping/>
+  </p:clrMapOvr>
+</p:sld>
+</file>
+
+<file path=ppt/slides/slide32.xml><?xml version="1.0" encoding="utf-8"?>
+<p:sld xmlns:a="http://schemas.openxmlformats.org/drawingml/2006/main" xmlns:r="http://schemas.openxmlformats.org/officeDocument/2006/relationships" xmlns:p="http://schemas.openxmlformats.org/presentationml/2006/main">
+  <p:cSld>
+    <p:spTree>
+      <p:nvGrpSpPr>
+        <p:cNvPr id="1" name=""/>
+        <p:cNvGrpSpPr/>
+        <p:nvPr/>
+      </p:nvGrpSpPr>
+      <p:grpSpPr>
+        <a:xfrm>
+          <a:off x="0" y="0"/>
+          <a:ext cx="0" cy="0"/>
+          <a:chOff x="0" y="0"/>
+          <a:chExt cx="0" cy="0"/>
+        </a:xfrm>
+      </p:grpSpPr>
+      <p:sp>
+        <p:nvSpPr>
+          <p:cNvPr id="2" name="標題 1"/>
+          <p:cNvSpPr>
+            <a:spLocks noGrp="1"/>
+          </p:cNvSpPr>
+          <p:nvPr>
+            <p:ph type="title"/>
+          </p:nvPr>
+        </p:nvSpPr>
+        <p:spPr/>
+        <p:txBody>
+          <a:bodyPr/>
+          <a:lstStyle/>
+          <a:p>
+            <a:pPr algn="ctr"/>
+            <a:r>
+              <a:rPr lang="zh-TW" altLang="en-US" dirty="0" smtClean="0"/>
+              <a:t>驗證</a:t>
+            </a:r>
+            <a:r>
+              <a:rPr lang="en-US" altLang="zh-TW" dirty="0" smtClean="0"/>
+              <a:t>-LR </a:t>
+            </a:r>
+            <a:endParaRPr lang="zh-TW" altLang="en-US" dirty="0"/>
+          </a:p>
+        </p:txBody>
+      </p:sp>
+      <p:pic>
+        <p:nvPicPr>
+          <p:cNvPr id="4" name="圖片 3"/>
+          <p:cNvPicPr/>
+          <p:nvPr/>
+        </p:nvPicPr>
+        <p:blipFill>
+          <a:blip r:embed="rId2">
+            <a:extLst>
+              <a:ext uri="{28A0092B-C50C-407E-A947-70E740481C1C}">
+                <a14:useLocalDpi xmlns:a14="http://schemas.microsoft.com/office/drawing/2010/main" val="0"/>
+              </a:ext>
+            </a:extLst>
+          </a:blip>
+          <a:stretch>
+            <a:fillRect/>
+          </a:stretch>
+        </p:blipFill>
+        <p:spPr>
+          <a:xfrm>
+            <a:off x="301752" y="1518792"/>
+            <a:ext cx="5733288" cy="4351338"/>
+          </a:xfrm>
+          <a:prstGeom prst="rect">
+            <a:avLst/>
+          </a:prstGeom>
+        </p:spPr>
+      </p:pic>
+      <p:pic>
+        <p:nvPicPr>
+          <p:cNvPr id="5" name="內容版面配置區 4"/>
+          <p:cNvPicPr>
+            <a:picLocks noGrp="1"/>
+          </p:cNvPicPr>
+          <p:nvPr>
+            <p:ph idx="1"/>
+          </p:nvPr>
+        </p:nvPicPr>
+        <p:blipFill>
+          <a:blip r:embed="rId3">
+            <a:extLst>
+              <a:ext uri="{28A0092B-C50C-407E-A947-70E740481C1C}">
+                <a14:useLocalDpi xmlns:a14="http://schemas.microsoft.com/office/drawing/2010/main" val="0"/>
+              </a:ext>
+            </a:extLst>
+          </a:blip>
+          <a:stretch>
+            <a:fillRect/>
+          </a:stretch>
+        </p:blipFill>
+        <p:spPr>
+          <a:xfrm>
+            <a:off x="5669280" y="1518792"/>
+            <a:ext cx="5801784" cy="4351338"/>
+          </a:xfrm>
+          <a:prstGeom prst="rect">
+            <a:avLst/>
+          </a:prstGeom>
+        </p:spPr>
+      </p:pic>
+      <p:pic>
+        <p:nvPicPr>
+          <p:cNvPr id="6" name="圖片 5"/>
+          <p:cNvPicPr/>
+          <p:nvPr/>
+        </p:nvPicPr>
+        <p:blipFill>
+          <a:blip r:embed="rId4"/>
+          <a:stretch>
+            <a:fillRect/>
+          </a:stretch>
+        </p:blipFill>
+        <p:spPr>
+          <a:xfrm>
+            <a:off x="3619076" y="5870130"/>
+            <a:ext cx="5133975" cy="762000"/>
+          </a:xfrm>
+          <a:prstGeom prst="rect">
+            <a:avLst/>
+          </a:prstGeom>
+        </p:spPr>
+      </p:pic>
+      <p:sp>
+        <p:nvSpPr>
+          <p:cNvPr id="7" name="矩形 6"/>
+          <p:cNvSpPr/>
+          <p:nvPr/>
+        </p:nvSpPr>
+        <p:spPr>
+          <a:xfrm>
+            <a:off x="1460236" y="1415534"/>
+            <a:ext cx="3536546" cy="369332"/>
+          </a:xfrm>
+          <a:prstGeom prst="rect">
+            <a:avLst/>
+          </a:prstGeom>
+        </p:spPr>
+        <p:txBody>
+          <a:bodyPr wrap="none">
+            <a:spAutoFit/>
+          </a:bodyPr>
+          <a:lstStyle/>
+          <a:p>
+            <a:r>
+              <a:rPr lang="zh-TW" altLang="en-US" dirty="0" smtClean="0"/>
+              <a:t>球往左發球時</a:t>
+            </a:r>
+            <a:r>
+              <a:rPr lang="en-US" altLang="zh-TW" dirty="0" smtClean="0"/>
+              <a:t>X</a:t>
+            </a:r>
+            <a:r>
+              <a:rPr lang="zh-TW" altLang="en-US" dirty="0" smtClean="0"/>
+              <a:t>出發點與落點分布</a:t>
+            </a:r>
+            <a:endParaRPr lang="en-US" altLang="zh-TW" dirty="0"/>
+          </a:p>
+        </p:txBody>
+      </p:sp>
+      <p:sp>
+        <p:nvSpPr>
+          <p:cNvPr id="9" name="矩形 8"/>
+          <p:cNvSpPr/>
+          <p:nvPr/>
+        </p:nvSpPr>
+        <p:spPr>
+          <a:xfrm>
+            <a:off x="6984779" y="1415534"/>
+            <a:ext cx="3536546" cy="369332"/>
+          </a:xfrm>
+          <a:prstGeom prst="rect">
+            <a:avLst/>
+          </a:prstGeom>
+        </p:spPr>
+        <p:txBody>
+          <a:bodyPr wrap="none">
+            <a:spAutoFit/>
+          </a:bodyPr>
+          <a:lstStyle/>
+          <a:p>
+            <a:r>
+              <a:rPr lang="zh-TW" altLang="en-US" dirty="0"/>
+              <a:t>球</a:t>
+            </a:r>
+            <a:r>
+              <a:rPr lang="zh-TW" altLang="en-US" dirty="0" smtClean="0"/>
+              <a:t>往右發球</a:t>
+            </a:r>
+            <a:r>
+              <a:rPr lang="zh-TW" altLang="en-US" dirty="0"/>
+              <a:t>時</a:t>
+            </a:r>
+            <a:r>
+              <a:rPr lang="en-US" altLang="zh-TW" dirty="0"/>
+              <a:t>X</a:t>
+            </a:r>
+            <a:r>
+              <a:rPr lang="zh-TW" altLang="en-US" dirty="0"/>
+              <a:t>出發點與落點分布</a:t>
+            </a:r>
+            <a:endParaRPr lang="en-US" altLang="zh-TW" dirty="0"/>
+          </a:p>
+        </p:txBody>
+      </p:sp>
+    </p:spTree>
+    <p:extLst>
+      <p:ext uri="{BB962C8B-B14F-4D97-AF65-F5344CB8AC3E}">
+        <p14:creationId xmlns:p14="http://schemas.microsoft.com/office/powerpoint/2010/main" val="408283828"/>
+      </p:ext>
+    </p:extLst>
+  </p:cSld>
+  <p:clrMapOvr>
+    <a:masterClrMapping/>
+  </p:clrMapOvr>
+</p:sld>
+</file>
+
+<file path=ppt/slides/slide33.xml><?xml version="1.0" encoding="utf-8"?>
+<p:sld xmlns:a="http://schemas.openxmlformats.org/drawingml/2006/main" xmlns:r="http://schemas.openxmlformats.org/officeDocument/2006/relationships" xmlns:p="http://schemas.openxmlformats.org/presentationml/2006/main">
+  <p:cSld>
+    <p:spTree>
+      <p:nvGrpSpPr>
+        <p:cNvPr id="1" name=""/>
+        <p:cNvGrpSpPr/>
+        <p:nvPr/>
+      </p:nvGrpSpPr>
+      <p:grpSpPr>
+        <a:xfrm>
+          <a:off x="0" y="0"/>
+          <a:ext cx="0" cy="0"/>
+          <a:chOff x="0" y="0"/>
+          <a:chExt cx="0" cy="0"/>
+        </a:xfrm>
+      </p:grpSpPr>
+      <p:sp>
+        <p:nvSpPr>
+          <p:cNvPr id="2" name="標題 1"/>
+          <p:cNvSpPr>
+            <a:spLocks noGrp="1"/>
+          </p:cNvSpPr>
+          <p:nvPr>
+            <p:ph type="title"/>
+          </p:nvPr>
+        </p:nvSpPr>
+        <p:spPr/>
+        <p:txBody>
+          <a:bodyPr/>
+          <a:lstStyle/>
+          <a:p>
+            <a:pPr algn="ctr"/>
+            <a:r>
+              <a:rPr lang="zh-TW" altLang="en-US" dirty="0" smtClean="0"/>
+              <a:t>驗證</a:t>
+            </a:r>
+            <a:r>
+              <a:rPr lang="en-US" altLang="zh-TW" dirty="0" smtClean="0"/>
+              <a:t>-</a:t>
+            </a:r>
+            <a:r>
+              <a:rPr lang="zh-TW" altLang="en-US" dirty="0"/>
+              <a:t>球路落點可視</a:t>
+            </a:r>
+            <a:r>
+              <a:rPr lang="zh-TW" altLang="en-US" dirty="0" smtClean="0"/>
+              <a:t>化</a:t>
+            </a:r>
+            <a:endParaRPr lang="zh-TW" altLang="en-US" dirty="0"/>
+          </a:p>
+        </p:txBody>
+      </p:sp>
+      <p:pic>
+        <p:nvPicPr>
+          <p:cNvPr id="4" name="內容版面配置區 3"/>
+          <p:cNvPicPr>
+            <a:picLocks noGrp="1" noChangeAspect="1"/>
+          </p:cNvPicPr>
+          <p:nvPr>
+            <p:ph idx="1"/>
+          </p:nvPr>
+        </p:nvPicPr>
+        <p:blipFill>
+          <a:blip r:embed="rId2"/>
+          <a:stretch>
+            <a:fillRect/>
+          </a:stretch>
+        </p:blipFill>
+        <p:spPr>
+          <a:xfrm>
+            <a:off x="1809098" y="2337689"/>
+            <a:ext cx="8573803" cy="4351338"/>
+          </a:xfrm>
+          <a:prstGeom prst="rect">
+            <a:avLst/>
+          </a:prstGeom>
+        </p:spPr>
+      </p:pic>
+      <p:sp>
+        <p:nvSpPr>
+          <p:cNvPr id="5" name="矩形 4"/>
+          <p:cNvSpPr/>
+          <p:nvPr/>
+        </p:nvSpPr>
+        <p:spPr>
+          <a:xfrm>
+            <a:off x="3203220" y="1505910"/>
+            <a:ext cx="5785558" cy="646331"/>
+          </a:xfrm>
+          <a:prstGeom prst="rect">
+            <a:avLst/>
+          </a:prstGeom>
+        </p:spPr>
+        <p:txBody>
+          <a:bodyPr wrap="none">
+            <a:spAutoFit/>
+          </a:bodyPr>
+          <a:lstStyle/>
+          <a:p>
+            <a:r>
+              <a:rPr lang="zh-TW" altLang="en-US" dirty="0" smtClean="0"/>
+              <a:t>左側</a:t>
+            </a:r>
+            <a:r>
+              <a:rPr lang="en-US" altLang="zh-TW" dirty="0" smtClean="0"/>
+              <a:t>1p</a:t>
+            </a:r>
+            <a:r>
+              <a:rPr lang="zh-TW" altLang="en-US" dirty="0" smtClean="0"/>
+              <a:t>預測球路徑紅線不切球，白線反切，綠虛線正切 </a:t>
+            </a:r>
+            <a:endParaRPr lang="en-US" altLang="zh-TW" dirty="0" smtClean="0"/>
+          </a:p>
+          <a:p>
+            <a:r>
+              <a:rPr lang="zh-TW" altLang="en-US" dirty="0" smtClean="0"/>
+              <a:t>右側</a:t>
+            </a:r>
+            <a:r>
+              <a:rPr lang="en-US" altLang="zh-TW" dirty="0" smtClean="0"/>
+              <a:t>2p</a:t>
+            </a:r>
+            <a:r>
+              <a:rPr lang="zh-TW" altLang="en-US" dirty="0"/>
+              <a:t>預測球</a:t>
+            </a:r>
+            <a:r>
+              <a:rPr lang="zh-TW" altLang="en-US" dirty="0" smtClean="0"/>
+              <a:t>路徑藍線</a:t>
+            </a:r>
+            <a:r>
+              <a:rPr lang="zh-TW" altLang="en-US" dirty="0"/>
+              <a:t>不切球，白線反切，綠虛線正切 </a:t>
+            </a:r>
+            <a:endParaRPr lang="en-US" altLang="zh-TW" dirty="0"/>
+          </a:p>
+        </p:txBody>
+      </p:sp>
+    </p:spTree>
+    <p:extLst>
+      <p:ext uri="{BB962C8B-B14F-4D97-AF65-F5344CB8AC3E}">
+        <p14:creationId xmlns:p14="http://schemas.microsoft.com/office/powerpoint/2010/main" val="1268574798"/>
+      </p:ext>
+    </p:extLst>
+  </p:cSld>
+  <p:clrMapOvr>
+    <a:masterClrMapping/>
+  </p:clrMapOvr>
+</p:sld>
+</file>
+
+<file path=ppt/slides/slide34.xml><?xml version="1.0" encoding="utf-8"?>
+<p:sld xmlns:a="http://schemas.openxmlformats.org/drawingml/2006/main" xmlns:r="http://schemas.openxmlformats.org/officeDocument/2006/relationships" xmlns:p="http://schemas.openxmlformats.org/presentationml/2006/main">
+  <p:cSld>
+    <p:spTree>
+      <p:nvGrpSpPr>
+        <p:cNvPr id="1" name=""/>
+        <p:cNvGrpSpPr/>
+        <p:nvPr/>
+      </p:nvGrpSpPr>
+      <p:grpSpPr>
+        <a:xfrm>
+          <a:off x="0" y="0"/>
+          <a:ext cx="0" cy="0"/>
+          <a:chOff x="0" y="0"/>
+          <a:chExt cx="0" cy="0"/>
+        </a:xfrm>
+      </p:grpSpPr>
+      <p:sp>
+        <p:nvSpPr>
+          <p:cNvPr id="2" name="標題 1"/>
+          <p:cNvSpPr>
+            <a:spLocks noGrp="1"/>
+          </p:cNvSpPr>
+          <p:nvPr>
+            <p:ph type="title"/>
+          </p:nvPr>
+        </p:nvSpPr>
+        <p:spPr/>
+        <p:txBody>
+          <a:bodyPr/>
+          <a:lstStyle/>
+          <a:p>
+            <a:pPr algn="ctr"/>
+            <a:r>
+              <a:rPr lang="zh-TW" altLang="en-US" dirty="0" smtClean="0"/>
+              <a:t>驗證</a:t>
+            </a:r>
+            <a:r>
+              <a:rPr lang="en-US" altLang="zh-TW" dirty="0" smtClean="0"/>
+              <a:t>-</a:t>
+            </a:r>
+            <a:r>
+              <a:rPr lang="zh-TW" altLang="en-US" dirty="0"/>
+              <a:t>球路落點可視</a:t>
+            </a:r>
+            <a:r>
+              <a:rPr lang="zh-TW" altLang="en-US" dirty="0" smtClean="0"/>
+              <a:t>化</a:t>
+            </a:r>
+            <a:endParaRPr lang="zh-TW" altLang="en-US" dirty="0"/>
+          </a:p>
+        </p:txBody>
+      </p:sp>
+      <p:sp>
+        <p:nvSpPr>
+          <p:cNvPr id="5" name="矩形 4"/>
+          <p:cNvSpPr/>
+          <p:nvPr/>
+        </p:nvSpPr>
+        <p:spPr>
+          <a:xfrm>
+            <a:off x="1679071" y="1552132"/>
+            <a:ext cx="3416320" cy="369332"/>
+          </a:xfrm>
+          <a:prstGeom prst="rect">
+            <a:avLst/>
+          </a:prstGeom>
+        </p:spPr>
+        <p:txBody>
+          <a:bodyPr wrap="none">
+            <a:spAutoFit/>
+          </a:bodyPr>
+          <a:lstStyle/>
+          <a:p>
+            <a:r>
+              <a:rPr lang="zh-TW" altLang="en-US" dirty="0" smtClean="0"/>
+              <a:t>黃色框為預測球碰撞瞬間的位置</a:t>
+            </a:r>
+            <a:endParaRPr lang="en-US" altLang="zh-TW" dirty="0"/>
+          </a:p>
+        </p:txBody>
+      </p:sp>
+      <p:pic>
+        <p:nvPicPr>
+          <p:cNvPr id="6" name="圖片 5"/>
+          <p:cNvPicPr>
+            <a:picLocks noChangeAspect="1"/>
+          </p:cNvPicPr>
+          <p:nvPr/>
+        </p:nvPicPr>
+        <p:blipFill>
+          <a:blip r:embed="rId2"/>
+          <a:stretch>
+            <a:fillRect/>
+          </a:stretch>
+        </p:blipFill>
+        <p:spPr>
+          <a:xfrm>
+            <a:off x="1679071" y="2152241"/>
+            <a:ext cx="8687553" cy="4404742"/>
+          </a:xfrm>
+          <a:prstGeom prst="rect">
+            <a:avLst/>
+          </a:prstGeom>
+        </p:spPr>
+      </p:pic>
+    </p:spTree>
+    <p:extLst>
+      <p:ext uri="{BB962C8B-B14F-4D97-AF65-F5344CB8AC3E}">
+        <p14:creationId xmlns:p14="http://schemas.microsoft.com/office/powerpoint/2010/main" val="2985338130"/>
+      </p:ext>
+    </p:extLst>
+  </p:cSld>
+  <p:clrMapOvr>
+    <a:masterClrMapping/>
+  </p:clrMapOvr>
+</p:sld>
+</file>
+
+<file path=ppt/slides/slide4.xml><?xml version="1.0" encoding="utf-8"?>
+<p:sld xmlns:a="http://schemas.openxmlformats.org/drawingml/2006/main" xmlns:r="http://schemas.openxmlformats.org/officeDocument/2006/relationships" xmlns:p="http://schemas.openxmlformats.org/presentationml/2006/main" show="0">
+  <p:cSld>
+    <p:spTree>
+      <p:nvGrpSpPr>
+        <p:cNvPr id="1" name=""/>
+        <p:cNvGrpSpPr/>
+        <p:nvPr/>
+      </p:nvGrpSpPr>
+      <p:grpSpPr>
+        <a:xfrm>
+          <a:off x="0" y="0"/>
+          <a:ext cx="0" cy="0"/>
+          <a:chOff x="0" y="0"/>
+          <a:chExt cx="0" cy="0"/>
+        </a:xfrm>
+      </p:grpSpPr>
+      <p:sp>
+        <p:nvSpPr>
+          <p:cNvPr id="2" name="標題 1"/>
+          <p:cNvSpPr>
+            <a:spLocks noGrp="1"/>
+          </p:cNvSpPr>
+          <p:nvPr>
+            <p:ph type="title"/>
+          </p:nvPr>
+        </p:nvSpPr>
+        <p:spPr/>
+        <p:txBody>
+          <a:bodyPr/>
+          <a:lstStyle/>
+          <a:p>
+            <a:pPr algn="ctr"/>
+            <a:r>
+              <a:rPr lang="zh-TW" altLang="en-US" strike="sngStrike" dirty="0" smtClean="0"/>
               <a:t>需求</a:t>
             </a:r>
-            <a:endParaRPr lang="zh-TW" altLang="en-US" dirty="0"/>
+            <a:r>
+              <a:rPr lang="en-US" altLang="zh-TW" strike="sngStrike" dirty="0" smtClean="0"/>
+              <a:t>(</a:t>
+            </a:r>
+            <a:r>
+              <a:rPr lang="zh-TW" altLang="en-US" strike="sngStrike" dirty="0"/>
+              <a:t>已</a:t>
+            </a:r>
+            <a:r>
+              <a:rPr lang="zh-TW" altLang="en-US" strike="sngStrike" dirty="0" smtClean="0"/>
+              <a:t>隱藏</a:t>
+            </a:r>
+            <a:r>
+              <a:rPr lang="en-US" altLang="zh-TW" strike="sngStrike" dirty="0" smtClean="0"/>
+              <a:t>)</a:t>
+            </a:r>
+            <a:endParaRPr lang="zh-TW" altLang="en-US" strike="sngStrike" dirty="0"/>
           </a:p>
         </p:txBody>
       </p:sp>
@@ -3376,10 +8496,15 @@
             <p:ph idx="1"/>
           </p:nvPr>
         </p:nvSpPr>
-        <p:spPr/>
+        <p:spPr>
+          <a:xfrm>
+            <a:off x="838200" y="1825624"/>
+            <a:ext cx="10515600" cy="5032375"/>
+          </a:xfrm>
+        </p:spPr>
         <p:txBody>
           <a:bodyPr>
-            <a:normAutofit fontScale="47500" lnSpcReduction="20000"/>
+            <a:normAutofit fontScale="32500" lnSpcReduction="20000"/>
           </a:bodyPr>
           <a:lstStyle/>
           <a:p>
@@ -3615,6 +8740,13 @@
           </a:p>
           <a:p>
             <a:r>
+              <a:rPr lang="zh-TW" altLang="en-US" dirty="0" smtClean="0"/>
+              <a:t>驗證需求</a:t>
+            </a:r>
+            <a:endParaRPr lang="en-US" altLang="zh-TW" dirty="0" smtClean="0"/>
+          </a:p>
+          <a:p>
+            <a:r>
               <a:rPr lang="en-US" altLang="zh-TW" dirty="0" smtClean="0"/>
               <a:t>Break down</a:t>
             </a:r>
@@ -3647,11 +8779,81 @@
             <a:pPr lvl="1"/>
             <a:r>
               <a:rPr lang="zh-TW" altLang="en-US" dirty="0" smtClean="0"/>
-              <a:t>函數</a:t>
-            </a:r>
-            <a:r>
-              <a:rPr lang="zh-TW" altLang="en-US" dirty="0"/>
-              <a:t>介面</a:t>
+              <a:t>函數介面</a:t>
+            </a:r>
+            <a:endParaRPr lang="en-US" altLang="zh-TW" dirty="0" smtClean="0"/>
+          </a:p>
+          <a:p>
+            <a:pPr lvl="1"/>
+            <a:r>
+              <a:rPr lang="zh-TW" altLang="en-US" dirty="0" smtClean="0"/>
+              <a:t>架構圖</a:t>
+            </a:r>
+            <a:endParaRPr lang="en-US" altLang="zh-TW" dirty="0" smtClean="0"/>
+          </a:p>
+          <a:p>
+            <a:pPr lvl="1"/>
+            <a:r>
+              <a:rPr lang="en-US" altLang="zh-TW" dirty="0" smtClean="0"/>
+              <a:t>API</a:t>
+            </a:r>
+            <a:r>
+              <a:rPr lang="zh-TW" altLang="en-US" dirty="0" smtClean="0"/>
+              <a:t>文件</a:t>
+            </a:r>
+            <a:endParaRPr lang="en-US" altLang="zh-TW" dirty="0" smtClean="0"/>
+          </a:p>
+          <a:p>
+            <a:r>
+              <a:rPr lang="en-US" altLang="zh-TW" dirty="0" smtClean="0"/>
+              <a:t>API</a:t>
+            </a:r>
+          </a:p>
+          <a:p>
+            <a:pPr lvl="1"/>
+            <a:r>
+              <a:rPr lang="zh-TW" altLang="en-US" dirty="0" smtClean="0"/>
+              <a:t>輸入</a:t>
+            </a:r>
+            <a:endParaRPr lang="en-US" altLang="zh-TW" dirty="0" smtClean="0"/>
+          </a:p>
+          <a:p>
+            <a:pPr lvl="1"/>
+            <a:r>
+              <a:rPr lang="zh-TW" altLang="en-US" dirty="0" smtClean="0"/>
+              <a:t>輸出</a:t>
+            </a:r>
+            <a:endParaRPr lang="en-US" altLang="zh-TW" dirty="0" smtClean="0"/>
+          </a:p>
+          <a:p>
+            <a:pPr lvl="1"/>
+            <a:r>
+              <a:rPr lang="zh-TW" altLang="en-US" dirty="0" smtClean="0"/>
+              <a:t>參數 </a:t>
+            </a:r>
+            <a:r>
+              <a:rPr lang="en-US" altLang="zh-TW" dirty="0" smtClean="0"/>
+              <a:t>:</a:t>
+            </a:r>
+            <a:r>
+              <a:rPr lang="zh-TW" altLang="en-US" dirty="0" smtClean="0"/>
+              <a:t> 固定的</a:t>
+            </a:r>
+            <a:endParaRPr lang="en-US" altLang="zh-TW" dirty="0" smtClean="0"/>
+          </a:p>
+          <a:p>
+            <a:pPr lvl="1"/>
+            <a:r>
+              <a:rPr lang="zh-TW" altLang="en-US" dirty="0" smtClean="0"/>
+              <a:t>方法 </a:t>
+            </a:r>
+            <a:r>
+              <a:rPr lang="en-US" altLang="zh-TW" dirty="0" smtClean="0"/>
+              <a:t>:</a:t>
+            </a:r>
+            <a:r>
+              <a:rPr lang="zh-TW" altLang="en-US" dirty="0" smtClean="0"/>
+              <a:t> 操作型定義</a:t>
             </a:r>
             <a:endParaRPr lang="en-US" altLang="zh-TW" dirty="0" smtClean="0"/>
           </a:p>
@@ -3667,6 +8869,21 @@
   <p:clrMapOvr>
     <a:masterClrMapping/>
   </p:clrMapOvr>
+  <mc:AlternateContent xmlns:mc="http://schemas.openxmlformats.org/markup-compatibility/2006">
+    <mc:Choice xmlns:p14="http://schemas.microsoft.com/office/powerpoint/2010/main" Requires="p14">
+      <p:transition spd="slow" p14:dur="2000"/>
+    </mc:Choice>
+    <mc:Fallback>
+      <p:transition spd="slow"/>
+    </mc:Fallback>
+  </mc:AlternateContent>
+  <p:timing>
+    <p:tnLst>
+      <p:par>
+        <p:cTn id="1" dur="indefinite" restart="never" nodeType="tmRoot"/>
+      </p:par>
+    </p:tnLst>
+  </p:timing>
 </p:sld>
 </file>
 
@@ -3705,7 +8922,15 @@
             <a:pPr algn="ctr"/>
             <a:r>
               <a:rPr lang="zh-TW" altLang="en-US" dirty="0" smtClean="0"/>
-              <a:t>分析</a:t>
+              <a:t>前言 </a:t>
+            </a:r>
+            <a:r>
+              <a:rPr lang="en-US" altLang="zh-TW" dirty="0" smtClean="0"/>
+              <a:t>-</a:t>
+            </a:r>
+            <a:r>
+              <a:rPr lang="zh-TW" altLang="en-US" dirty="0" smtClean="0"/>
+              <a:t> 實際情況與困難</a:t>
             </a:r>
             <a:endParaRPr lang="zh-TW" altLang="en-US" dirty="0"/>
           </a:p>
@@ -3723,12 +8948,14 @@
         </p:nvSpPr>
         <p:spPr/>
         <p:txBody>
-          <a:bodyPr/>
-          <a:lstStyle/>
-          <a:p>
-            <a:r>
-              <a:rPr lang="zh-TW" altLang="en-US" dirty="0" smtClean="0"/>
-              <a:t>預測演算系統</a:t>
+          <a:bodyPr>
+            <a:normAutofit/>
+          </a:bodyPr>
+          <a:lstStyle/>
+          <a:p>
+            <a:r>
+              <a:rPr lang="en-US" altLang="zh-TW" dirty="0" err="1"/>
+              <a:t>RuleBase</a:t>
             </a:r>
             <a:endParaRPr lang="en-US" altLang="zh-TW" dirty="0" smtClean="0"/>
           </a:p>
@@ -3736,65 +8963,31 @@
             <a:pPr lvl="1"/>
             <a:r>
               <a:rPr lang="zh-TW" altLang="en-US" dirty="0" smtClean="0"/>
-              <a:t>球路計算機</a:t>
-            </a:r>
-            <a:endParaRPr lang="en-US" altLang="zh-TW" dirty="0" smtClean="0"/>
-          </a:p>
-          <a:p>
-            <a:pPr lvl="2"/>
-            <a:r>
-              <a:rPr lang="zh-TW" altLang="en-US" dirty="0" smtClean="0"/>
-              <a:t>預測球的移動路徑</a:t>
-            </a:r>
-            <a:r>
-              <a:rPr lang="en-US" altLang="zh-TW" dirty="0" smtClean="0"/>
-              <a:t>(</a:t>
-            </a:r>
-            <a:r>
-              <a:rPr lang="zh-TW" altLang="en-US" dirty="0" smtClean="0"/>
-              <a:t>在球已經離開板子後到對方板子間的路徑</a:t>
-            </a:r>
-            <a:r>
-              <a:rPr lang="en-US" altLang="zh-TW" dirty="0" smtClean="0"/>
-              <a:t>)</a:t>
-            </a:r>
+              <a:t>再完整機器學習也無法完美複製</a:t>
+            </a:r>
+            <a:endParaRPr lang="en-US" altLang="zh-TW" dirty="0" smtClean="0"/>
           </a:p>
           <a:p>
             <a:pPr lvl="1"/>
             <a:r>
               <a:rPr lang="zh-TW" altLang="en-US" dirty="0" smtClean="0"/>
-              <a:t>決策計算機</a:t>
-            </a:r>
-            <a:endParaRPr lang="en-US" altLang="zh-TW" dirty="0" smtClean="0"/>
-          </a:p>
-          <a:p>
-            <a:pPr lvl="2"/>
-            <a:r>
-              <a:rPr lang="zh-TW" altLang="en-US" dirty="0" smtClean="0"/>
-              <a:t>寬</a:t>
+              <a:t>預測精度再高也無法跟上高球速下被切球到的落點</a:t>
+            </a:r>
+            <a:endParaRPr lang="en-US" altLang="zh-TW" dirty="0" smtClean="0"/>
+          </a:p>
+          <a:p>
+            <a:pPr lvl="1"/>
+            <a:r>
+              <a:rPr lang="zh-TW" altLang="en-US" dirty="0" smtClean="0"/>
+              <a:t>障礙物的位置與球碰撞</a:t>
             </a:r>
             <a:r>
               <a:rPr lang="zh-TW" altLang="en-US" dirty="0"/>
-              <a:t>度</a:t>
-            </a:r>
-            <a:r>
-              <a:rPr lang="zh-TW" altLang="en-US" dirty="0" smtClean="0"/>
-              <a:t>優先搜尋對手切球所有可能的決策路徑</a:t>
-            </a:r>
-            <a:endParaRPr lang="en-US" altLang="zh-TW" dirty="0" smtClean="0"/>
-          </a:p>
-          <a:p>
-            <a:pPr lvl="2"/>
-            <a:r>
-              <a:rPr lang="zh-TW" altLang="en-US" dirty="0" smtClean="0"/>
-              <a:t>深度優先搜尋我方切球可能獲勝的決策路徑</a:t>
-            </a:r>
-            <a:endParaRPr lang="en-US" altLang="zh-TW" dirty="0" smtClean="0"/>
-          </a:p>
-          <a:p>
-            <a:r>
-              <a:rPr lang="zh-TW" altLang="en-US" dirty="0" smtClean="0"/>
-              <a:t>資料可視化系統</a:t>
+              <a:t>疊</a:t>
+            </a:r>
+            <a:r>
+              <a:rPr lang="zh-TW" altLang="en-US" dirty="0" smtClean="0"/>
+              <a:t>代誤差使長周目的預測變得不準確</a:t>
             </a:r>
             <a:endParaRPr lang="en-US" altLang="zh-TW" dirty="0" smtClean="0"/>
           </a:p>
@@ -3802,7 +8995,14 @@
             <a:pPr lvl="1"/>
             <a:r>
               <a:rPr lang="zh-TW" altLang="en-US" dirty="0" smtClean="0"/>
-              <a:t>繪製球的移動路徑與標記碰撞點</a:t>
+              <a:t>切球不一定成功使得預測結果無法確實執行</a:t>
+            </a:r>
+            <a:endParaRPr lang="en-US" altLang="zh-TW" dirty="0" smtClean="0"/>
+          </a:p>
+          <a:p>
+            <a:r>
+              <a:rPr lang="zh-TW" altLang="en-US" dirty="0" smtClean="0"/>
+              <a:t>機器學習</a:t>
             </a:r>
             <a:endParaRPr lang="en-US" altLang="zh-TW" dirty="0" smtClean="0"/>
           </a:p>
@@ -3810,75 +9010,74 @@
             <a:pPr lvl="1"/>
             <a:r>
               <a:rPr lang="zh-TW" altLang="en-US" dirty="0" smtClean="0"/>
-              <a:t>顯示</a:t>
+              <a:t>可以測試的樣本特徵過多，很難在短時間累積經驗後選出適當的樣本</a:t>
+            </a:r>
+            <a:endParaRPr lang="en-US" altLang="zh-TW" dirty="0" smtClean="0"/>
+          </a:p>
+          <a:p>
+            <a:pPr lvl="1"/>
+            <a:r>
+              <a:rPr lang="zh-TW" altLang="en-US" dirty="0" smtClean="0"/>
+              <a:t>單純的線性回歸短時間內</a:t>
             </a:r>
             <a:r>
               <a:rPr lang="zh-TW" altLang="en-US" dirty="0"/>
-              <a:t>演算</a:t>
-            </a:r>
-            <a:r>
-              <a:rPr lang="zh-TW" altLang="en-US" dirty="0" smtClean="0"/>
-              <a:t>系統計算可獲勝的預測路徑</a:t>
-            </a:r>
-            <a:endParaRPr lang="en-US" altLang="zh-TW" dirty="0" smtClean="0"/>
-          </a:p>
-          <a:p>
-            <a:pPr lvl="2"/>
-            <a:r>
-              <a:rPr lang="zh-TW" altLang="en-US" dirty="0" smtClean="0"/>
-              <a:t>球來回</a:t>
-            </a:r>
-            <a:r>
-              <a:rPr lang="en-US" altLang="zh-TW" dirty="0" smtClean="0"/>
-              <a:t>1</a:t>
-            </a:r>
-            <a:r>
-              <a:rPr lang="zh-TW" altLang="en-US" dirty="0" smtClean="0"/>
-              <a:t>次定義為</a:t>
-            </a:r>
-            <a:r>
-              <a:rPr lang="en-US" altLang="zh-TW" dirty="0" smtClean="0"/>
-              <a:t>1</a:t>
-            </a:r>
-            <a:r>
-              <a:rPr lang="zh-TW" altLang="en-US" dirty="0" smtClean="0"/>
-              <a:t>周目</a:t>
-            </a:r>
-            <a:r>
-              <a:rPr lang="en-US" altLang="zh-TW" dirty="0" smtClean="0"/>
-              <a:t>(</a:t>
-            </a:r>
-            <a:r>
-              <a:rPr lang="zh-TW" altLang="en-US" dirty="0" smtClean="0"/>
-              <a:t>把</a:t>
-            </a:r>
-            <a:r>
-              <a:rPr lang="en-US" altLang="zh-TW" dirty="0" smtClean="0"/>
-              <a:t>1~n</a:t>
-            </a:r>
-            <a:r>
-              <a:rPr lang="zh-TW" altLang="en-US" dirty="0" smtClean="0"/>
-              <a:t>周目的路徑用不同顏色分開</a:t>
-            </a:r>
-            <a:r>
-              <a:rPr lang="en-US" altLang="zh-TW" dirty="0" smtClean="0"/>
-              <a:t>)</a:t>
-            </a:r>
-          </a:p>
-          <a:p>
-            <a:pPr lvl="2"/>
+              <a:t>訓練</a:t>
+            </a:r>
+            <a:r>
+              <a:rPr lang="zh-TW" altLang="en-US" dirty="0" smtClean="0"/>
+              <a:t>簡單直覺有效</a:t>
+            </a:r>
             <a:endParaRPr lang="en-US" altLang="zh-TW" dirty="0" smtClean="0"/>
           </a:p>
           <a:p>
             <a:pPr lvl="1"/>
-            <a:endParaRPr lang="en-US" altLang="zh-TW" dirty="0" smtClean="0"/>
+            <a:r>
+              <a:rPr lang="en-US" altLang="zh-TW" dirty="0" smtClean="0"/>
+              <a:t>MLP</a:t>
+            </a:r>
+            <a:r>
+              <a:rPr lang="zh-TW" altLang="en-US" dirty="0" smtClean="0"/>
+              <a:t>雖然可以回歸</a:t>
+            </a:r>
+            <a:r>
+              <a:rPr lang="en-US" altLang="zh-TW" dirty="0" err="1" smtClean="0"/>
+              <a:t>rulebase</a:t>
+            </a:r>
+            <a:r>
+              <a:rPr lang="zh-TW" altLang="en-US" dirty="0" smtClean="0"/>
+              <a:t>到</a:t>
+            </a:r>
+            <a:r>
+              <a:rPr lang="en-US" altLang="zh-TW" dirty="0" smtClean="0"/>
+              <a:t>99%</a:t>
+            </a:r>
+            <a:r>
+              <a:rPr lang="zh-TW" altLang="en-US" dirty="0" smtClean="0"/>
+              <a:t>但依然不實用</a:t>
+            </a:r>
+            <a:endParaRPr lang="en-US" altLang="zh-TW" dirty="0" smtClean="0"/>
+          </a:p>
+          <a:p>
+            <a:pPr lvl="1"/>
+            <a:r>
+              <a:rPr lang="zh-TW" altLang="en-US" dirty="0" smtClean="0"/>
+              <a:t>多個回歸比起單一個回歸更實用</a:t>
+            </a:r>
+            <a:endParaRPr lang="en-US" altLang="zh-TW" dirty="0" smtClean="0"/>
+          </a:p>
+          <a:p>
+            <a:pPr marL="457200" lvl="1" indent="0">
+              <a:buNone/>
+            </a:pPr>
+            <a:endParaRPr lang="zh-TW" altLang="en-US" dirty="0"/>
           </a:p>
         </p:txBody>
       </p:sp>
     </p:spTree>
     <p:extLst>
       <p:ext uri="{BB962C8B-B14F-4D97-AF65-F5344CB8AC3E}">
-        <p14:creationId xmlns:p14="http://schemas.microsoft.com/office/powerpoint/2010/main" val="1972764358"/>
+        <p14:creationId xmlns:p14="http://schemas.microsoft.com/office/powerpoint/2010/main" val="169004180"/>
       </p:ext>
     </p:extLst>
   </p:cSld>
@@ -3923,7 +9122,7 @@
             <a:pPr algn="ctr"/>
             <a:r>
               <a:rPr lang="zh-TW" altLang="en-US" dirty="0" smtClean="0"/>
-              <a:t>分析</a:t>
+              <a:t>功能需求</a:t>
             </a:r>
             <a:endParaRPr lang="zh-TW" altLang="en-US" dirty="0"/>
           </a:p>
@@ -3946,70 +9145,682 @@
           <a:p>
             <a:r>
               <a:rPr lang="zh-TW" altLang="en-US" dirty="0" smtClean="0"/>
-              <a:t>即時訓練系統</a:t>
-            </a:r>
-            <a:endParaRPr lang="en-US" altLang="zh-TW" dirty="0" smtClean="0"/>
-          </a:p>
-          <a:p>
-            <a:pPr lvl="1"/>
-            <a:r>
-              <a:rPr lang="zh-TW" altLang="en-US" dirty="0" smtClean="0"/>
-              <a:t>線上訓練全新的神經網路</a:t>
-            </a:r>
-            <a:endParaRPr lang="en-US" altLang="zh-TW" dirty="0" smtClean="0"/>
-          </a:p>
-          <a:p>
-            <a:pPr lvl="2"/>
-            <a:r>
-              <a:rPr lang="zh-TW" altLang="en-US" dirty="0" smtClean="0"/>
-              <a:t>對戰失分時學習失分路徑的預測路徑回饋到預測演算系統</a:t>
-            </a:r>
-            <a:endParaRPr lang="en-US" altLang="zh-TW" dirty="0" smtClean="0"/>
-          </a:p>
-          <a:p>
-            <a:r>
-              <a:rPr lang="zh-TW" altLang="en-US" dirty="0" smtClean="0"/>
-              <a:t>驗證系統</a:t>
-            </a:r>
-            <a:endParaRPr lang="en-US" altLang="zh-TW" dirty="0" smtClean="0"/>
-          </a:p>
-          <a:p>
-            <a:pPr lvl="1"/>
-            <a:r>
-              <a:rPr lang="zh-TW" altLang="en-US" dirty="0" smtClean="0"/>
-              <a:t>以</a:t>
-            </a:r>
-            <a:r>
-              <a:rPr lang="en-US" altLang="zh-TW" dirty="0" smtClean="0"/>
-              <a:t>Rule Base</a:t>
-            </a:r>
-            <a:r>
-              <a:rPr lang="zh-TW" altLang="en-US" dirty="0" smtClean="0"/>
-              <a:t>驗證訓練的網路是否更好</a:t>
-            </a:r>
-            <a:endParaRPr lang="en-US" altLang="zh-TW" dirty="0" smtClean="0"/>
-          </a:p>
-          <a:p>
-            <a:r>
-              <a:rPr lang="zh-TW" altLang="en-US" dirty="0" smtClean="0"/>
-              <a:t>模式切換系統</a:t>
-            </a:r>
-            <a:endParaRPr lang="en-US" altLang="zh-TW" dirty="0" smtClean="0"/>
-          </a:p>
-          <a:p>
-            <a:pPr lvl="1"/>
-            <a:r>
-              <a:rPr lang="zh-TW" altLang="en-US" dirty="0" smtClean="0"/>
-              <a:t>利用驗證結果決定是否切換網路</a:t>
+              <a:t>樣本可視化</a:t>
             </a:r>
             <a:endParaRPr lang="en-US" altLang="zh-TW" dirty="0"/>
+          </a:p>
+          <a:p>
+            <a:r>
+              <a:rPr lang="zh-TW" altLang="en-US" dirty="0" smtClean="0"/>
+              <a:t>球路落點可視化</a:t>
+            </a:r>
+            <a:endParaRPr lang="en-US" altLang="zh-TW" dirty="0" smtClean="0"/>
+          </a:p>
+          <a:p>
+            <a:r>
+              <a:rPr lang="zh-TW" altLang="en-US" dirty="0" smtClean="0"/>
+              <a:t>預測球回到板子的落點</a:t>
+            </a:r>
+            <a:endParaRPr lang="en-US" altLang="zh-TW" dirty="0" smtClean="0"/>
+          </a:p>
+          <a:p>
+            <a:r>
+              <a:rPr lang="zh-TW" altLang="en-US" dirty="0" smtClean="0"/>
+              <a:t>改變遊戲環境以利擷取樣本資料</a:t>
+            </a:r>
+            <a:endParaRPr lang="en-US" altLang="zh-TW" dirty="0" smtClean="0"/>
+          </a:p>
+          <a:p>
+            <a:r>
+              <a:rPr lang="zh-TW" altLang="en-US" dirty="0"/>
+              <a:t>設計</a:t>
+            </a:r>
+            <a:r>
+              <a:rPr lang="en-US" altLang="zh-TW" dirty="0" err="1"/>
+              <a:t>RuleBase</a:t>
+            </a:r>
+            <a:r>
+              <a:rPr lang="zh-TW" altLang="en-US" dirty="0" smtClean="0"/>
+              <a:t>用來擷取資料</a:t>
+            </a:r>
+            <a:endParaRPr lang="en-US" altLang="zh-TW" dirty="0" smtClean="0"/>
           </a:p>
         </p:txBody>
       </p:sp>
     </p:spTree>
     <p:extLst>
       <p:ext uri="{BB962C8B-B14F-4D97-AF65-F5344CB8AC3E}">
-        <p14:creationId xmlns:p14="http://schemas.microsoft.com/office/powerpoint/2010/main" val="4173134792"/>
+        <p14:creationId xmlns:p14="http://schemas.microsoft.com/office/powerpoint/2010/main" val="2817880787"/>
+      </p:ext>
+    </p:extLst>
+  </p:cSld>
+  <p:clrMapOvr>
+    <a:masterClrMapping/>
+  </p:clrMapOvr>
+</p:sld>
+</file>
+
+<file path=ppt/slides/slide7.xml><?xml version="1.0" encoding="utf-8"?>
+<p:sld xmlns:a="http://schemas.openxmlformats.org/drawingml/2006/main" xmlns:r="http://schemas.openxmlformats.org/officeDocument/2006/relationships" xmlns:p="http://schemas.openxmlformats.org/presentationml/2006/main">
+  <p:cSld>
+    <p:spTree>
+      <p:nvGrpSpPr>
+        <p:cNvPr id="1" name=""/>
+        <p:cNvGrpSpPr/>
+        <p:nvPr/>
+      </p:nvGrpSpPr>
+      <p:grpSpPr>
+        <a:xfrm>
+          <a:off x="0" y="0"/>
+          <a:ext cx="0" cy="0"/>
+          <a:chOff x="0" y="0"/>
+          <a:chExt cx="0" cy="0"/>
+        </a:xfrm>
+      </p:grpSpPr>
+      <p:sp>
+        <p:nvSpPr>
+          <p:cNvPr id="2" name="標題 1"/>
+          <p:cNvSpPr>
+            <a:spLocks noGrp="1"/>
+          </p:cNvSpPr>
+          <p:nvPr>
+            <p:ph type="title"/>
+          </p:nvPr>
+        </p:nvSpPr>
+        <p:spPr/>
+        <p:txBody>
+          <a:bodyPr/>
+          <a:lstStyle/>
+          <a:p>
+            <a:pPr algn="ctr"/>
+            <a:r>
+              <a:rPr lang="zh-TW" altLang="en-US" dirty="0"/>
+              <a:t>效能</a:t>
+            </a:r>
+            <a:r>
+              <a:rPr lang="zh-TW" altLang="en-US" dirty="0" smtClean="0"/>
+              <a:t>需求</a:t>
+            </a:r>
+            <a:endParaRPr lang="zh-TW" altLang="en-US" dirty="0"/>
+          </a:p>
+        </p:txBody>
+      </p:sp>
+      <p:sp>
+        <p:nvSpPr>
+          <p:cNvPr id="3" name="內容版面配置區 2"/>
+          <p:cNvSpPr>
+            <a:spLocks noGrp="1"/>
+          </p:cNvSpPr>
+          <p:nvPr>
+            <p:ph idx="1"/>
+          </p:nvPr>
+        </p:nvSpPr>
+        <p:spPr/>
+        <p:txBody>
+          <a:bodyPr>
+            <a:normAutofit fontScale="92500" lnSpcReduction="20000"/>
+          </a:bodyPr>
+          <a:lstStyle/>
+          <a:p>
+            <a:r>
+              <a:rPr lang="en-US" altLang="zh-TW" dirty="0" err="1" smtClean="0"/>
+              <a:t>RuleBase</a:t>
+            </a:r>
+            <a:endParaRPr lang="en-US" altLang="zh-TW" dirty="0" smtClean="0"/>
+          </a:p>
+          <a:p>
+            <a:pPr lvl="1"/>
+            <a:r>
+              <a:rPr lang="zh-TW" altLang="en-US" dirty="0" smtClean="0"/>
+              <a:t>精度</a:t>
+            </a:r>
+            <a:endParaRPr lang="en-US" altLang="zh-TW" dirty="0" smtClean="0"/>
+          </a:p>
+          <a:p>
+            <a:pPr lvl="2"/>
+            <a:r>
+              <a:rPr lang="zh-TW" altLang="en-US" dirty="0" smtClean="0"/>
+              <a:t>為了能夠預測球路落點以供訓練，落點的誤差必須小於正負</a:t>
+            </a:r>
+            <a:r>
+              <a:rPr lang="en-US" altLang="zh-TW" dirty="0" smtClean="0"/>
+              <a:t>10</a:t>
+            </a:r>
+            <a:r>
+              <a:rPr lang="zh-TW" altLang="en-US" dirty="0" smtClean="0"/>
+              <a:t>個</a:t>
+            </a:r>
+            <a:r>
+              <a:rPr lang="en-US" altLang="zh-TW" dirty="0" smtClean="0"/>
+              <a:t>pixels</a:t>
+            </a:r>
+          </a:p>
+          <a:p>
+            <a:pPr lvl="1"/>
+            <a:r>
+              <a:rPr lang="zh-TW" altLang="en-US" dirty="0" smtClean="0"/>
+              <a:t>接球成功最大球速</a:t>
+            </a:r>
+            <a:endParaRPr lang="en-US" altLang="zh-TW" dirty="0" smtClean="0"/>
+          </a:p>
+          <a:p>
+            <a:pPr lvl="2"/>
+            <a:r>
+              <a:rPr lang="zh-TW" altLang="en-US" dirty="0" smtClean="0"/>
+              <a:t>球速</a:t>
+            </a:r>
+            <a:r>
+              <a:rPr lang="en-US" altLang="zh-TW" dirty="0" smtClean="0"/>
+              <a:t>31</a:t>
+            </a:r>
+          </a:p>
+          <a:p>
+            <a:pPr lvl="1"/>
+            <a:r>
+              <a:rPr lang="zh-TW" altLang="en-US" dirty="0" smtClean="0"/>
+              <a:t>變動量穩定時間</a:t>
+            </a:r>
+            <a:endParaRPr lang="en-US" altLang="zh-TW" dirty="0" smtClean="0"/>
+          </a:p>
+          <a:p>
+            <a:pPr lvl="2"/>
+            <a:r>
+              <a:rPr lang="zh-TW" altLang="en-US" dirty="0" smtClean="0"/>
+              <a:t>當球離開板子後預測球落點的位置若有所變動，其變動量到達穩定時之時間不可超過理論上板子移動到該穩定落點之時間</a:t>
+            </a:r>
+            <a:endParaRPr lang="en-US" altLang="zh-TW" dirty="0" smtClean="0"/>
+          </a:p>
+          <a:p>
+            <a:pPr lvl="1"/>
+            <a:r>
+              <a:rPr lang="zh-TW" altLang="en-US" dirty="0" smtClean="0"/>
+              <a:t>板子誤動作折返距離</a:t>
+            </a:r>
+            <a:endParaRPr lang="en-US" altLang="zh-TW" dirty="0" smtClean="0"/>
+          </a:p>
+          <a:p>
+            <a:pPr lvl="2"/>
+            <a:r>
+              <a:rPr lang="zh-TW" altLang="en-US" dirty="0" smtClean="0"/>
+              <a:t>當球離開板子後應當直線移動到預測落點，若有折返，其折返距離不可超過</a:t>
+            </a:r>
+            <a:r>
+              <a:rPr lang="en-US" altLang="zh-TW" dirty="0" smtClean="0"/>
+              <a:t>40piexls</a:t>
+            </a:r>
+          </a:p>
+          <a:p>
+            <a:pPr lvl="1"/>
+            <a:r>
+              <a:rPr lang="zh-TW" altLang="en-US" dirty="0" smtClean="0"/>
+              <a:t>切球成功率</a:t>
+            </a:r>
+            <a:endParaRPr lang="en-US" altLang="zh-TW" dirty="0" smtClean="0"/>
+          </a:p>
+          <a:p>
+            <a:pPr lvl="2"/>
+            <a:r>
+              <a:rPr lang="zh-TW" altLang="en-US" dirty="0" smtClean="0"/>
+              <a:t>切球成功率需到達</a:t>
+            </a:r>
+            <a:r>
+              <a:rPr lang="en-US" altLang="zh-TW" dirty="0" smtClean="0"/>
+              <a:t>80%</a:t>
+            </a:r>
+          </a:p>
+          <a:p>
+            <a:pPr lvl="1"/>
+            <a:r>
+              <a:rPr lang="zh-TW" altLang="en-US" dirty="0" smtClean="0"/>
+              <a:t>開球優勢位置預測週數</a:t>
+            </a:r>
+            <a:endParaRPr lang="en-US" altLang="zh-TW" dirty="0" smtClean="0"/>
+          </a:p>
+          <a:p>
+            <a:pPr lvl="2"/>
+            <a:r>
+              <a:rPr lang="zh-TW" altLang="en-US" dirty="0" smtClean="0"/>
+              <a:t>開球要能夠預測到</a:t>
+            </a:r>
+            <a:r>
+              <a:rPr lang="en-US" altLang="zh-TW" dirty="0" smtClean="0"/>
+              <a:t>30</a:t>
+            </a:r>
+            <a:r>
+              <a:rPr lang="zh-TW" altLang="en-US" dirty="0" smtClean="0"/>
+              <a:t>週內不切球情況下優勢的開球位置</a:t>
+            </a:r>
+            <a:endParaRPr lang="zh-TW" altLang="en-US" dirty="0"/>
+          </a:p>
+        </p:txBody>
+      </p:sp>
+    </p:spTree>
+    <p:extLst>
+      <p:ext uri="{BB962C8B-B14F-4D97-AF65-F5344CB8AC3E}">
+        <p14:creationId xmlns:p14="http://schemas.microsoft.com/office/powerpoint/2010/main" val="1433589953"/>
+      </p:ext>
+    </p:extLst>
+  </p:cSld>
+  <p:clrMapOvr>
+    <a:masterClrMapping/>
+  </p:clrMapOvr>
+</p:sld>
+</file>
+
+<file path=ppt/slides/slide8.xml><?xml version="1.0" encoding="utf-8"?>
+<p:sld xmlns:a="http://schemas.openxmlformats.org/drawingml/2006/main" xmlns:r="http://schemas.openxmlformats.org/officeDocument/2006/relationships" xmlns:p="http://schemas.openxmlformats.org/presentationml/2006/main">
+  <p:cSld>
+    <p:spTree>
+      <p:nvGrpSpPr>
+        <p:cNvPr id="1" name=""/>
+        <p:cNvGrpSpPr/>
+        <p:nvPr/>
+      </p:nvGrpSpPr>
+      <p:grpSpPr>
+        <a:xfrm>
+          <a:off x="0" y="0"/>
+          <a:ext cx="0" cy="0"/>
+          <a:chOff x="0" y="0"/>
+          <a:chExt cx="0" cy="0"/>
+        </a:xfrm>
+      </p:grpSpPr>
+      <p:sp>
+        <p:nvSpPr>
+          <p:cNvPr id="2" name="標題 1"/>
+          <p:cNvSpPr>
+            <a:spLocks noGrp="1"/>
+          </p:cNvSpPr>
+          <p:nvPr>
+            <p:ph type="title"/>
+          </p:nvPr>
+        </p:nvSpPr>
+        <p:spPr/>
+        <p:txBody>
+          <a:bodyPr/>
+          <a:lstStyle/>
+          <a:p>
+            <a:pPr algn="ctr"/>
+            <a:r>
+              <a:rPr lang="zh-TW" altLang="en-US" dirty="0"/>
+              <a:t>效能</a:t>
+            </a:r>
+            <a:r>
+              <a:rPr lang="zh-TW" altLang="en-US" dirty="0" smtClean="0"/>
+              <a:t>需求</a:t>
+            </a:r>
+            <a:r>
+              <a:rPr lang="zh-TW" altLang="en-US" dirty="0"/>
+              <a:t>二</a:t>
+            </a:r>
+          </a:p>
+        </p:txBody>
+      </p:sp>
+      <p:sp>
+        <p:nvSpPr>
+          <p:cNvPr id="3" name="內容版面配置區 2"/>
+          <p:cNvSpPr>
+            <a:spLocks noGrp="1"/>
+          </p:cNvSpPr>
+          <p:nvPr>
+            <p:ph idx="1"/>
+          </p:nvPr>
+        </p:nvSpPr>
+        <p:spPr/>
+        <p:txBody>
+          <a:bodyPr>
+            <a:normAutofit/>
+          </a:bodyPr>
+          <a:lstStyle/>
+          <a:p>
+            <a:r>
+              <a:rPr lang="zh-TW" altLang="en-US" dirty="0" smtClean="0"/>
+              <a:t>機器學習</a:t>
+            </a:r>
+            <a:endParaRPr lang="en-US" altLang="zh-TW" dirty="0" smtClean="0"/>
+          </a:p>
+          <a:p>
+            <a:pPr lvl="1"/>
+            <a:r>
+              <a:rPr lang="zh-TW" altLang="en-US" dirty="0" smtClean="0"/>
+              <a:t>接球成功最大球速</a:t>
+            </a:r>
+            <a:endParaRPr lang="en-US" altLang="zh-TW" dirty="0" smtClean="0"/>
+          </a:p>
+          <a:p>
+            <a:pPr lvl="2"/>
+            <a:r>
+              <a:rPr lang="zh-TW" altLang="en-US" dirty="0" smtClean="0"/>
+              <a:t>球速</a:t>
+            </a:r>
+            <a:r>
+              <a:rPr lang="en-US" altLang="zh-TW" dirty="0" smtClean="0"/>
+              <a:t>31</a:t>
+            </a:r>
+          </a:p>
+          <a:p>
+            <a:pPr lvl="1"/>
+            <a:r>
+              <a:rPr lang="zh-TW" altLang="en-US" dirty="0"/>
+              <a:t>接球成功</a:t>
+            </a:r>
+            <a:r>
+              <a:rPr lang="zh-TW" altLang="en-US" dirty="0" smtClean="0"/>
+              <a:t>最低球速</a:t>
+            </a:r>
+            <a:endParaRPr lang="en-US" altLang="zh-TW" dirty="0" smtClean="0"/>
+          </a:p>
+          <a:p>
+            <a:pPr lvl="2"/>
+            <a:r>
+              <a:rPr lang="zh-TW" altLang="en-US" dirty="0" smtClean="0"/>
+              <a:t>至少球速</a:t>
+            </a:r>
+            <a:r>
+              <a:rPr lang="en-US" altLang="zh-TW" dirty="0" smtClean="0"/>
+              <a:t>22</a:t>
+            </a:r>
+          </a:p>
+          <a:p>
+            <a:pPr lvl="1"/>
+            <a:r>
+              <a:rPr lang="zh-TW" altLang="en-US" dirty="0"/>
+              <a:t>變動量穩定時間</a:t>
+            </a:r>
+            <a:endParaRPr lang="en-US" altLang="zh-TW" dirty="0"/>
+          </a:p>
+          <a:p>
+            <a:pPr lvl="2"/>
+            <a:r>
+              <a:rPr lang="zh-TW" altLang="en-US" dirty="0" smtClean="0"/>
+              <a:t>當球離開板子後預測球落點的位置若有所變動，必須在對方擊球後立刻穩定</a:t>
+            </a:r>
+            <a:endParaRPr lang="en-US" altLang="zh-TW" dirty="0" smtClean="0"/>
+          </a:p>
+          <a:p>
+            <a:pPr lvl="1"/>
+            <a:r>
+              <a:rPr lang="zh-TW" altLang="en-US" dirty="0" smtClean="0"/>
+              <a:t>板子誤動作折返距離</a:t>
+            </a:r>
+            <a:endParaRPr lang="en-US" altLang="zh-TW" dirty="0" smtClean="0"/>
+          </a:p>
+          <a:p>
+            <a:pPr lvl="2"/>
+            <a:r>
+              <a:rPr lang="zh-TW" altLang="en-US" dirty="0" smtClean="0"/>
+              <a:t>當</a:t>
+            </a:r>
+            <a:r>
+              <a:rPr lang="zh-TW" altLang="en-US" dirty="0"/>
+              <a:t>球離開板子後應當直線移動到預測落點，若有折返，其折返距離不可</a:t>
+            </a:r>
+            <a:r>
+              <a:rPr lang="zh-TW" altLang="en-US" dirty="0" smtClean="0"/>
+              <a:t>超過</a:t>
+            </a:r>
+            <a:r>
+              <a:rPr lang="en-US" altLang="zh-TW" dirty="0" smtClean="0"/>
+              <a:t>80piexls</a:t>
+            </a:r>
+            <a:endParaRPr lang="en-US" altLang="zh-TW" dirty="0"/>
+          </a:p>
+          <a:p>
+            <a:pPr lvl="1"/>
+            <a:endParaRPr lang="en-US" altLang="zh-TW" dirty="0"/>
+          </a:p>
+          <a:p>
+            <a:pPr lvl="1"/>
+            <a:endParaRPr lang="en-US" altLang="zh-TW" dirty="0" smtClean="0"/>
+          </a:p>
+          <a:p>
+            <a:pPr lvl="1"/>
+            <a:endParaRPr lang="zh-TW" altLang="en-US" dirty="0"/>
+          </a:p>
+        </p:txBody>
+      </p:sp>
+    </p:spTree>
+    <p:extLst>
+      <p:ext uri="{BB962C8B-B14F-4D97-AF65-F5344CB8AC3E}">
+        <p14:creationId xmlns:p14="http://schemas.microsoft.com/office/powerpoint/2010/main" val="3876659988"/>
+      </p:ext>
+    </p:extLst>
+  </p:cSld>
+  <p:clrMapOvr>
+    <a:masterClrMapping/>
+  </p:clrMapOvr>
+</p:sld>
+</file>
+
+<file path=ppt/slides/slide9.xml><?xml version="1.0" encoding="utf-8"?>
+<p:sld xmlns:a="http://schemas.openxmlformats.org/drawingml/2006/main" xmlns:r="http://schemas.openxmlformats.org/officeDocument/2006/relationships" xmlns:p="http://schemas.openxmlformats.org/presentationml/2006/main">
+  <p:cSld>
+    <p:spTree>
+      <p:nvGrpSpPr>
+        <p:cNvPr id="1" name=""/>
+        <p:cNvGrpSpPr/>
+        <p:nvPr/>
+      </p:nvGrpSpPr>
+      <p:grpSpPr>
+        <a:xfrm>
+          <a:off x="0" y="0"/>
+          <a:ext cx="0" cy="0"/>
+          <a:chOff x="0" y="0"/>
+          <a:chExt cx="0" cy="0"/>
+        </a:xfrm>
+      </p:grpSpPr>
+      <p:sp>
+        <p:nvSpPr>
+          <p:cNvPr id="2" name="標題 1"/>
+          <p:cNvSpPr>
+            <a:spLocks noGrp="1"/>
+          </p:cNvSpPr>
+          <p:nvPr>
+            <p:ph type="title"/>
+          </p:nvPr>
+        </p:nvSpPr>
+        <p:spPr/>
+        <p:txBody>
+          <a:bodyPr/>
+          <a:lstStyle/>
+          <a:p>
+            <a:pPr algn="ctr"/>
+            <a:r>
+              <a:rPr lang="zh-TW" altLang="en-US" dirty="0" smtClean="0"/>
+              <a:t>效能限制</a:t>
+            </a:r>
+            <a:endParaRPr lang="zh-TW" altLang="en-US" dirty="0"/>
+          </a:p>
+        </p:txBody>
+      </p:sp>
+      <p:sp>
+        <p:nvSpPr>
+          <p:cNvPr id="3" name="內容版面配置區 2"/>
+          <p:cNvSpPr>
+            <a:spLocks noGrp="1"/>
+          </p:cNvSpPr>
+          <p:nvPr>
+            <p:ph idx="1"/>
+          </p:nvPr>
+        </p:nvSpPr>
+        <p:spPr/>
+        <p:txBody>
+          <a:bodyPr>
+            <a:normAutofit lnSpcReduction="10000"/>
+          </a:bodyPr>
+          <a:lstStyle/>
+          <a:p>
+            <a:r>
+              <a:rPr lang="zh-TW" altLang="en-US" dirty="0" smtClean="0"/>
+              <a:t>電腦環境</a:t>
+            </a:r>
+            <a:endParaRPr lang="en-US" altLang="zh-TW" dirty="0" smtClean="0"/>
+          </a:p>
+          <a:p>
+            <a:pPr lvl="1"/>
+            <a:r>
+              <a:rPr lang="zh-TW" altLang="en-US" dirty="0" smtClean="0"/>
+              <a:t>電腦核心數</a:t>
+            </a:r>
+            <a:r>
+              <a:rPr lang="en-US" altLang="zh-TW" dirty="0" smtClean="0"/>
+              <a:t>:4</a:t>
+            </a:r>
+            <a:r>
+              <a:rPr lang="zh-TW" altLang="en-US" dirty="0" smtClean="0"/>
+              <a:t>核</a:t>
+            </a:r>
+            <a:endParaRPr lang="en-US" altLang="zh-TW" dirty="0" smtClean="0"/>
+          </a:p>
+          <a:p>
+            <a:pPr lvl="2"/>
+            <a:r>
+              <a:rPr lang="zh-TW" altLang="en-US" dirty="0" smtClean="0"/>
+              <a:t>限制</a:t>
+            </a:r>
+            <a:r>
+              <a:rPr lang="en-US" altLang="zh-TW" dirty="0" err="1" smtClean="0"/>
+              <a:t>RuleBase</a:t>
+            </a:r>
+            <a:r>
+              <a:rPr lang="zh-TW" altLang="en-US" dirty="0" smtClean="0"/>
+              <a:t>的開球預測需要多執行序</a:t>
+            </a:r>
+            <a:endParaRPr lang="en-US" altLang="zh-TW" dirty="0" smtClean="0"/>
+          </a:p>
+          <a:p>
+            <a:pPr lvl="2"/>
+            <a:r>
+              <a:rPr lang="zh-TW" altLang="en-US" dirty="0"/>
+              <a:t>限制</a:t>
+            </a:r>
+            <a:r>
+              <a:rPr lang="zh-TW" altLang="en-US" dirty="0" smtClean="0"/>
+              <a:t>機器學習的數量</a:t>
+            </a:r>
+            <a:endParaRPr lang="en-US" altLang="zh-TW" dirty="0" smtClean="0"/>
+          </a:p>
+          <a:p>
+            <a:pPr lvl="1"/>
+            <a:r>
+              <a:rPr lang="zh-TW" altLang="en-US" dirty="0" smtClean="0"/>
+              <a:t>記憶體</a:t>
+            </a:r>
+            <a:r>
+              <a:rPr lang="en-US" altLang="zh-TW" dirty="0" smtClean="0"/>
+              <a:t>:8G</a:t>
+            </a:r>
+          </a:p>
+          <a:p>
+            <a:pPr lvl="2"/>
+            <a:r>
+              <a:rPr lang="zh-TW" altLang="en-US" dirty="0" smtClean="0"/>
+              <a:t>限制</a:t>
+            </a:r>
+            <a:r>
+              <a:rPr lang="en-US" altLang="zh-TW" dirty="0" err="1" smtClean="0"/>
+              <a:t>RuleBase</a:t>
+            </a:r>
+            <a:r>
+              <a:rPr lang="zh-TW" altLang="en-US" dirty="0"/>
+              <a:t>的開球</a:t>
+            </a:r>
+            <a:r>
+              <a:rPr lang="zh-TW" altLang="en-US" dirty="0" smtClean="0"/>
+              <a:t>預測周目</a:t>
+            </a:r>
+            <a:endParaRPr lang="en-US" altLang="zh-TW" dirty="0" smtClean="0"/>
+          </a:p>
+          <a:p>
+            <a:pPr lvl="2"/>
+            <a:r>
+              <a:rPr lang="zh-TW" altLang="en-US" dirty="0" smtClean="0"/>
+              <a:t>限制機器學習架構大小</a:t>
+            </a:r>
+            <a:endParaRPr lang="en-US" altLang="zh-TW" dirty="0" smtClean="0"/>
+          </a:p>
+          <a:p>
+            <a:r>
+              <a:rPr lang="zh-TW" altLang="en-US" dirty="0" smtClean="0"/>
+              <a:t>遊戲環境</a:t>
+            </a:r>
+            <a:endParaRPr lang="en-US" altLang="zh-TW" dirty="0" smtClean="0"/>
+          </a:p>
+          <a:p>
+            <a:pPr lvl="1"/>
+            <a:r>
+              <a:rPr lang="zh-TW" altLang="en-US" dirty="0"/>
+              <a:t>遊戲</a:t>
+            </a:r>
+            <a:r>
+              <a:rPr lang="en-US" altLang="zh-TW" dirty="0"/>
+              <a:t>FPS</a:t>
+            </a:r>
+            <a:r>
+              <a:rPr lang="zh-TW" altLang="en-US" dirty="0"/>
+              <a:t> </a:t>
+            </a:r>
+            <a:r>
+              <a:rPr lang="en-US" altLang="zh-TW" dirty="0"/>
+              <a:t>30</a:t>
+            </a:r>
+          </a:p>
+          <a:p>
+            <a:pPr lvl="2"/>
+            <a:r>
+              <a:rPr lang="zh-TW" altLang="en-US" dirty="0" smtClean="0"/>
+              <a:t>限制運算時間，柱列堆疊會使得到的訊息落後實際情況</a:t>
+            </a:r>
+            <a:endParaRPr lang="en-US" altLang="zh-TW" dirty="0"/>
+          </a:p>
+          <a:p>
+            <a:pPr lvl="1"/>
+            <a:r>
+              <a:rPr lang="zh-TW" altLang="en-US" dirty="0"/>
+              <a:t>遊戲板子速度</a:t>
+            </a:r>
+            <a:r>
+              <a:rPr lang="en-US" altLang="zh-TW" dirty="0"/>
+              <a:t>:5</a:t>
+            </a:r>
+            <a:r>
+              <a:rPr lang="zh-TW" altLang="en-US" dirty="0"/>
+              <a:t>格</a:t>
+            </a:r>
+            <a:r>
+              <a:rPr lang="en-US" altLang="zh-TW" dirty="0"/>
+              <a:t>/</a:t>
+            </a:r>
+            <a:r>
+              <a:rPr lang="zh-TW" altLang="en-US" dirty="0"/>
+              <a:t>禎</a:t>
+            </a:r>
+            <a:endParaRPr lang="en-US" altLang="zh-TW" dirty="0"/>
+          </a:p>
+          <a:p>
+            <a:pPr lvl="2"/>
+            <a:r>
+              <a:rPr lang="zh-TW" altLang="en-US" dirty="0"/>
+              <a:t>限制預測落點時間不可超過</a:t>
+            </a:r>
+            <a:r>
+              <a:rPr lang="zh-TW" altLang="en-US" dirty="0" smtClean="0"/>
+              <a:t>球返回我方時間</a:t>
+            </a:r>
+            <a:endParaRPr lang="en-US" altLang="zh-TW" dirty="0"/>
+          </a:p>
+          <a:p>
+            <a:endParaRPr lang="en-US" altLang="zh-TW" dirty="0" smtClean="0"/>
+          </a:p>
+          <a:p>
+            <a:pPr lvl="1"/>
+            <a:endParaRPr lang="zh-TW" altLang="en-US" dirty="0"/>
+          </a:p>
+        </p:txBody>
+      </p:sp>
+    </p:spTree>
+    <p:extLst>
+      <p:ext uri="{BB962C8B-B14F-4D97-AF65-F5344CB8AC3E}">
+        <p14:creationId xmlns:p14="http://schemas.microsoft.com/office/powerpoint/2010/main" val="29960496"/>
       </p:ext>
     </p:extLst>
   </p:cSld>
